--- a/Images/diagrams.pptx
+++ b/Images/diagrams.pptx
@@ -107,6 +107,11 @@
       </a:defRPr>
     </a:lvl9pPr>
   </p:defaultTextStyle>
+  <p:extLst>
+    <p:ext uri="{EFAFB233-063F-42B5-8137-9DF3F51BA10A}">
+      <p15:sldGuideLst xmlns:p15="http://schemas.microsoft.com/office/powerpoint/2012/main"/>
+    </p:ext>
+  </p:extLst>
 </p:presentation>
 </file>
 
@@ -259,7 +264,7 @@
           <a:p>
             <a:fld id="{43AE6D25-7305-4F8F-A793-FFF4666B6C47}" type="datetimeFigureOut">
               <a:rPr lang="en-IN" smtClean="0"/>
-              <a:t>29-10-2024</a:t>
+              <a:t>07-11-2024</a:t>
             </a:fld>
             <a:endParaRPr lang="en-IN"/>
           </a:p>
@@ -459,7 +464,7 @@
           <a:p>
             <a:fld id="{43AE6D25-7305-4F8F-A793-FFF4666B6C47}" type="datetimeFigureOut">
               <a:rPr lang="en-IN" smtClean="0"/>
-              <a:t>29-10-2024</a:t>
+              <a:t>07-11-2024</a:t>
             </a:fld>
             <a:endParaRPr lang="en-IN"/>
           </a:p>
@@ -669,7 +674,7 @@
           <a:p>
             <a:fld id="{43AE6D25-7305-4F8F-A793-FFF4666B6C47}" type="datetimeFigureOut">
               <a:rPr lang="en-IN" smtClean="0"/>
-              <a:t>29-10-2024</a:t>
+              <a:t>07-11-2024</a:t>
             </a:fld>
             <a:endParaRPr lang="en-IN"/>
           </a:p>
@@ -869,7 +874,7 @@
           <a:p>
             <a:fld id="{43AE6D25-7305-4F8F-A793-FFF4666B6C47}" type="datetimeFigureOut">
               <a:rPr lang="en-IN" smtClean="0"/>
-              <a:t>29-10-2024</a:t>
+              <a:t>07-11-2024</a:t>
             </a:fld>
             <a:endParaRPr lang="en-IN"/>
           </a:p>
@@ -1145,7 +1150,7 @@
           <a:p>
             <a:fld id="{43AE6D25-7305-4F8F-A793-FFF4666B6C47}" type="datetimeFigureOut">
               <a:rPr lang="en-IN" smtClean="0"/>
-              <a:t>29-10-2024</a:t>
+              <a:t>07-11-2024</a:t>
             </a:fld>
             <a:endParaRPr lang="en-IN"/>
           </a:p>
@@ -1413,7 +1418,7 @@
           <a:p>
             <a:fld id="{43AE6D25-7305-4F8F-A793-FFF4666B6C47}" type="datetimeFigureOut">
               <a:rPr lang="en-IN" smtClean="0"/>
-              <a:t>29-10-2024</a:t>
+              <a:t>07-11-2024</a:t>
             </a:fld>
             <a:endParaRPr lang="en-IN"/>
           </a:p>
@@ -1828,7 +1833,7 @@
           <a:p>
             <a:fld id="{43AE6D25-7305-4F8F-A793-FFF4666B6C47}" type="datetimeFigureOut">
               <a:rPr lang="en-IN" smtClean="0"/>
-              <a:t>29-10-2024</a:t>
+              <a:t>07-11-2024</a:t>
             </a:fld>
             <a:endParaRPr lang="en-IN"/>
           </a:p>
@@ -1970,7 +1975,7 @@
           <a:p>
             <a:fld id="{43AE6D25-7305-4F8F-A793-FFF4666B6C47}" type="datetimeFigureOut">
               <a:rPr lang="en-IN" smtClean="0"/>
-              <a:t>29-10-2024</a:t>
+              <a:t>07-11-2024</a:t>
             </a:fld>
             <a:endParaRPr lang="en-IN"/>
           </a:p>
@@ -2083,7 +2088,7 @@
           <a:p>
             <a:fld id="{43AE6D25-7305-4F8F-A793-FFF4666B6C47}" type="datetimeFigureOut">
               <a:rPr lang="en-IN" smtClean="0"/>
-              <a:t>29-10-2024</a:t>
+              <a:t>07-11-2024</a:t>
             </a:fld>
             <a:endParaRPr lang="en-IN"/>
           </a:p>
@@ -2396,7 +2401,7 @@
           <a:p>
             <a:fld id="{43AE6D25-7305-4F8F-A793-FFF4666B6C47}" type="datetimeFigureOut">
               <a:rPr lang="en-IN" smtClean="0"/>
-              <a:t>29-10-2024</a:t>
+              <a:t>07-11-2024</a:t>
             </a:fld>
             <a:endParaRPr lang="en-IN"/>
           </a:p>
@@ -2685,7 +2690,7 @@
           <a:p>
             <a:fld id="{43AE6D25-7305-4F8F-A793-FFF4666B6C47}" type="datetimeFigureOut">
               <a:rPr lang="en-IN" smtClean="0"/>
-              <a:t>29-10-2024</a:t>
+              <a:t>07-11-2024</a:t>
             </a:fld>
             <a:endParaRPr lang="en-IN"/>
           </a:p>
@@ -2928,7 +2933,7 @@
           <a:p>
             <a:fld id="{43AE6D25-7305-4F8F-A793-FFF4666B6C47}" type="datetimeFigureOut">
               <a:rPr lang="en-IN" smtClean="0"/>
-              <a:t>29-10-2024</a:t>
+              <a:t>07-11-2024</a:t>
             </a:fld>
             <a:endParaRPr lang="en-IN"/>
           </a:p>
@@ -4694,6 +4699,1515 @@
           <a:chExt cx="0" cy="0"/>
         </a:xfrm>
       </p:grpSpPr>
+      <p:sp>
+        <p:nvSpPr>
+          <p:cNvPr id="2" name="Rectangle 1">
+            <a:extLst>
+              <a:ext uri="{FF2B5EF4-FFF2-40B4-BE49-F238E27FC236}">
+                <a16:creationId xmlns:a16="http://schemas.microsoft.com/office/drawing/2014/main" id="{F3399C5C-A9E7-B5D1-C455-0C3BE013C1D4}"/>
+              </a:ext>
+            </a:extLst>
+          </p:cNvPr>
+          <p:cNvSpPr/>
+          <p:nvPr/>
+        </p:nvSpPr>
+        <p:spPr>
+          <a:xfrm>
+            <a:off x="4463845" y="167146"/>
+            <a:ext cx="2222090" cy="560439"/>
+          </a:xfrm>
+          <a:prstGeom prst="rect">
+            <a:avLst/>
+          </a:prstGeom>
+        </p:spPr>
+        <p:style>
+          <a:lnRef idx="1">
+            <a:schemeClr val="accent1"/>
+          </a:lnRef>
+          <a:fillRef idx="2">
+            <a:schemeClr val="accent1"/>
+          </a:fillRef>
+          <a:effectRef idx="1">
+            <a:schemeClr val="accent1"/>
+          </a:effectRef>
+          <a:fontRef idx="minor">
+            <a:schemeClr val="dk1"/>
+          </a:fontRef>
+        </p:style>
+        <p:txBody>
+          <a:bodyPr rtlCol="0" anchor="ctr"/>
+          <a:lstStyle/>
+          <a:p>
+            <a:pPr algn="ctr"/>
+            <a:r>
+              <a:rPr lang="en-IN" dirty="0">
+                <a:latin typeface="LM Roman 10" panose="00000500000000000000" pitchFamily="50" charset="0"/>
+              </a:rPr>
+              <a:t>Initialisations</a:t>
+            </a:r>
+          </a:p>
+        </p:txBody>
+      </p:sp>
+      <p:sp>
+        <p:nvSpPr>
+          <p:cNvPr id="4" name="Rectangle 3">
+            <a:extLst>
+              <a:ext uri="{FF2B5EF4-FFF2-40B4-BE49-F238E27FC236}">
+                <a16:creationId xmlns:a16="http://schemas.microsoft.com/office/drawing/2014/main" id="{33EDFBE2-A024-AA1F-ACD4-A686CB528352}"/>
+              </a:ext>
+            </a:extLst>
+          </p:cNvPr>
+          <p:cNvSpPr/>
+          <p:nvPr/>
+        </p:nvSpPr>
+        <p:spPr>
+          <a:xfrm>
+            <a:off x="4463845" y="1071714"/>
+            <a:ext cx="2222090" cy="560439"/>
+          </a:xfrm>
+          <a:prstGeom prst="rect">
+            <a:avLst/>
+          </a:prstGeom>
+        </p:spPr>
+        <p:style>
+          <a:lnRef idx="1">
+            <a:schemeClr val="accent4"/>
+          </a:lnRef>
+          <a:fillRef idx="2">
+            <a:schemeClr val="accent4"/>
+          </a:fillRef>
+          <a:effectRef idx="1">
+            <a:schemeClr val="accent4"/>
+          </a:effectRef>
+          <a:fontRef idx="minor">
+            <a:schemeClr val="dk1"/>
+          </a:fontRef>
+        </p:style>
+        <p:txBody>
+          <a:bodyPr rtlCol="0" anchor="ctr"/>
+          <a:lstStyle/>
+          <a:p>
+            <a:pPr algn="ctr"/>
+            <a:r>
+              <a:rPr lang="en-IN" dirty="0">
+                <a:latin typeface="LM Mono 10" panose="00000509000000000000" pitchFamily="49" charset="0"/>
+              </a:rPr>
+              <a:t>Trig</a:t>
+            </a:r>
+            <a:r>
+              <a:rPr lang="en-IN" dirty="0">
+                <a:latin typeface="LM Roman 10" panose="00000500000000000000" pitchFamily="50" charset="0"/>
+              </a:rPr>
+              <a:t> = 1 </a:t>
+            </a:r>
+          </a:p>
+        </p:txBody>
+      </p:sp>
+      <p:sp>
+        <p:nvSpPr>
+          <p:cNvPr id="5" name="Rectangle 4">
+            <a:extLst>
+              <a:ext uri="{FF2B5EF4-FFF2-40B4-BE49-F238E27FC236}">
+                <a16:creationId xmlns:a16="http://schemas.microsoft.com/office/drawing/2014/main" id="{705D8C1E-FF67-2CBF-73CD-BBC515F1BC59}"/>
+              </a:ext>
+            </a:extLst>
+          </p:cNvPr>
+          <p:cNvSpPr/>
+          <p:nvPr/>
+        </p:nvSpPr>
+        <p:spPr>
+          <a:xfrm>
+            <a:off x="4463845" y="3716599"/>
+            <a:ext cx="2222090" cy="653832"/>
+          </a:xfrm>
+          <a:prstGeom prst="rect">
+            <a:avLst/>
+          </a:prstGeom>
+        </p:spPr>
+        <p:style>
+          <a:lnRef idx="1">
+            <a:schemeClr val="accent4"/>
+          </a:lnRef>
+          <a:fillRef idx="2">
+            <a:schemeClr val="accent4"/>
+          </a:fillRef>
+          <a:effectRef idx="1">
+            <a:schemeClr val="accent4"/>
+          </a:effectRef>
+          <a:fontRef idx="minor">
+            <a:schemeClr val="dk1"/>
+          </a:fontRef>
+        </p:style>
+        <p:txBody>
+          <a:bodyPr rtlCol="0" anchor="ctr"/>
+          <a:lstStyle/>
+          <a:p>
+            <a:pPr algn="ctr"/>
+            <a:r>
+              <a:rPr lang="en-IN" dirty="0">
+                <a:latin typeface="LM Roman 10" panose="00000500000000000000" pitchFamily="50" charset="0"/>
+              </a:rPr>
+              <a:t>Wait(min(</a:t>
+            </a:r>
+            <a:r>
+              <a:rPr lang="en-IN" dirty="0">
+                <a:latin typeface="LM Mono 10" panose="00000509000000000000" pitchFamily="49" charset="0"/>
+              </a:rPr>
+              <a:t>echo</a:t>
+            </a:r>
+            <a:r>
+              <a:rPr lang="en-IN" dirty="0">
+                <a:latin typeface="LM Roman 10" panose="00000500000000000000" pitchFamily="50" charset="0"/>
+              </a:rPr>
+              <a:t>=1), </a:t>
+            </a:r>
+            <a:r>
+              <a:rPr lang="en-IN" dirty="0" err="1">
+                <a:latin typeface="LM Mono 10" panose="00000509000000000000" pitchFamily="49" charset="0"/>
+              </a:rPr>
+              <a:t>count_max</a:t>
+            </a:r>
+            <a:r>
+              <a:rPr lang="en-IN" dirty="0">
+                <a:latin typeface="LM Roman 10" panose="00000500000000000000" pitchFamily="50" charset="0"/>
+              </a:rPr>
+              <a:t>)</a:t>
+            </a:r>
+          </a:p>
+        </p:txBody>
+      </p:sp>
+      <mc:AlternateContent xmlns:mc="http://schemas.openxmlformats.org/markup-compatibility/2006">
+        <mc:Choice xmlns:a14="http://schemas.microsoft.com/office/drawing/2010/main" Requires="a14">
+          <p:sp>
+            <p:nvSpPr>
+              <p:cNvPr id="6" name="Rectangle 5">
+                <a:extLst>
+                  <a:ext uri="{FF2B5EF4-FFF2-40B4-BE49-F238E27FC236}">
+                    <a16:creationId xmlns:a16="http://schemas.microsoft.com/office/drawing/2014/main" id="{1C7E01DE-19FC-C6C8-C8FA-904825B7BA8D}"/>
+                  </a:ext>
+                </a:extLst>
+              </p:cNvPr>
+              <p:cNvSpPr/>
+              <p:nvPr/>
+            </p:nvSpPr>
+            <p:spPr>
+              <a:xfrm>
+                <a:off x="7015317" y="3483075"/>
+                <a:ext cx="2222090" cy="980770"/>
+              </a:xfrm>
+              <a:prstGeom prst="rect">
+                <a:avLst/>
+              </a:prstGeom>
+            </p:spPr>
+            <p:style>
+              <a:lnRef idx="1">
+                <a:schemeClr val="accent6"/>
+              </a:lnRef>
+              <a:fillRef idx="2">
+                <a:schemeClr val="accent6"/>
+              </a:fillRef>
+              <a:effectRef idx="1">
+                <a:schemeClr val="accent6"/>
+              </a:effectRef>
+              <a:fontRef idx="minor">
+                <a:schemeClr val="dk1"/>
+              </a:fontRef>
+            </p:style>
+            <p:txBody>
+              <a:bodyPr rtlCol="0" anchor="ctr"/>
+              <a:lstStyle/>
+              <a:p>
+                <a:pPr algn="ctr"/>
+                <a:r>
+                  <a:rPr lang="en-IN" dirty="0">
+                    <a:latin typeface="LM Roman 10" panose="00000500000000000000" pitchFamily="50" charset="0"/>
+                  </a:rPr>
+                  <a:t>Counter</a:t>
+                </a:r>
+              </a:p>
+              <a:p>
+                <a:pPr algn="ctr"/>
+                <a:r>
+                  <a:rPr lang="en-IN" dirty="0">
+                    <a:latin typeface="LM Roman 10" panose="00000500000000000000" pitchFamily="50" charset="0"/>
+                  </a:rPr>
+                  <a:t>Output = </a:t>
+                </a:r>
+                <a14:m>
+                  <m:oMath xmlns:m="http://schemas.openxmlformats.org/officeDocument/2006/math">
+                    <m:r>
+                      <a:rPr lang="en-IN" b="0" i="1" smtClean="0">
+                        <a:latin typeface="Cambria Math" panose="02040503050406030204" pitchFamily="18" charset="0"/>
+                      </a:rPr>
+                      <m:t>𝑡</m:t>
+                    </m:r>
+                  </m:oMath>
+                </a14:m>
+                <a:r>
+                  <a:rPr lang="en-IN" dirty="0">
+                    <a:latin typeface="LM Roman 10" panose="00000500000000000000" pitchFamily="50" charset="0"/>
+                  </a:rPr>
+                  <a:t> </a:t>
+                </a:r>
+              </a:p>
+              <a:p>
+                <a:pPr algn="ctr"/>
+                <a:r>
+                  <a:rPr lang="en-IN" dirty="0">
+                    <a:latin typeface="LM Roman 10" panose="00000500000000000000" pitchFamily="50" charset="0"/>
+                  </a:rPr>
+                  <a:t>(in secs) </a:t>
+                </a:r>
+              </a:p>
+            </p:txBody>
+          </p:sp>
+        </mc:Choice>
+        <mc:Fallback>
+          <p:sp>
+            <p:nvSpPr>
+              <p:cNvPr id="6" name="Rectangle 5">
+                <a:extLst>
+                  <a:ext uri="{FF2B5EF4-FFF2-40B4-BE49-F238E27FC236}">
+                    <a16:creationId xmlns:a16="http://schemas.microsoft.com/office/drawing/2014/main" id="{1C7E01DE-19FC-C6C8-C8FA-904825B7BA8D}"/>
+                  </a:ext>
+                </a:extLst>
+              </p:cNvPr>
+              <p:cNvSpPr>
+                <a:spLocks noRot="1" noChangeAspect="1" noMove="1" noResize="1" noEditPoints="1" noAdjustHandles="1" noChangeArrowheads="1" noChangeShapeType="1" noTextEdit="1"/>
+              </p:cNvSpPr>
+              <p:nvPr/>
+            </p:nvSpPr>
+            <p:spPr>
+              <a:xfrm>
+                <a:off x="7015317" y="3483075"/>
+                <a:ext cx="2222090" cy="980770"/>
+              </a:xfrm>
+              <a:prstGeom prst="rect">
+                <a:avLst/>
+              </a:prstGeom>
+              <a:blipFill>
+                <a:blip r:embed="rId2"/>
+                <a:stretch>
+                  <a:fillRect b="-6173"/>
+                </a:stretch>
+              </a:blipFill>
+            </p:spPr>
+            <p:txBody>
+              <a:bodyPr/>
+              <a:lstStyle/>
+              <a:p>
+                <a:r>
+                  <a:rPr lang="en-IN">
+                    <a:noFill/>
+                  </a:rPr>
+                  <a:t> </a:t>
+                </a:r>
+              </a:p>
+            </p:txBody>
+          </p:sp>
+        </mc:Fallback>
+      </mc:AlternateContent>
+      <mc:AlternateContent xmlns:mc="http://schemas.openxmlformats.org/markup-compatibility/2006">
+        <mc:Choice xmlns:a14="http://schemas.microsoft.com/office/drawing/2010/main" Requires="a14">
+          <p:sp>
+            <p:nvSpPr>
+              <p:cNvPr id="7" name="Rectangle 6">
+                <a:extLst>
+                  <a:ext uri="{FF2B5EF4-FFF2-40B4-BE49-F238E27FC236}">
+                    <a16:creationId xmlns:a16="http://schemas.microsoft.com/office/drawing/2014/main" id="{79C3E032-99B7-C7C2-7589-20C4769A1D7D}"/>
+                  </a:ext>
+                </a:extLst>
+              </p:cNvPr>
+              <p:cNvSpPr/>
+              <p:nvPr/>
+            </p:nvSpPr>
+            <p:spPr>
+              <a:xfrm>
+                <a:off x="4463845" y="4960376"/>
+                <a:ext cx="2222090" cy="825910"/>
+              </a:xfrm>
+              <a:prstGeom prst="rect">
+                <a:avLst/>
+              </a:prstGeom>
+            </p:spPr>
+            <p:style>
+              <a:lnRef idx="1">
+                <a:schemeClr val="accent4"/>
+              </a:lnRef>
+              <a:fillRef idx="2">
+                <a:schemeClr val="accent4"/>
+              </a:fillRef>
+              <a:effectRef idx="1">
+                <a:schemeClr val="accent4"/>
+              </a:effectRef>
+              <a:fontRef idx="minor">
+                <a:schemeClr val="dk1"/>
+              </a:fontRef>
+            </p:style>
+            <p:txBody>
+              <a:bodyPr rtlCol="0" anchor="ctr"/>
+              <a:lstStyle/>
+              <a:p>
+                <a:pPr algn="ctr"/>
+                <a:r>
+                  <a:rPr lang="en-IN" dirty="0">
+                    <a:latin typeface="LM Roman 10" panose="00000500000000000000" pitchFamily="50" charset="0"/>
+                  </a:rPr>
+                  <a:t>Calculate </a:t>
+                </a:r>
+              </a:p>
+              <a:p>
+                <a:pPr algn="ctr"/>
+                <a14:m>
+                  <m:oMathPara xmlns:m="http://schemas.openxmlformats.org/officeDocument/2006/math">
+                    <m:oMathParaPr>
+                      <m:jc m:val="centerGroup"/>
+                    </m:oMathParaPr>
+                    <m:oMath xmlns:m="http://schemas.openxmlformats.org/officeDocument/2006/math">
+                      <m:r>
+                        <a:rPr lang="en-IN" b="0" i="1" smtClean="0">
+                          <a:latin typeface="Cambria Math" panose="02040503050406030204" pitchFamily="18" charset="0"/>
+                        </a:rPr>
+                        <m:t>𝑑</m:t>
+                      </m:r>
+                      <m:r>
+                        <a:rPr lang="en-IN" b="0" i="1" smtClean="0">
+                          <a:latin typeface="Cambria Math" panose="02040503050406030204" pitchFamily="18" charset="0"/>
+                        </a:rPr>
+                        <m:t>=</m:t>
+                      </m:r>
+                      <m:sSub>
+                        <m:sSubPr>
+                          <m:ctrlPr>
+                            <a:rPr lang="en-IN" b="0" i="1" smtClean="0">
+                              <a:latin typeface="Cambria Math" panose="02040503050406030204" pitchFamily="18" charset="0"/>
+                            </a:rPr>
+                          </m:ctrlPr>
+                        </m:sSubPr>
+                        <m:e>
+                          <m:r>
+                            <a:rPr lang="en-IN" b="0" i="1" smtClean="0">
+                              <a:latin typeface="Cambria Math" panose="02040503050406030204" pitchFamily="18" charset="0"/>
+                            </a:rPr>
+                            <m:t>𝑣</m:t>
+                          </m:r>
+                        </m:e>
+                        <m:sub>
+                          <m:r>
+                            <a:rPr lang="en-IN" b="0" i="1" smtClean="0">
+                              <a:latin typeface="Cambria Math" panose="02040503050406030204" pitchFamily="18" charset="0"/>
+                            </a:rPr>
+                            <m:t>𝑢𝑙𝑡𝑟𝑎𝑠𝑜𝑛𝑖𝑐</m:t>
+                          </m:r>
+                        </m:sub>
+                      </m:sSub>
+                      <m:r>
+                        <a:rPr lang="en-IN" b="0" i="1" smtClean="0">
+                          <a:latin typeface="Cambria Math" panose="02040503050406030204" pitchFamily="18" charset="0"/>
+                        </a:rPr>
+                        <m:t> ∗</m:t>
+                      </m:r>
+                      <m:f>
+                        <m:fPr>
+                          <m:ctrlPr>
+                            <a:rPr lang="en-IN" b="0" i="1" smtClean="0">
+                              <a:latin typeface="Cambria Math" panose="02040503050406030204" pitchFamily="18" charset="0"/>
+                            </a:rPr>
+                          </m:ctrlPr>
+                        </m:fPr>
+                        <m:num>
+                          <m:r>
+                            <a:rPr lang="en-IN" b="0" i="1" smtClean="0">
+                              <a:latin typeface="Cambria Math" panose="02040503050406030204" pitchFamily="18" charset="0"/>
+                            </a:rPr>
+                            <m:t>𝑡</m:t>
+                          </m:r>
+                        </m:num>
+                        <m:den>
+                          <m:r>
+                            <a:rPr lang="en-IN" b="0" i="1" smtClean="0">
+                              <a:latin typeface="Cambria Math" panose="02040503050406030204" pitchFamily="18" charset="0"/>
+                            </a:rPr>
+                            <m:t>2</m:t>
+                          </m:r>
+                        </m:den>
+                      </m:f>
+                    </m:oMath>
+                  </m:oMathPara>
+                </a14:m>
+                <a:endParaRPr lang="en-IN" dirty="0">
+                  <a:latin typeface="LM Roman 10" panose="00000500000000000000" pitchFamily="50" charset="0"/>
+                </a:endParaRPr>
+              </a:p>
+            </p:txBody>
+          </p:sp>
+        </mc:Choice>
+        <mc:Fallback>
+          <p:sp>
+            <p:nvSpPr>
+              <p:cNvPr id="7" name="Rectangle 6">
+                <a:extLst>
+                  <a:ext uri="{FF2B5EF4-FFF2-40B4-BE49-F238E27FC236}">
+                    <a16:creationId xmlns:a16="http://schemas.microsoft.com/office/drawing/2014/main" id="{79C3E032-99B7-C7C2-7589-20C4769A1D7D}"/>
+                  </a:ext>
+                </a:extLst>
+              </p:cNvPr>
+              <p:cNvSpPr>
+                <a:spLocks noRot="1" noChangeAspect="1" noMove="1" noResize="1" noEditPoints="1" noAdjustHandles="1" noChangeArrowheads="1" noChangeShapeType="1" noTextEdit="1"/>
+              </p:cNvSpPr>
+              <p:nvPr/>
+            </p:nvSpPr>
+            <p:spPr>
+              <a:xfrm>
+                <a:off x="4463845" y="4960376"/>
+                <a:ext cx="2222090" cy="825910"/>
+              </a:xfrm>
+              <a:prstGeom prst="rect">
+                <a:avLst/>
+              </a:prstGeom>
+              <a:blipFill>
+                <a:blip r:embed="rId3"/>
+                <a:stretch>
+                  <a:fillRect t="-6618"/>
+                </a:stretch>
+              </a:blipFill>
+            </p:spPr>
+            <p:txBody>
+              <a:bodyPr/>
+              <a:lstStyle/>
+              <a:p>
+                <a:r>
+                  <a:rPr lang="en-IN">
+                    <a:noFill/>
+                  </a:rPr>
+                  <a:t> </a:t>
+                </a:r>
+              </a:p>
+            </p:txBody>
+          </p:sp>
+        </mc:Fallback>
+      </mc:AlternateContent>
+      <p:sp>
+        <p:nvSpPr>
+          <p:cNvPr id="8" name="Rectangle 7">
+            <a:extLst>
+              <a:ext uri="{FF2B5EF4-FFF2-40B4-BE49-F238E27FC236}">
+                <a16:creationId xmlns:a16="http://schemas.microsoft.com/office/drawing/2014/main" id="{DAE4F494-ABEE-7D05-BB9D-483E5830D5B1}"/>
+              </a:ext>
+            </a:extLst>
+          </p:cNvPr>
+          <p:cNvSpPr/>
+          <p:nvPr/>
+        </p:nvSpPr>
+        <p:spPr>
+          <a:xfrm>
+            <a:off x="4463845" y="6037022"/>
+            <a:ext cx="2222090" cy="560439"/>
+          </a:xfrm>
+          <a:prstGeom prst="rect">
+            <a:avLst/>
+          </a:prstGeom>
+        </p:spPr>
+        <p:style>
+          <a:lnRef idx="1">
+            <a:schemeClr val="accent4"/>
+          </a:lnRef>
+          <a:fillRef idx="2">
+            <a:schemeClr val="accent4"/>
+          </a:fillRef>
+          <a:effectRef idx="1">
+            <a:schemeClr val="accent4"/>
+          </a:effectRef>
+          <a:fontRef idx="minor">
+            <a:schemeClr val="dk1"/>
+          </a:fontRef>
+        </p:style>
+        <p:txBody>
+          <a:bodyPr rtlCol="0" anchor="ctr"/>
+          <a:lstStyle/>
+          <a:p>
+            <a:pPr algn="ctr"/>
+            <a:r>
+              <a:rPr lang="en-IN" dirty="0">
+                <a:latin typeface="LM Roman 10" panose="00000500000000000000" pitchFamily="50" charset="0"/>
+              </a:rPr>
+              <a:t>Output to PC</a:t>
+            </a:r>
+          </a:p>
+        </p:txBody>
+      </p:sp>
+      <p:sp>
+        <p:nvSpPr>
+          <p:cNvPr id="9" name="Oval 8">
+            <a:extLst>
+              <a:ext uri="{FF2B5EF4-FFF2-40B4-BE49-F238E27FC236}">
+                <a16:creationId xmlns:a16="http://schemas.microsoft.com/office/drawing/2014/main" id="{F2DDA2F2-9EE7-10D0-837B-BD5DB70CEECD}"/>
+              </a:ext>
+            </a:extLst>
+          </p:cNvPr>
+          <p:cNvSpPr/>
+          <p:nvPr/>
+        </p:nvSpPr>
+        <p:spPr>
+          <a:xfrm>
+            <a:off x="91572" y="296722"/>
+            <a:ext cx="1646902" cy="1549956"/>
+          </a:xfrm>
+          <a:prstGeom prst="ellipse">
+            <a:avLst/>
+          </a:prstGeom>
+        </p:spPr>
+        <p:style>
+          <a:lnRef idx="1">
+            <a:schemeClr val="accent2"/>
+          </a:lnRef>
+          <a:fillRef idx="2">
+            <a:schemeClr val="accent2"/>
+          </a:fillRef>
+          <a:effectRef idx="1">
+            <a:schemeClr val="accent2"/>
+          </a:effectRef>
+          <a:fontRef idx="minor">
+            <a:schemeClr val="dk1"/>
+          </a:fontRef>
+        </p:style>
+        <p:txBody>
+          <a:bodyPr rtlCol="0" anchor="ctr"/>
+          <a:lstStyle/>
+          <a:p>
+            <a:pPr algn="ctr"/>
+            <a:r>
+              <a:rPr lang="en-IN" dirty="0">
+                <a:latin typeface="LM Roman 10" panose="00000500000000000000" pitchFamily="50" charset="0"/>
+              </a:rPr>
+              <a:t>Alternate between F/R</a:t>
+            </a:r>
+          </a:p>
+        </p:txBody>
+      </p:sp>
+      <p:cxnSp>
+        <p:nvCxnSpPr>
+          <p:cNvPr id="11" name="Straight Arrow Connector 10">
+            <a:extLst>
+              <a:ext uri="{FF2B5EF4-FFF2-40B4-BE49-F238E27FC236}">
+                <a16:creationId xmlns:a16="http://schemas.microsoft.com/office/drawing/2014/main" id="{D2F3A1DD-E745-33EF-19BC-0F498F560BDB}"/>
+              </a:ext>
+            </a:extLst>
+          </p:cNvPr>
+          <p:cNvCxnSpPr>
+            <a:cxnSpLocks/>
+            <a:stCxn id="2" idx="2"/>
+            <a:endCxn id="4" idx="0"/>
+          </p:cNvCxnSpPr>
+          <p:nvPr/>
+        </p:nvCxnSpPr>
+        <p:spPr>
+          <a:xfrm>
+            <a:off x="5574890" y="727585"/>
+            <a:ext cx="0" cy="344129"/>
+          </a:xfrm>
+          <a:prstGeom prst="straightConnector1">
+            <a:avLst/>
+          </a:prstGeom>
+          <a:ln>
+            <a:tailEnd type="triangle"/>
+          </a:ln>
+        </p:spPr>
+        <p:style>
+          <a:lnRef idx="1">
+            <a:schemeClr val="dk1"/>
+          </a:lnRef>
+          <a:fillRef idx="0">
+            <a:schemeClr val="dk1"/>
+          </a:fillRef>
+          <a:effectRef idx="0">
+            <a:schemeClr val="dk1"/>
+          </a:effectRef>
+          <a:fontRef idx="minor">
+            <a:schemeClr val="tx1"/>
+          </a:fontRef>
+        </p:style>
+      </p:cxnSp>
+      <p:cxnSp>
+        <p:nvCxnSpPr>
+          <p:cNvPr id="13" name="Straight Arrow Connector 12">
+            <a:extLst>
+              <a:ext uri="{FF2B5EF4-FFF2-40B4-BE49-F238E27FC236}">
+                <a16:creationId xmlns:a16="http://schemas.microsoft.com/office/drawing/2014/main" id="{34CFEBF1-EF07-6A29-091E-9EF3C7628410}"/>
+              </a:ext>
+            </a:extLst>
+          </p:cNvPr>
+          <p:cNvCxnSpPr>
+            <a:cxnSpLocks/>
+            <a:stCxn id="43" idx="2"/>
+            <a:endCxn id="5" idx="0"/>
+          </p:cNvCxnSpPr>
+          <p:nvPr/>
+        </p:nvCxnSpPr>
+        <p:spPr>
+          <a:xfrm>
+            <a:off x="5574890" y="3141402"/>
+            <a:ext cx="0" cy="575197"/>
+          </a:xfrm>
+          <a:prstGeom prst="straightConnector1">
+            <a:avLst/>
+          </a:prstGeom>
+          <a:ln>
+            <a:tailEnd type="triangle"/>
+          </a:ln>
+        </p:spPr>
+        <p:style>
+          <a:lnRef idx="1">
+            <a:schemeClr val="dk1"/>
+          </a:lnRef>
+          <a:fillRef idx="0">
+            <a:schemeClr val="dk1"/>
+          </a:fillRef>
+          <a:effectRef idx="0">
+            <a:schemeClr val="dk1"/>
+          </a:effectRef>
+          <a:fontRef idx="minor">
+            <a:schemeClr val="tx1"/>
+          </a:fontRef>
+        </p:style>
+      </p:cxnSp>
+      <p:cxnSp>
+        <p:nvCxnSpPr>
+          <p:cNvPr id="16" name="Straight Arrow Connector 15">
+            <a:extLst>
+              <a:ext uri="{FF2B5EF4-FFF2-40B4-BE49-F238E27FC236}">
+                <a16:creationId xmlns:a16="http://schemas.microsoft.com/office/drawing/2014/main" id="{01CF37ED-BA61-785D-8FFB-9595FBB72F82}"/>
+              </a:ext>
+            </a:extLst>
+          </p:cNvPr>
+          <p:cNvCxnSpPr>
+            <a:cxnSpLocks/>
+            <a:stCxn id="5" idx="2"/>
+            <a:endCxn id="7" idx="0"/>
+          </p:cNvCxnSpPr>
+          <p:nvPr/>
+        </p:nvCxnSpPr>
+        <p:spPr>
+          <a:xfrm>
+            <a:off x="5574890" y="4370431"/>
+            <a:ext cx="0" cy="589945"/>
+          </a:xfrm>
+          <a:prstGeom prst="straightConnector1">
+            <a:avLst/>
+          </a:prstGeom>
+          <a:ln>
+            <a:tailEnd type="triangle"/>
+          </a:ln>
+        </p:spPr>
+        <p:style>
+          <a:lnRef idx="1">
+            <a:schemeClr val="dk1"/>
+          </a:lnRef>
+          <a:fillRef idx="0">
+            <a:schemeClr val="dk1"/>
+          </a:fillRef>
+          <a:effectRef idx="0">
+            <a:schemeClr val="dk1"/>
+          </a:effectRef>
+          <a:fontRef idx="minor">
+            <a:schemeClr val="tx1"/>
+          </a:fontRef>
+        </p:style>
+      </p:cxnSp>
+      <p:cxnSp>
+        <p:nvCxnSpPr>
+          <p:cNvPr id="19" name="Straight Arrow Connector 18">
+            <a:extLst>
+              <a:ext uri="{FF2B5EF4-FFF2-40B4-BE49-F238E27FC236}">
+                <a16:creationId xmlns:a16="http://schemas.microsoft.com/office/drawing/2014/main" id="{B85B0B4E-39AF-7693-8DC4-7EEA14999F0B}"/>
+              </a:ext>
+            </a:extLst>
+          </p:cNvPr>
+          <p:cNvCxnSpPr>
+            <a:cxnSpLocks/>
+            <a:stCxn id="7" idx="2"/>
+            <a:endCxn id="8" idx="0"/>
+          </p:cNvCxnSpPr>
+          <p:nvPr/>
+        </p:nvCxnSpPr>
+        <p:spPr>
+          <a:xfrm>
+            <a:off x="5574890" y="5786286"/>
+            <a:ext cx="0" cy="250736"/>
+          </a:xfrm>
+          <a:prstGeom prst="straightConnector1">
+            <a:avLst/>
+          </a:prstGeom>
+          <a:ln>
+            <a:tailEnd type="triangle"/>
+          </a:ln>
+        </p:spPr>
+        <p:style>
+          <a:lnRef idx="1">
+            <a:schemeClr val="dk1"/>
+          </a:lnRef>
+          <a:fillRef idx="0">
+            <a:schemeClr val="dk1"/>
+          </a:fillRef>
+          <a:effectRef idx="0">
+            <a:schemeClr val="dk1"/>
+          </a:effectRef>
+          <a:fontRef idx="minor">
+            <a:schemeClr val="tx1"/>
+          </a:fontRef>
+        </p:style>
+      </p:cxnSp>
+      <p:cxnSp>
+        <p:nvCxnSpPr>
+          <p:cNvPr id="24" name="Connector: Elbow 23">
+            <a:extLst>
+              <a:ext uri="{FF2B5EF4-FFF2-40B4-BE49-F238E27FC236}">
+                <a16:creationId xmlns:a16="http://schemas.microsoft.com/office/drawing/2014/main" id="{29FABF27-FAED-C8CF-D19C-8B4FFA6B98CC}"/>
+              </a:ext>
+            </a:extLst>
+          </p:cNvPr>
+          <p:cNvCxnSpPr>
+            <a:cxnSpLocks/>
+            <a:stCxn id="43" idx="2"/>
+            <a:endCxn id="6" idx="0"/>
+          </p:cNvCxnSpPr>
+          <p:nvPr/>
+        </p:nvCxnSpPr>
+        <p:spPr>
+          <a:xfrm rot="16200000" flipH="1">
+            <a:off x="6679790" y="2036502"/>
+            <a:ext cx="341673" cy="2551472"/>
+          </a:xfrm>
+          <a:prstGeom prst="bentConnector3">
+            <a:avLst>
+              <a:gd name="adj1" fmla="val 50000"/>
+            </a:avLst>
+          </a:prstGeom>
+          <a:ln>
+            <a:tailEnd type="triangle"/>
+          </a:ln>
+        </p:spPr>
+        <p:style>
+          <a:lnRef idx="1">
+            <a:schemeClr val="dk1"/>
+          </a:lnRef>
+          <a:fillRef idx="0">
+            <a:schemeClr val="dk1"/>
+          </a:fillRef>
+          <a:effectRef idx="0">
+            <a:schemeClr val="dk1"/>
+          </a:effectRef>
+          <a:fontRef idx="minor">
+            <a:schemeClr val="tx1"/>
+          </a:fontRef>
+        </p:style>
+      </p:cxnSp>
+      <mc:AlternateContent xmlns:mc="http://schemas.openxmlformats.org/markup-compatibility/2006">
+        <mc:Choice xmlns:a14="http://schemas.microsoft.com/office/drawing/2010/main" Requires="a14">
+          <p:sp>
+            <p:nvSpPr>
+              <p:cNvPr id="42" name="Rectangle 41">
+                <a:extLst>
+                  <a:ext uri="{FF2B5EF4-FFF2-40B4-BE49-F238E27FC236}">
+                    <a16:creationId xmlns:a16="http://schemas.microsoft.com/office/drawing/2014/main" id="{AF7E4BF8-E158-49FC-99E0-6A8A801DE500}"/>
+                  </a:ext>
+                </a:extLst>
+              </p:cNvPr>
+              <p:cNvSpPr/>
+              <p:nvPr/>
+            </p:nvSpPr>
+            <p:spPr>
+              <a:xfrm>
+                <a:off x="4463845" y="1814045"/>
+                <a:ext cx="2222090" cy="560439"/>
+              </a:xfrm>
+              <a:prstGeom prst="rect">
+                <a:avLst/>
+              </a:prstGeom>
+            </p:spPr>
+            <p:style>
+              <a:lnRef idx="1">
+                <a:schemeClr val="accent4"/>
+              </a:lnRef>
+              <a:fillRef idx="2">
+                <a:schemeClr val="accent4"/>
+              </a:fillRef>
+              <a:effectRef idx="1">
+                <a:schemeClr val="accent4"/>
+              </a:effectRef>
+              <a:fontRef idx="minor">
+                <a:schemeClr val="dk1"/>
+              </a:fontRef>
+            </p:style>
+            <p:txBody>
+              <a:bodyPr rtlCol="0" anchor="ctr"/>
+              <a:lstStyle/>
+              <a:p>
+                <a:pPr algn="ctr"/>
+                <a:r>
+                  <a:rPr lang="en-IN" dirty="0">
+                    <a:latin typeface="LM Roman 10" panose="00000500000000000000" pitchFamily="50" charset="0"/>
+                  </a:rPr>
+                  <a:t>Wait(10</a:t>
+                </a:r>
+                <a14:m>
+                  <m:oMath xmlns:m="http://schemas.openxmlformats.org/officeDocument/2006/math">
+                    <m:r>
+                      <a:rPr lang="en-IN" b="0" i="1" dirty="0" smtClean="0">
+                        <a:latin typeface="Cambria Math" panose="02040503050406030204" pitchFamily="18" charset="0"/>
+                      </a:rPr>
+                      <m:t>𝜇</m:t>
+                    </m:r>
+                  </m:oMath>
+                </a14:m>
+                <a:r>
+                  <a:rPr lang="en-IN" dirty="0">
+                    <a:latin typeface="LM Roman 10" panose="00000500000000000000" pitchFamily="50" charset="0"/>
+                  </a:rPr>
+                  <a:t>s)</a:t>
+                </a:r>
+              </a:p>
+            </p:txBody>
+          </p:sp>
+        </mc:Choice>
+        <mc:Fallback>
+          <p:sp>
+            <p:nvSpPr>
+              <p:cNvPr id="42" name="Rectangle 41">
+                <a:extLst>
+                  <a:ext uri="{FF2B5EF4-FFF2-40B4-BE49-F238E27FC236}">
+                    <a16:creationId xmlns:a16="http://schemas.microsoft.com/office/drawing/2014/main" id="{AF7E4BF8-E158-49FC-99E0-6A8A801DE500}"/>
+                  </a:ext>
+                </a:extLst>
+              </p:cNvPr>
+              <p:cNvSpPr>
+                <a:spLocks noRot="1" noChangeAspect="1" noMove="1" noResize="1" noEditPoints="1" noAdjustHandles="1" noChangeArrowheads="1" noChangeShapeType="1" noTextEdit="1"/>
+              </p:cNvSpPr>
+              <p:nvPr/>
+            </p:nvSpPr>
+            <p:spPr>
+              <a:xfrm>
+                <a:off x="4463845" y="1814045"/>
+                <a:ext cx="2222090" cy="560439"/>
+              </a:xfrm>
+              <a:prstGeom prst="rect">
+                <a:avLst/>
+              </a:prstGeom>
+              <a:blipFill>
+                <a:blip r:embed="rId4"/>
+                <a:stretch>
+                  <a:fillRect/>
+                </a:stretch>
+              </a:blipFill>
+            </p:spPr>
+            <p:txBody>
+              <a:bodyPr/>
+              <a:lstStyle/>
+              <a:p>
+                <a:r>
+                  <a:rPr lang="en-IN">
+                    <a:noFill/>
+                  </a:rPr>
+                  <a:t> </a:t>
+                </a:r>
+              </a:p>
+            </p:txBody>
+          </p:sp>
+        </mc:Fallback>
+      </mc:AlternateContent>
+      <p:sp>
+        <p:nvSpPr>
+          <p:cNvPr id="43" name="Rectangle 42">
+            <a:extLst>
+              <a:ext uri="{FF2B5EF4-FFF2-40B4-BE49-F238E27FC236}">
+                <a16:creationId xmlns:a16="http://schemas.microsoft.com/office/drawing/2014/main" id="{6585A631-50D3-DDB1-AE6F-906CEF5F91DD}"/>
+              </a:ext>
+            </a:extLst>
+          </p:cNvPr>
+          <p:cNvSpPr/>
+          <p:nvPr/>
+        </p:nvSpPr>
+        <p:spPr>
+          <a:xfrm>
+            <a:off x="4463845" y="2580963"/>
+            <a:ext cx="2222090" cy="560439"/>
+          </a:xfrm>
+          <a:prstGeom prst="rect">
+            <a:avLst/>
+          </a:prstGeom>
+        </p:spPr>
+        <p:style>
+          <a:lnRef idx="1">
+            <a:schemeClr val="accent4"/>
+          </a:lnRef>
+          <a:fillRef idx="2">
+            <a:schemeClr val="accent4"/>
+          </a:fillRef>
+          <a:effectRef idx="1">
+            <a:schemeClr val="accent4"/>
+          </a:effectRef>
+          <a:fontRef idx="minor">
+            <a:schemeClr val="dk1"/>
+          </a:fontRef>
+        </p:style>
+        <p:txBody>
+          <a:bodyPr rtlCol="0" anchor="ctr"/>
+          <a:lstStyle/>
+          <a:p>
+            <a:pPr algn="ctr"/>
+            <a:r>
+              <a:rPr lang="en-IN" dirty="0">
+                <a:latin typeface="LM Mono 10" panose="00000509000000000000" pitchFamily="49" charset="0"/>
+              </a:rPr>
+              <a:t>Trig</a:t>
+            </a:r>
+            <a:r>
+              <a:rPr lang="en-IN" dirty="0">
+                <a:latin typeface="LM Roman 10" panose="00000500000000000000" pitchFamily="50" charset="0"/>
+              </a:rPr>
+              <a:t> = 0</a:t>
+            </a:r>
+          </a:p>
+        </p:txBody>
+      </p:sp>
+      <p:cxnSp>
+        <p:nvCxnSpPr>
+          <p:cNvPr id="44" name="Straight Arrow Connector 43">
+            <a:extLst>
+              <a:ext uri="{FF2B5EF4-FFF2-40B4-BE49-F238E27FC236}">
+                <a16:creationId xmlns:a16="http://schemas.microsoft.com/office/drawing/2014/main" id="{E3E48F48-E68B-561F-50C2-3FF55A2AC1EE}"/>
+              </a:ext>
+            </a:extLst>
+          </p:cNvPr>
+          <p:cNvCxnSpPr>
+            <a:cxnSpLocks/>
+            <a:stCxn id="4" idx="2"/>
+            <a:endCxn id="42" idx="0"/>
+          </p:cNvCxnSpPr>
+          <p:nvPr/>
+        </p:nvCxnSpPr>
+        <p:spPr>
+          <a:xfrm>
+            <a:off x="5574890" y="1632153"/>
+            <a:ext cx="0" cy="181892"/>
+          </a:xfrm>
+          <a:prstGeom prst="straightConnector1">
+            <a:avLst/>
+          </a:prstGeom>
+          <a:ln>
+            <a:tailEnd type="triangle"/>
+          </a:ln>
+        </p:spPr>
+        <p:style>
+          <a:lnRef idx="1">
+            <a:schemeClr val="dk1"/>
+          </a:lnRef>
+          <a:fillRef idx="0">
+            <a:schemeClr val="dk1"/>
+          </a:fillRef>
+          <a:effectRef idx="0">
+            <a:schemeClr val="dk1"/>
+          </a:effectRef>
+          <a:fontRef idx="minor">
+            <a:schemeClr val="tx1"/>
+          </a:fontRef>
+        </p:style>
+      </p:cxnSp>
+      <p:cxnSp>
+        <p:nvCxnSpPr>
+          <p:cNvPr id="47" name="Straight Arrow Connector 46">
+            <a:extLst>
+              <a:ext uri="{FF2B5EF4-FFF2-40B4-BE49-F238E27FC236}">
+                <a16:creationId xmlns:a16="http://schemas.microsoft.com/office/drawing/2014/main" id="{46FE0299-AA5C-B01D-7225-3C80A27C21CF}"/>
+              </a:ext>
+            </a:extLst>
+          </p:cNvPr>
+          <p:cNvCxnSpPr>
+            <a:cxnSpLocks/>
+            <a:stCxn id="42" idx="2"/>
+            <a:endCxn id="43" idx="0"/>
+          </p:cNvCxnSpPr>
+          <p:nvPr/>
+        </p:nvCxnSpPr>
+        <p:spPr>
+          <a:xfrm>
+            <a:off x="5574890" y="2374484"/>
+            <a:ext cx="0" cy="206479"/>
+          </a:xfrm>
+          <a:prstGeom prst="straightConnector1">
+            <a:avLst/>
+          </a:prstGeom>
+          <a:ln>
+            <a:tailEnd type="triangle"/>
+          </a:ln>
+        </p:spPr>
+        <p:style>
+          <a:lnRef idx="1">
+            <a:schemeClr val="dk1"/>
+          </a:lnRef>
+          <a:fillRef idx="0">
+            <a:schemeClr val="dk1"/>
+          </a:fillRef>
+          <a:effectRef idx="0">
+            <a:schemeClr val="dk1"/>
+          </a:effectRef>
+          <a:fontRef idx="minor">
+            <a:schemeClr val="tx1"/>
+          </a:fontRef>
+        </p:style>
+      </p:cxnSp>
+      <p:cxnSp>
+        <p:nvCxnSpPr>
+          <p:cNvPr id="76" name="Connector: Elbow 75">
+            <a:extLst>
+              <a:ext uri="{FF2B5EF4-FFF2-40B4-BE49-F238E27FC236}">
+                <a16:creationId xmlns:a16="http://schemas.microsoft.com/office/drawing/2014/main" id="{72D8B2E1-A22D-A41D-4EC1-AA223C7F6E77}"/>
+              </a:ext>
+            </a:extLst>
+          </p:cNvPr>
+          <p:cNvCxnSpPr>
+            <a:cxnSpLocks/>
+            <a:stCxn id="6" idx="2"/>
+          </p:cNvCxnSpPr>
+          <p:nvPr/>
+        </p:nvCxnSpPr>
+        <p:spPr>
+          <a:xfrm rot="5400000">
+            <a:off x="6786716" y="3252019"/>
+            <a:ext cx="127820" cy="2551472"/>
+          </a:xfrm>
+          <a:prstGeom prst="bentConnector2">
+            <a:avLst/>
+          </a:prstGeom>
+          <a:ln>
+            <a:tailEnd type="triangle"/>
+          </a:ln>
+        </p:spPr>
+        <p:style>
+          <a:lnRef idx="1">
+            <a:schemeClr val="dk1"/>
+          </a:lnRef>
+          <a:fillRef idx="0">
+            <a:schemeClr val="dk1"/>
+          </a:fillRef>
+          <a:effectRef idx="0">
+            <a:schemeClr val="dk1"/>
+          </a:effectRef>
+          <a:fontRef idx="minor">
+            <a:schemeClr val="tx1"/>
+          </a:fontRef>
+        </p:style>
+      </p:cxnSp>
+      <p:sp>
+        <p:nvSpPr>
+          <p:cNvPr id="79" name="TextBox 78">
+            <a:extLst>
+              <a:ext uri="{FF2B5EF4-FFF2-40B4-BE49-F238E27FC236}">
+                <a16:creationId xmlns:a16="http://schemas.microsoft.com/office/drawing/2014/main" id="{02F7D44B-FEBD-4E68-4EC8-AD046A0321F6}"/>
+              </a:ext>
+            </a:extLst>
+          </p:cNvPr>
+          <p:cNvSpPr txBox="1"/>
+          <p:nvPr/>
+        </p:nvSpPr>
+        <p:spPr>
+          <a:xfrm>
+            <a:off x="5574890" y="4591355"/>
+            <a:ext cx="2377574" cy="369332"/>
+          </a:xfrm>
+          <a:prstGeom prst="rect">
+            <a:avLst/>
+          </a:prstGeom>
+          <a:noFill/>
+        </p:spPr>
+        <p:txBody>
+          <a:bodyPr wrap="none" rtlCol="0">
+            <a:spAutoFit/>
+          </a:bodyPr>
+          <a:lstStyle/>
+          <a:p>
+            <a:r>
+              <a:rPr lang="en-IN" dirty="0">
+                <a:latin typeface="LM Mono 10" panose="00000509000000000000" pitchFamily="49" charset="0"/>
+              </a:rPr>
+              <a:t> count &lt;= </a:t>
+            </a:r>
+            <a:r>
+              <a:rPr lang="en-IN" dirty="0" err="1">
+                <a:latin typeface="LM Mono 10" panose="00000509000000000000" pitchFamily="49" charset="0"/>
+              </a:rPr>
+              <a:t>count_max</a:t>
+            </a:r>
+            <a:endParaRPr lang="en-IN" dirty="0">
+              <a:latin typeface="LM Mono 10" panose="00000509000000000000" pitchFamily="49" charset="0"/>
+            </a:endParaRPr>
+          </a:p>
+        </p:txBody>
+      </p:sp>
+      <p:cxnSp>
+        <p:nvCxnSpPr>
+          <p:cNvPr id="81" name="Connector: Elbow 80">
+            <a:extLst>
+              <a:ext uri="{FF2B5EF4-FFF2-40B4-BE49-F238E27FC236}">
+                <a16:creationId xmlns:a16="http://schemas.microsoft.com/office/drawing/2014/main" id="{B1FB677C-691F-87DF-DC9E-516F486DF837}"/>
+              </a:ext>
+            </a:extLst>
+          </p:cNvPr>
+          <p:cNvCxnSpPr>
+            <a:cxnSpLocks/>
+            <a:stCxn id="5" idx="2"/>
+            <a:endCxn id="4" idx="1"/>
+          </p:cNvCxnSpPr>
+          <p:nvPr/>
+        </p:nvCxnSpPr>
+        <p:spPr>
+          <a:xfrm rot="5400000" flipH="1">
+            <a:off x="3510119" y="2305661"/>
+            <a:ext cx="3018497" cy="1111045"/>
+          </a:xfrm>
+          <a:prstGeom prst="bentConnector4">
+            <a:avLst>
+              <a:gd name="adj1" fmla="val -7573"/>
+              <a:gd name="adj2" fmla="val 120575"/>
+            </a:avLst>
+          </a:prstGeom>
+          <a:ln>
+            <a:tailEnd type="triangle"/>
+          </a:ln>
+        </p:spPr>
+        <p:style>
+          <a:lnRef idx="1">
+            <a:schemeClr val="dk1"/>
+          </a:lnRef>
+          <a:fillRef idx="0">
+            <a:schemeClr val="dk1"/>
+          </a:fillRef>
+          <a:effectRef idx="0">
+            <a:schemeClr val="dk1"/>
+          </a:effectRef>
+          <a:fontRef idx="minor">
+            <a:schemeClr val="tx1"/>
+          </a:fontRef>
+        </p:style>
+      </p:cxnSp>
+      <p:sp>
+        <p:nvSpPr>
+          <p:cNvPr id="86" name="TextBox 85">
+            <a:extLst>
+              <a:ext uri="{FF2B5EF4-FFF2-40B4-BE49-F238E27FC236}">
+                <a16:creationId xmlns:a16="http://schemas.microsoft.com/office/drawing/2014/main" id="{FCD257F3-51BB-9D34-CDB3-A27E3741A0ED}"/>
+              </a:ext>
+            </a:extLst>
+          </p:cNvPr>
+          <p:cNvSpPr txBox="1"/>
+          <p:nvPr/>
+        </p:nvSpPr>
+        <p:spPr>
+          <a:xfrm>
+            <a:off x="1912373" y="2772069"/>
+            <a:ext cx="2262158" cy="369332"/>
+          </a:xfrm>
+          <a:prstGeom prst="rect">
+            <a:avLst/>
+          </a:prstGeom>
+          <a:noFill/>
+        </p:spPr>
+        <p:txBody>
+          <a:bodyPr wrap="none" rtlCol="0">
+            <a:spAutoFit/>
+          </a:bodyPr>
+          <a:lstStyle/>
+          <a:p>
+            <a:r>
+              <a:rPr lang="en-IN" dirty="0">
+                <a:latin typeface="LM Mono 10" panose="00000509000000000000" pitchFamily="49" charset="0"/>
+              </a:rPr>
+              <a:t> count &gt; </a:t>
+            </a:r>
+            <a:r>
+              <a:rPr lang="en-IN" dirty="0" err="1">
+                <a:latin typeface="LM Mono 10" panose="00000509000000000000" pitchFamily="49" charset="0"/>
+              </a:rPr>
+              <a:t>count_max</a:t>
+            </a:r>
+            <a:endParaRPr lang="en-IN" dirty="0">
+              <a:latin typeface="LM Mono 10" panose="00000509000000000000" pitchFamily="49" charset="0"/>
+            </a:endParaRPr>
+          </a:p>
+        </p:txBody>
+      </p:sp>
+      <p:cxnSp>
+        <p:nvCxnSpPr>
+          <p:cNvPr id="93" name="Connector: Elbow 92">
+            <a:extLst>
+              <a:ext uri="{FF2B5EF4-FFF2-40B4-BE49-F238E27FC236}">
+                <a16:creationId xmlns:a16="http://schemas.microsoft.com/office/drawing/2014/main" id="{FEDFCCDD-60EF-2313-32C0-78852326928A}"/>
+              </a:ext>
+            </a:extLst>
+          </p:cNvPr>
+          <p:cNvCxnSpPr>
+            <a:cxnSpLocks/>
+            <a:stCxn id="8" idx="2"/>
+            <a:endCxn id="4" idx="3"/>
+          </p:cNvCxnSpPr>
+          <p:nvPr/>
+        </p:nvCxnSpPr>
+        <p:spPr>
+          <a:xfrm rot="5400000" flipH="1" flipV="1">
+            <a:off x="3507648" y="3419175"/>
+            <a:ext cx="5245527" cy="1111045"/>
+          </a:xfrm>
+          <a:prstGeom prst="bentConnector4">
+            <a:avLst>
+              <a:gd name="adj1" fmla="val -4358"/>
+              <a:gd name="adj2" fmla="val 360398"/>
+            </a:avLst>
+          </a:prstGeom>
+          <a:ln>
+            <a:tailEnd type="triangle"/>
+          </a:ln>
+        </p:spPr>
+        <p:style>
+          <a:lnRef idx="1">
+            <a:schemeClr val="dk1"/>
+          </a:lnRef>
+          <a:fillRef idx="0">
+            <a:schemeClr val="dk1"/>
+          </a:fillRef>
+          <a:effectRef idx="0">
+            <a:schemeClr val="dk1"/>
+          </a:effectRef>
+          <a:fontRef idx="minor">
+            <a:schemeClr val="tx1"/>
+          </a:fontRef>
+        </p:style>
+      </p:cxnSp>
+      <p:sp>
+        <p:nvSpPr>
+          <p:cNvPr id="96" name="Arrow: Up-Down 95">
+            <a:extLst>
+              <a:ext uri="{FF2B5EF4-FFF2-40B4-BE49-F238E27FC236}">
+                <a16:creationId xmlns:a16="http://schemas.microsoft.com/office/drawing/2014/main" id="{34D6BF86-1EEE-0A76-58BE-6F5C14750DB1}"/>
+              </a:ext>
+            </a:extLst>
+          </p:cNvPr>
+          <p:cNvSpPr/>
+          <p:nvPr/>
+        </p:nvSpPr>
+        <p:spPr>
+          <a:xfrm>
+            <a:off x="836882" y="1846677"/>
+            <a:ext cx="126680" cy="837617"/>
+          </a:xfrm>
+          <a:prstGeom prst="upDownArrow">
+            <a:avLst/>
+          </a:prstGeom>
+        </p:spPr>
+        <p:style>
+          <a:lnRef idx="1">
+            <a:schemeClr val="dk1"/>
+          </a:lnRef>
+          <a:fillRef idx="2">
+            <a:schemeClr val="dk1"/>
+          </a:fillRef>
+          <a:effectRef idx="1">
+            <a:schemeClr val="dk1"/>
+          </a:effectRef>
+          <a:fontRef idx="minor">
+            <a:schemeClr val="dk1"/>
+          </a:fontRef>
+        </p:style>
+        <p:txBody>
+          <a:bodyPr rtlCol="0" anchor="ctr"/>
+          <a:lstStyle/>
+          <a:p>
+            <a:pPr algn="ctr"/>
+            <a:endParaRPr lang="en-IN" dirty="0"/>
+          </a:p>
+        </p:txBody>
+      </p:sp>
+      <p:sp>
+        <p:nvSpPr>
+          <p:cNvPr id="97" name="Rectangle 96">
+            <a:extLst>
+              <a:ext uri="{FF2B5EF4-FFF2-40B4-BE49-F238E27FC236}">
+                <a16:creationId xmlns:a16="http://schemas.microsoft.com/office/drawing/2014/main" id="{BBBE8908-E357-9C64-FC1A-A721F492756E}"/>
+              </a:ext>
+            </a:extLst>
+          </p:cNvPr>
+          <p:cNvSpPr/>
+          <p:nvPr/>
+        </p:nvSpPr>
+        <p:spPr>
+          <a:xfrm>
+            <a:off x="219392" y="2684294"/>
+            <a:ext cx="1403667" cy="3623091"/>
+          </a:xfrm>
+          <a:prstGeom prst="rect">
+            <a:avLst/>
+          </a:prstGeom>
+        </p:spPr>
+        <p:style>
+          <a:lnRef idx="2">
+            <a:schemeClr val="dk1"/>
+          </a:lnRef>
+          <a:fillRef idx="1">
+            <a:schemeClr val="lt1"/>
+          </a:fillRef>
+          <a:effectRef idx="0">
+            <a:schemeClr val="dk1"/>
+          </a:effectRef>
+          <a:fontRef idx="minor">
+            <a:schemeClr val="dk1"/>
+          </a:fontRef>
+        </p:style>
+        <p:txBody>
+          <a:bodyPr rtlCol="0" anchor="t"/>
+          <a:lstStyle/>
+          <a:p>
+            <a:r>
+              <a:rPr lang="en-IN" sz="1200" dirty="0"/>
+              <a:t>#include&lt;..&gt;</a:t>
+            </a:r>
+          </a:p>
+          <a:p>
+            <a:r>
+              <a:rPr lang="en-IN" sz="1200" dirty="0"/>
+              <a:t>#include&lt;..&gt;</a:t>
+            </a:r>
+          </a:p>
+          <a:p>
+            <a:r>
+              <a:rPr lang="en-IN" sz="1200" dirty="0"/>
+              <a:t>#include&lt;..&gt;</a:t>
+            </a:r>
+          </a:p>
+          <a:p>
+            <a:endParaRPr lang="en-IN" sz="1200" dirty="0"/>
+          </a:p>
+          <a:p>
+            <a:r>
+              <a:rPr lang="en-IN" sz="1200" dirty="0"/>
+              <a:t>void fn1(..);</a:t>
+            </a:r>
+          </a:p>
+          <a:p>
+            <a:r>
+              <a:rPr lang="en-IN" sz="1200" dirty="0"/>
+              <a:t>void fn2(..);</a:t>
+            </a:r>
+          </a:p>
+          <a:p>
+            <a:endParaRPr lang="en-IN" sz="1200" dirty="0"/>
+          </a:p>
+          <a:p>
+            <a:r>
+              <a:rPr lang="en-IN" sz="1200" dirty="0"/>
+              <a:t>void main()</a:t>
+            </a:r>
+          </a:p>
+          <a:p>
+            <a:r>
+              <a:rPr lang="en-IN" sz="1200" dirty="0"/>
+              <a:t>{</a:t>
+            </a:r>
+          </a:p>
+          <a:p>
+            <a:r>
+              <a:rPr lang="en-IN" sz="1200" dirty="0"/>
+              <a:t>…. </a:t>
+            </a:r>
+          </a:p>
+          <a:p>
+            <a:r>
+              <a:rPr lang="en-IN" sz="1200" dirty="0"/>
+              <a:t>   while(1){</a:t>
+            </a:r>
+          </a:p>
+          <a:p>
+            <a:r>
+              <a:rPr lang="en-IN" sz="1200" dirty="0"/>
+              <a:t>       …… </a:t>
+            </a:r>
+          </a:p>
+          <a:p>
+            <a:r>
+              <a:rPr lang="en-IN" sz="1200" dirty="0"/>
+              <a:t>   }</a:t>
+            </a:r>
+          </a:p>
+          <a:p>
+            <a:r>
+              <a:rPr lang="en-IN" sz="1200" dirty="0"/>
+              <a:t>}</a:t>
+            </a:r>
+          </a:p>
+          <a:p>
+            <a:endParaRPr lang="en-IN" sz="1200" dirty="0"/>
+          </a:p>
+          <a:p>
+            <a:r>
+              <a:rPr lang="en-IN" sz="1200" dirty="0"/>
+              <a:t>void fn1(…)</a:t>
+            </a:r>
+          </a:p>
+          <a:p>
+            <a:r>
+              <a:rPr lang="en-IN" sz="1200" dirty="0"/>
+              <a:t>{</a:t>
+            </a:r>
+          </a:p>
+          <a:p>
+            <a:r>
+              <a:rPr lang="en-IN" sz="1200" dirty="0"/>
+              <a:t>}</a:t>
+            </a:r>
+          </a:p>
+          <a:p>
+            <a:r>
+              <a:rPr lang="en-IN" sz="1200" dirty="0"/>
+              <a:t>void fn2(…){ …</a:t>
+            </a:r>
+          </a:p>
+        </p:txBody>
+      </p:sp>
+      <p:sp>
+        <p:nvSpPr>
+          <p:cNvPr id="98" name="TextBox 97">
+            <a:extLst>
+              <a:ext uri="{FF2B5EF4-FFF2-40B4-BE49-F238E27FC236}">
+                <a16:creationId xmlns:a16="http://schemas.microsoft.com/office/drawing/2014/main" id="{10F9A75A-EF58-A8EA-D057-A08215F20AC5}"/>
+              </a:ext>
+            </a:extLst>
+          </p:cNvPr>
+          <p:cNvSpPr txBox="1"/>
+          <p:nvPr/>
+        </p:nvSpPr>
+        <p:spPr>
+          <a:xfrm>
+            <a:off x="966499" y="2061156"/>
+            <a:ext cx="1543949" cy="369332"/>
+          </a:xfrm>
+          <a:prstGeom prst="rect">
+            <a:avLst/>
+          </a:prstGeom>
+          <a:noFill/>
+        </p:spPr>
+        <p:txBody>
+          <a:bodyPr wrap="none" rtlCol="0">
+            <a:spAutoFit/>
+          </a:bodyPr>
+          <a:lstStyle/>
+          <a:p>
+            <a:r>
+              <a:rPr lang="en-IN" i="1" dirty="0">
+                <a:latin typeface="LM Roman 10" panose="00000500000000000000" pitchFamily="50" charset="0"/>
+              </a:rPr>
+              <a:t>via interrupt </a:t>
+            </a:r>
+          </a:p>
+        </p:txBody>
+      </p:sp>
     </p:spTree>
     <p:extLst>
       <p:ext uri="{BB962C8B-B14F-4D97-AF65-F5344CB8AC3E}">

--- a/Images/diagrams.pptx
+++ b/Images/diagrams.pptx
@@ -4876,8 +4876,8 @@
           </a:p>
         </p:txBody>
       </p:sp>
-      <mc:AlternateContent xmlns:mc="http://schemas.openxmlformats.org/markup-compatibility/2006">
-        <mc:Choice xmlns:a14="http://schemas.microsoft.com/office/drawing/2010/main" Requires="a14">
+      <mc:AlternateContent xmlns:mc="http://schemas.openxmlformats.org/markup-compatibility/2006" xmlns:a14="http://schemas.microsoft.com/office/drawing/2010/main">
+        <mc:Choice Requires="a14">
           <p:sp>
             <p:nvSpPr>
               <p:cNvPr id="6" name="Rectangle 5">
@@ -4962,7 +4962,7 @@
             </p:txBody>
           </p:sp>
         </mc:Choice>
-        <mc:Fallback>
+        <mc:Fallback xmlns="">
           <p:sp>
             <p:nvSpPr>
               <p:cNvPr id="6" name="Rectangle 5">
@@ -5007,8 +5007,8 @@
           </p:sp>
         </mc:Fallback>
       </mc:AlternateContent>
-      <mc:AlternateContent xmlns:mc="http://schemas.openxmlformats.org/markup-compatibility/2006">
-        <mc:Choice xmlns:a14="http://schemas.microsoft.com/office/drawing/2010/main" Requires="a14">
+      <mc:AlternateContent xmlns:mc="http://schemas.openxmlformats.org/markup-compatibility/2006" xmlns:a14="http://schemas.microsoft.com/office/drawing/2010/main">
+        <mc:Choice Requires="a14">
           <p:sp>
             <p:nvSpPr>
               <p:cNvPr id="7" name="Rectangle 6">
@@ -5142,7 +5142,7 @@
             </p:txBody>
           </p:sp>
         </mc:Choice>
-        <mc:Fallback>
+        <mc:Fallback xmlns="">
           <p:sp>
             <p:nvSpPr>
               <p:cNvPr id="7" name="Rectangle 6">
@@ -5310,6 +5310,9 @@
             <a:avLst/>
           </a:prstGeom>
           <a:ln>
+            <a:solidFill>
+              <a:schemeClr val="bg1"/>
+            </a:solidFill>
             <a:tailEnd type="triangle"/>
           </a:ln>
         </p:spPr>
@@ -5353,6 +5356,9 @@
             <a:avLst/>
           </a:prstGeom>
           <a:ln>
+            <a:solidFill>
+              <a:schemeClr val="bg1"/>
+            </a:solidFill>
             <a:tailEnd type="triangle"/>
           </a:ln>
         </p:spPr>
@@ -5396,6 +5402,9 @@
             <a:avLst/>
           </a:prstGeom>
           <a:ln>
+            <a:solidFill>
+              <a:schemeClr val="bg1"/>
+            </a:solidFill>
             <a:tailEnd type="triangle"/>
           </a:ln>
         </p:spPr>
@@ -5439,6 +5448,9 @@
             <a:avLst/>
           </a:prstGeom>
           <a:ln>
+            <a:solidFill>
+              <a:schemeClr val="bg1"/>
+            </a:solidFill>
             <a:tailEnd type="triangle"/>
           </a:ln>
         </p:spPr>
@@ -5484,6 +5496,9 @@
             </a:avLst>
           </a:prstGeom>
           <a:ln>
+            <a:solidFill>
+              <a:schemeClr val="bg1"/>
+            </a:solidFill>
             <a:tailEnd type="triangle"/>
           </a:ln>
         </p:spPr>
@@ -5502,8 +5517,8 @@
           </a:fontRef>
         </p:style>
       </p:cxnSp>
-      <mc:AlternateContent xmlns:mc="http://schemas.openxmlformats.org/markup-compatibility/2006">
-        <mc:Choice xmlns:a14="http://schemas.microsoft.com/office/drawing/2010/main" Requires="a14">
+      <mc:AlternateContent xmlns:mc="http://schemas.openxmlformats.org/markup-compatibility/2006" xmlns:a14="http://schemas.microsoft.com/office/drawing/2010/main">
+        <mc:Choice Requires="a14">
           <p:sp>
             <p:nvSpPr>
               <p:cNvPr id="42" name="Rectangle 41">
@@ -5570,7 +5585,7 @@
             </p:txBody>
           </p:sp>
         </mc:Choice>
-        <mc:Fallback>
+        <mc:Fallback xmlns="">
           <p:sp>
             <p:nvSpPr>
               <p:cNvPr id="42" name="Rectangle 41">
@@ -5695,6 +5710,9 @@
             <a:avLst/>
           </a:prstGeom>
           <a:ln>
+            <a:solidFill>
+              <a:schemeClr val="bg1"/>
+            </a:solidFill>
             <a:tailEnd type="triangle"/>
           </a:ln>
         </p:spPr>
@@ -5738,6 +5756,9 @@
             <a:avLst/>
           </a:prstGeom>
           <a:ln>
+            <a:solidFill>
+              <a:schemeClr val="bg1"/>
+            </a:solidFill>
             <a:tailEnd type="triangle"/>
           </a:ln>
         </p:spPr>
@@ -5780,6 +5801,9 @@
             <a:avLst/>
           </a:prstGeom>
           <a:ln>
+            <a:solidFill>
+              <a:schemeClr val="bg1"/>
+            </a:solidFill>
             <a:tailEnd type="triangle"/>
           </a:ln>
         </p:spPr>
@@ -5828,17 +5852,26 @@
           <a:p>
             <a:r>
               <a:rPr lang="en-IN" dirty="0">
+                <a:solidFill>
+                  <a:schemeClr val="bg1"/>
+                </a:solidFill>
                 <a:latin typeface="LM Mono 10" panose="00000509000000000000" pitchFamily="49" charset="0"/>
               </a:rPr>
               <a:t> count &lt;= </a:t>
             </a:r>
             <a:r>
               <a:rPr lang="en-IN" dirty="0" err="1">
+                <a:solidFill>
+                  <a:schemeClr val="bg1"/>
+                </a:solidFill>
                 <a:latin typeface="LM Mono 10" panose="00000509000000000000" pitchFamily="49" charset="0"/>
               </a:rPr>
               <a:t>count_max</a:t>
             </a:r>
             <a:endParaRPr lang="en-IN" dirty="0">
+              <a:solidFill>
+                <a:schemeClr val="bg1"/>
+              </a:solidFill>
               <a:latin typeface="LM Mono 10" panose="00000509000000000000" pitchFamily="49" charset="0"/>
             </a:endParaRPr>
           </a:p>
@@ -5872,6 +5905,9 @@
             </a:avLst>
           </a:prstGeom>
           <a:ln>
+            <a:solidFill>
+              <a:schemeClr val="bg1"/>
+            </a:solidFill>
             <a:tailEnd type="triangle"/>
           </a:ln>
         </p:spPr>
@@ -5905,7 +5941,7 @@
         <p:spPr>
           <a:xfrm>
             <a:off x="1912373" y="2772069"/>
-            <a:ext cx="2262158" cy="369332"/>
+            <a:ext cx="2146742" cy="369332"/>
           </a:xfrm>
           <a:prstGeom prst="rect">
             <a:avLst/>
@@ -5920,17 +5956,26 @@
           <a:p>
             <a:r>
               <a:rPr lang="en-IN" dirty="0">
+                <a:solidFill>
+                  <a:schemeClr val="bg1"/>
+                </a:solidFill>
                 <a:latin typeface="LM Mono 10" panose="00000509000000000000" pitchFamily="49" charset="0"/>
               </a:rPr>
-              <a:t> count &gt; </a:t>
+              <a:t> count &gt;</a:t>
             </a:r>
             <a:r>
               <a:rPr lang="en-IN" dirty="0" err="1">
+                <a:solidFill>
+                  <a:schemeClr val="bg1"/>
+                </a:solidFill>
                 <a:latin typeface="LM Mono 10" panose="00000509000000000000" pitchFamily="49" charset="0"/>
               </a:rPr>
               <a:t>count_max</a:t>
             </a:r>
             <a:endParaRPr lang="en-IN" dirty="0">
+              <a:solidFill>
+                <a:schemeClr val="bg1"/>
+              </a:solidFill>
               <a:latin typeface="LM Mono 10" panose="00000509000000000000" pitchFamily="49" charset="0"/>
             </a:endParaRPr>
           </a:p>
@@ -5964,6 +6009,9 @@
             </a:avLst>
           </a:prstGeom>
           <a:ln>
+            <a:solidFill>
+              <a:schemeClr val="bg1"/>
+            </a:solidFill>
             <a:tailEnd type="triangle"/>
           </a:ln>
         </p:spPr>
@@ -6002,6 +6050,14 @@
           <a:prstGeom prst="upDownArrow">
             <a:avLst/>
           </a:prstGeom>
+          <a:solidFill>
+            <a:schemeClr val="bg1"/>
+          </a:solidFill>
+          <a:ln>
+            <a:solidFill>
+              <a:schemeClr val="bg1"/>
+            </a:solidFill>
+          </a:ln>
         </p:spPr>
         <p:style>
           <a:lnRef idx="1">

--- a/Images/diagrams.pptx
+++ b/Images/diagrams.pptx
@@ -264,7 +264,7 @@
           <a:p>
             <a:fld id="{43AE6D25-7305-4F8F-A793-FFF4666B6C47}" type="datetimeFigureOut">
               <a:rPr lang="en-IN" smtClean="0"/>
-              <a:t>07-11-2024</a:t>
+              <a:t>29-11-2024</a:t>
             </a:fld>
             <a:endParaRPr lang="en-IN"/>
           </a:p>
@@ -464,7 +464,7 @@
           <a:p>
             <a:fld id="{43AE6D25-7305-4F8F-A793-FFF4666B6C47}" type="datetimeFigureOut">
               <a:rPr lang="en-IN" smtClean="0"/>
-              <a:t>07-11-2024</a:t>
+              <a:t>29-11-2024</a:t>
             </a:fld>
             <a:endParaRPr lang="en-IN"/>
           </a:p>
@@ -674,7 +674,7 @@
           <a:p>
             <a:fld id="{43AE6D25-7305-4F8F-A793-FFF4666B6C47}" type="datetimeFigureOut">
               <a:rPr lang="en-IN" smtClean="0"/>
-              <a:t>07-11-2024</a:t>
+              <a:t>29-11-2024</a:t>
             </a:fld>
             <a:endParaRPr lang="en-IN"/>
           </a:p>
@@ -874,7 +874,7 @@
           <a:p>
             <a:fld id="{43AE6D25-7305-4F8F-A793-FFF4666B6C47}" type="datetimeFigureOut">
               <a:rPr lang="en-IN" smtClean="0"/>
-              <a:t>07-11-2024</a:t>
+              <a:t>29-11-2024</a:t>
             </a:fld>
             <a:endParaRPr lang="en-IN"/>
           </a:p>
@@ -1150,7 +1150,7 @@
           <a:p>
             <a:fld id="{43AE6D25-7305-4F8F-A793-FFF4666B6C47}" type="datetimeFigureOut">
               <a:rPr lang="en-IN" smtClean="0"/>
-              <a:t>07-11-2024</a:t>
+              <a:t>29-11-2024</a:t>
             </a:fld>
             <a:endParaRPr lang="en-IN"/>
           </a:p>
@@ -1418,7 +1418,7 @@
           <a:p>
             <a:fld id="{43AE6D25-7305-4F8F-A793-FFF4666B6C47}" type="datetimeFigureOut">
               <a:rPr lang="en-IN" smtClean="0"/>
-              <a:t>07-11-2024</a:t>
+              <a:t>29-11-2024</a:t>
             </a:fld>
             <a:endParaRPr lang="en-IN"/>
           </a:p>
@@ -1833,7 +1833,7 @@
           <a:p>
             <a:fld id="{43AE6D25-7305-4F8F-A793-FFF4666B6C47}" type="datetimeFigureOut">
               <a:rPr lang="en-IN" smtClean="0"/>
-              <a:t>07-11-2024</a:t>
+              <a:t>29-11-2024</a:t>
             </a:fld>
             <a:endParaRPr lang="en-IN"/>
           </a:p>
@@ -1975,7 +1975,7 @@
           <a:p>
             <a:fld id="{43AE6D25-7305-4F8F-A793-FFF4666B6C47}" type="datetimeFigureOut">
               <a:rPr lang="en-IN" smtClean="0"/>
-              <a:t>07-11-2024</a:t>
+              <a:t>29-11-2024</a:t>
             </a:fld>
             <a:endParaRPr lang="en-IN"/>
           </a:p>
@@ -2088,7 +2088,7 @@
           <a:p>
             <a:fld id="{43AE6D25-7305-4F8F-A793-FFF4666B6C47}" type="datetimeFigureOut">
               <a:rPr lang="en-IN" smtClean="0"/>
-              <a:t>07-11-2024</a:t>
+              <a:t>29-11-2024</a:t>
             </a:fld>
             <a:endParaRPr lang="en-IN"/>
           </a:p>
@@ -2401,7 +2401,7 @@
           <a:p>
             <a:fld id="{43AE6D25-7305-4F8F-A793-FFF4666B6C47}" type="datetimeFigureOut">
               <a:rPr lang="en-IN" smtClean="0"/>
-              <a:t>07-11-2024</a:t>
+              <a:t>29-11-2024</a:t>
             </a:fld>
             <a:endParaRPr lang="en-IN"/>
           </a:p>
@@ -2690,7 +2690,7 @@
           <a:p>
             <a:fld id="{43AE6D25-7305-4F8F-A793-FFF4666B6C47}" type="datetimeFigureOut">
               <a:rPr lang="en-IN" smtClean="0"/>
-              <a:t>07-11-2024</a:t>
+              <a:t>29-11-2024</a:t>
             </a:fld>
             <a:endParaRPr lang="en-IN"/>
           </a:p>
@@ -2933,7 +2933,7 @@
           <a:p>
             <a:fld id="{43AE6D25-7305-4F8F-A793-FFF4666B6C47}" type="datetimeFigureOut">
               <a:rPr lang="en-IN" smtClean="0"/>
-              <a:t>07-11-2024</a:t>
+              <a:t>29-11-2024</a:t>
             </a:fld>
             <a:endParaRPr lang="en-IN"/>
           </a:p>
@@ -3432,10 +3432,10 @@
       </p:grpSpPr>
       <p:sp>
         <p:nvSpPr>
-          <p:cNvPr id="2" name="Rectangle 1">
-            <a:extLst>
-              <a:ext uri="{FF2B5EF4-FFF2-40B4-BE49-F238E27FC236}">
-                <a16:creationId xmlns:a16="http://schemas.microsoft.com/office/drawing/2014/main" id="{069A397D-23D2-2124-E6F6-1EBEA83FAAF5}"/>
+          <p:cNvPr id="21" name="Rectangle 20">
+            <a:extLst>
+              <a:ext uri="{FF2B5EF4-FFF2-40B4-BE49-F238E27FC236}">
+                <a16:creationId xmlns:a16="http://schemas.microsoft.com/office/drawing/2014/main" id="{D41829FB-E852-A923-FB6B-21F401FF4908}"/>
               </a:ext>
             </a:extLst>
           </p:cNvPr>
@@ -3444,8 +3444,8 @@
         </p:nvSpPr>
         <p:spPr>
           <a:xfrm>
-            <a:off x="833482" y="2408904"/>
-            <a:ext cx="1288026" cy="757084"/>
+            <a:off x="1738042" y="1818970"/>
+            <a:ext cx="2106120" cy="2359743"/>
           </a:xfrm>
           <a:prstGeom prst="rect">
             <a:avLst/>
@@ -3472,19 +3472,158 @@
             <a:pPr algn="ctr"/>
             <a:r>
               <a:rPr lang="en-IN" dirty="0">
-                <a:latin typeface="LM Roman 10" panose="00000500000000000000" pitchFamily="50" charset="0"/>
+                <a:latin typeface="Times New Roman" panose="02020603050405020304" pitchFamily="18" charset="0"/>
+                <a:cs typeface="Times New Roman" panose="02020603050405020304" pitchFamily="18" charset="0"/>
               </a:rPr>
               <a:t>Ultrasonic Sensor</a:t>
             </a:r>
           </a:p>
         </p:txBody>
       </p:sp>
+      <p:sp>
+        <p:nvSpPr>
+          <p:cNvPr id="22" name="Cylinder 21">
+            <a:extLst>
+              <a:ext uri="{FF2B5EF4-FFF2-40B4-BE49-F238E27FC236}">
+                <a16:creationId xmlns:a16="http://schemas.microsoft.com/office/drawing/2014/main" id="{CF0D0F13-3914-967C-CFE0-7A187929CAB7}"/>
+              </a:ext>
+            </a:extLst>
+          </p:cNvPr>
+          <p:cNvSpPr/>
+          <p:nvPr/>
+        </p:nvSpPr>
+        <p:spPr>
+          <a:xfrm rot="5400000">
+            <a:off x="3517526" y="2094274"/>
+            <a:ext cx="597973" cy="687171"/>
+          </a:xfrm>
+          <a:prstGeom prst="can">
+            <a:avLst/>
+          </a:prstGeom>
+        </p:spPr>
+        <p:style>
+          <a:lnRef idx="1">
+            <a:schemeClr val="accent2"/>
+          </a:lnRef>
+          <a:fillRef idx="2">
+            <a:schemeClr val="accent2"/>
+          </a:fillRef>
+          <a:effectRef idx="1">
+            <a:schemeClr val="accent2"/>
+          </a:effectRef>
+          <a:fontRef idx="minor">
+            <a:schemeClr val="dk1"/>
+          </a:fontRef>
+        </p:style>
+        <p:txBody>
+          <a:bodyPr vert="vert270" rtlCol="0" anchor="ctr"/>
+          <a:lstStyle/>
+          <a:p>
+            <a:pPr algn="ctr"/>
+            <a:r>
+              <a:rPr lang="en-IN" dirty="0">
+                <a:latin typeface="Times New Roman" panose="02020603050405020304" pitchFamily="18" charset="0"/>
+                <a:cs typeface="Times New Roman" panose="02020603050405020304" pitchFamily="18" charset="0"/>
+              </a:rPr>
+              <a:t>Tx</a:t>
+            </a:r>
+          </a:p>
+        </p:txBody>
+      </p:sp>
+      <p:sp>
+        <p:nvSpPr>
+          <p:cNvPr id="23" name="Cylinder 22">
+            <a:extLst>
+              <a:ext uri="{FF2B5EF4-FFF2-40B4-BE49-F238E27FC236}">
+                <a16:creationId xmlns:a16="http://schemas.microsoft.com/office/drawing/2014/main" id="{54E64060-C9A7-4D3F-7791-1D8771C35DFE}"/>
+              </a:ext>
+            </a:extLst>
+          </p:cNvPr>
+          <p:cNvSpPr/>
+          <p:nvPr/>
+        </p:nvSpPr>
+        <p:spPr>
+          <a:xfrm rot="5400000">
+            <a:off x="3517525" y="3147532"/>
+            <a:ext cx="597973" cy="687171"/>
+          </a:xfrm>
+          <a:prstGeom prst="can">
+            <a:avLst/>
+          </a:prstGeom>
+        </p:spPr>
+        <p:style>
+          <a:lnRef idx="1">
+            <a:schemeClr val="accent6"/>
+          </a:lnRef>
+          <a:fillRef idx="2">
+            <a:schemeClr val="accent6"/>
+          </a:fillRef>
+          <a:effectRef idx="1">
+            <a:schemeClr val="accent6"/>
+          </a:effectRef>
+          <a:fontRef idx="minor">
+            <a:schemeClr val="dk1"/>
+          </a:fontRef>
+        </p:style>
+        <p:txBody>
+          <a:bodyPr vert="vert270" rtlCol="0" anchor="ctr"/>
+          <a:lstStyle/>
+          <a:p>
+            <a:pPr algn="ctr"/>
+            <a:r>
+              <a:rPr lang="en-IN" dirty="0">
+                <a:latin typeface="Times New Roman" panose="02020603050405020304" pitchFamily="18" charset="0"/>
+                <a:cs typeface="Times New Roman" panose="02020603050405020304" pitchFamily="18" charset="0"/>
+              </a:rPr>
+              <a:t>Rx</a:t>
+            </a:r>
+          </a:p>
+        </p:txBody>
+      </p:sp>
+      <p:sp>
+        <p:nvSpPr>
+          <p:cNvPr id="25" name="TextBox 24">
+            <a:extLst>
+              <a:ext uri="{FF2B5EF4-FFF2-40B4-BE49-F238E27FC236}">
+                <a16:creationId xmlns:a16="http://schemas.microsoft.com/office/drawing/2014/main" id="{817621BD-A966-C6F3-A331-12C8DB7E09DA}"/>
+              </a:ext>
+            </a:extLst>
+          </p:cNvPr>
+          <p:cNvSpPr txBox="1"/>
+          <p:nvPr/>
+        </p:nvSpPr>
+        <p:spPr>
+          <a:xfrm>
+            <a:off x="2291263" y="4689989"/>
+            <a:ext cx="441146" cy="369332"/>
+          </a:xfrm>
+          <a:prstGeom prst="rect">
+            <a:avLst/>
+          </a:prstGeom>
+          <a:noFill/>
+        </p:spPr>
+        <p:txBody>
+          <a:bodyPr wrap="none" rtlCol="0">
+            <a:spAutoFit/>
+          </a:bodyPr>
+          <a:lstStyle/>
+          <a:p>
+            <a:r>
+              <a:rPr lang="en-IN" dirty="0">
+                <a:latin typeface="Times New Roman" panose="02020603050405020304" pitchFamily="18" charset="0"/>
+                <a:cs typeface="Times New Roman" panose="02020603050405020304" pitchFamily="18" charset="0"/>
+              </a:rPr>
+              <a:t>(a)</a:t>
+            </a:r>
+          </a:p>
+        </p:txBody>
+      </p:sp>
       <p:cxnSp>
         <p:nvCxnSpPr>
-          <p:cNvPr id="4" name="Straight Connector 3">
-            <a:extLst>
-              <a:ext uri="{FF2B5EF4-FFF2-40B4-BE49-F238E27FC236}">
-                <a16:creationId xmlns:a16="http://schemas.microsoft.com/office/drawing/2014/main" id="{3F9F3FBD-80FA-10F2-9AEC-7CD92EF77152}"/>
+          <p:cNvPr id="27" name="Straight Arrow Connector 26">
+            <a:extLst>
+              <a:ext uri="{FF2B5EF4-FFF2-40B4-BE49-F238E27FC236}">
+                <a16:creationId xmlns:a16="http://schemas.microsoft.com/office/drawing/2014/main" id="{799F48B7-2F34-90A5-0738-1224EB675CEF}"/>
               </a:ext>
             </a:extLst>
           </p:cNvPr>
@@ -3495,7 +3634,256 @@
         </p:nvCxnSpPr>
         <p:spPr>
           <a:xfrm>
-            <a:off x="4078127" y="1612491"/>
+            <a:off x="4160097" y="2428693"/>
+            <a:ext cx="901005" cy="9166"/>
+          </a:xfrm>
+          <a:prstGeom prst="straightConnector1">
+            <a:avLst/>
+          </a:prstGeom>
+          <a:ln>
+            <a:tailEnd type="triangle"/>
+          </a:ln>
+        </p:spPr>
+        <p:style>
+          <a:lnRef idx="1">
+            <a:schemeClr val="dk1"/>
+          </a:lnRef>
+          <a:fillRef idx="0">
+            <a:schemeClr val="dk1"/>
+          </a:fillRef>
+          <a:effectRef idx="0">
+            <a:schemeClr val="dk1"/>
+          </a:effectRef>
+          <a:fontRef idx="minor">
+            <a:schemeClr val="tx1"/>
+          </a:fontRef>
+        </p:style>
+      </p:cxnSp>
+      <p:sp>
+        <p:nvSpPr>
+          <p:cNvPr id="28" name="Freeform: Shape 27">
+            <a:extLst>
+              <a:ext uri="{FF2B5EF4-FFF2-40B4-BE49-F238E27FC236}">
+                <a16:creationId xmlns:a16="http://schemas.microsoft.com/office/drawing/2014/main" id="{709E2035-BDC2-3342-B3D0-0642D40CA403}"/>
+              </a:ext>
+            </a:extLst>
+          </p:cNvPr>
+          <p:cNvSpPr/>
+          <p:nvPr/>
+        </p:nvSpPr>
+        <p:spPr>
+          <a:xfrm>
+            <a:off x="4176199" y="2185774"/>
+            <a:ext cx="737420" cy="482351"/>
+          </a:xfrm>
+          <a:custGeom>
+            <a:avLst/>
+            <a:gdLst>
+              <a:gd name="connsiteX0" fmla="*/ 0 w 737420"/>
+              <a:gd name="connsiteY0" fmla="*/ 242794 h 482351"/>
+              <a:gd name="connsiteX1" fmla="*/ 137652 w 737420"/>
+              <a:gd name="connsiteY1" fmla="*/ 6820 h 482351"/>
+              <a:gd name="connsiteX2" fmla="*/ 226142 w 737420"/>
+              <a:gd name="connsiteY2" fmla="*/ 478768 h 482351"/>
+              <a:gd name="connsiteX3" fmla="*/ 363794 w 737420"/>
+              <a:gd name="connsiteY3" fmla="*/ 213297 h 482351"/>
+              <a:gd name="connsiteX4" fmla="*/ 432620 w 737420"/>
+              <a:gd name="connsiteY4" fmla="*/ 16652 h 482351"/>
+              <a:gd name="connsiteX5" fmla="*/ 481781 w 737420"/>
+              <a:gd name="connsiteY5" fmla="*/ 232962 h 482351"/>
+              <a:gd name="connsiteX6" fmla="*/ 501445 w 737420"/>
+              <a:gd name="connsiteY6" fmla="*/ 468936 h 482351"/>
+              <a:gd name="connsiteX7" fmla="*/ 580103 w 737420"/>
+              <a:gd name="connsiteY7" fmla="*/ 223129 h 482351"/>
+              <a:gd name="connsiteX8" fmla="*/ 688258 w 737420"/>
+              <a:gd name="connsiteY8" fmla="*/ 75646 h 482351"/>
+              <a:gd name="connsiteX9" fmla="*/ 737420 w 737420"/>
+              <a:gd name="connsiteY9" fmla="*/ 282123 h 482351"/>
+            </a:gdLst>
+            <a:ahLst/>
+            <a:cxnLst>
+              <a:cxn ang="0">
+                <a:pos x="connsiteX0" y="connsiteY0"/>
+              </a:cxn>
+              <a:cxn ang="0">
+                <a:pos x="connsiteX1" y="connsiteY1"/>
+              </a:cxn>
+              <a:cxn ang="0">
+                <a:pos x="connsiteX2" y="connsiteY2"/>
+              </a:cxn>
+              <a:cxn ang="0">
+                <a:pos x="connsiteX3" y="connsiteY3"/>
+              </a:cxn>
+              <a:cxn ang="0">
+                <a:pos x="connsiteX4" y="connsiteY4"/>
+              </a:cxn>
+              <a:cxn ang="0">
+                <a:pos x="connsiteX5" y="connsiteY5"/>
+              </a:cxn>
+              <a:cxn ang="0">
+                <a:pos x="connsiteX6" y="connsiteY6"/>
+              </a:cxn>
+              <a:cxn ang="0">
+                <a:pos x="connsiteX7" y="connsiteY7"/>
+              </a:cxn>
+              <a:cxn ang="0">
+                <a:pos x="connsiteX8" y="connsiteY8"/>
+              </a:cxn>
+              <a:cxn ang="0">
+                <a:pos x="connsiteX9" y="connsiteY9"/>
+              </a:cxn>
+            </a:cxnLst>
+            <a:rect l="l" t="t" r="r" b="b"/>
+            <a:pathLst>
+              <a:path w="737420" h="482351">
+                <a:moveTo>
+                  <a:pt x="0" y="242794"/>
+                </a:moveTo>
+                <a:cubicBezTo>
+                  <a:pt x="49981" y="105142"/>
+                  <a:pt x="99962" y="-32509"/>
+                  <a:pt x="137652" y="6820"/>
+                </a:cubicBezTo>
+                <a:cubicBezTo>
+                  <a:pt x="175342" y="46149"/>
+                  <a:pt x="188452" y="444355"/>
+                  <a:pt x="226142" y="478768"/>
+                </a:cubicBezTo>
+                <a:cubicBezTo>
+                  <a:pt x="263832" y="513181"/>
+                  <a:pt x="329381" y="290316"/>
+                  <a:pt x="363794" y="213297"/>
+                </a:cubicBezTo>
+                <a:cubicBezTo>
+                  <a:pt x="398207" y="136278"/>
+                  <a:pt x="412956" y="13375"/>
+                  <a:pt x="432620" y="16652"/>
+                </a:cubicBezTo>
+                <a:cubicBezTo>
+                  <a:pt x="452284" y="19929"/>
+                  <a:pt x="470310" y="157581"/>
+                  <a:pt x="481781" y="232962"/>
+                </a:cubicBezTo>
+                <a:cubicBezTo>
+                  <a:pt x="493252" y="308343"/>
+                  <a:pt x="485058" y="470575"/>
+                  <a:pt x="501445" y="468936"/>
+                </a:cubicBezTo>
+                <a:cubicBezTo>
+                  <a:pt x="517832" y="467297"/>
+                  <a:pt x="548968" y="288677"/>
+                  <a:pt x="580103" y="223129"/>
+                </a:cubicBezTo>
+                <a:cubicBezTo>
+                  <a:pt x="611239" y="157581"/>
+                  <a:pt x="662039" y="65814"/>
+                  <a:pt x="688258" y="75646"/>
+                </a:cubicBezTo>
+                <a:cubicBezTo>
+                  <a:pt x="714477" y="85478"/>
+                  <a:pt x="716117" y="262459"/>
+                  <a:pt x="737420" y="282123"/>
+                </a:cubicBezTo>
+              </a:path>
+            </a:pathLst>
+          </a:custGeom>
+          <a:noFill/>
+        </p:spPr>
+        <p:style>
+          <a:lnRef idx="2">
+            <a:schemeClr val="accent1">
+              <a:shade val="15000"/>
+            </a:schemeClr>
+          </a:lnRef>
+          <a:fillRef idx="1">
+            <a:schemeClr val="accent1"/>
+          </a:fillRef>
+          <a:effectRef idx="0">
+            <a:schemeClr val="accent1"/>
+          </a:effectRef>
+          <a:fontRef idx="minor">
+            <a:schemeClr val="lt1"/>
+          </a:fontRef>
+        </p:style>
+        <p:txBody>
+          <a:bodyPr rtlCol="0" anchor="ctr"/>
+          <a:lstStyle/>
+          <a:p>
+            <a:pPr algn="ctr"/>
+            <a:endParaRPr lang="en-IN">
+              <a:latin typeface="Times New Roman" panose="02020603050405020304" pitchFamily="18" charset="0"/>
+              <a:cs typeface="Times New Roman" panose="02020603050405020304" pitchFamily="18" charset="0"/>
+            </a:endParaRPr>
+          </a:p>
+        </p:txBody>
+      </p:sp>
+      <p:sp>
+        <p:nvSpPr>
+          <p:cNvPr id="29" name="Rectangle 28">
+            <a:extLst>
+              <a:ext uri="{FF2B5EF4-FFF2-40B4-BE49-F238E27FC236}">
+                <a16:creationId xmlns:a16="http://schemas.microsoft.com/office/drawing/2014/main" id="{4E3F78EC-4601-DEAB-3507-B8446668B2A5}"/>
+              </a:ext>
+            </a:extLst>
+          </p:cNvPr>
+          <p:cNvSpPr/>
+          <p:nvPr/>
+        </p:nvSpPr>
+        <p:spPr>
+          <a:xfrm>
+            <a:off x="6304887" y="2641692"/>
+            <a:ext cx="1288026" cy="757084"/>
+          </a:xfrm>
+          <a:prstGeom prst="rect">
+            <a:avLst/>
+          </a:prstGeom>
+        </p:spPr>
+        <p:style>
+          <a:lnRef idx="1">
+            <a:schemeClr val="accent3"/>
+          </a:lnRef>
+          <a:fillRef idx="2">
+            <a:schemeClr val="accent3"/>
+          </a:fillRef>
+          <a:effectRef idx="1">
+            <a:schemeClr val="accent3"/>
+          </a:effectRef>
+          <a:fontRef idx="minor">
+            <a:schemeClr val="dk1"/>
+          </a:fontRef>
+        </p:style>
+        <p:txBody>
+          <a:bodyPr rtlCol="0" anchor="ctr"/>
+          <a:lstStyle/>
+          <a:p>
+            <a:pPr algn="ctr"/>
+            <a:r>
+              <a:rPr lang="en-IN" dirty="0">
+                <a:latin typeface="Times New Roman" panose="02020603050405020304" pitchFamily="18" charset="0"/>
+                <a:cs typeface="Times New Roman" panose="02020603050405020304" pitchFamily="18" charset="0"/>
+              </a:rPr>
+              <a:t>Ultrasonic Sensor</a:t>
+            </a:r>
+          </a:p>
+        </p:txBody>
+      </p:sp>
+      <p:cxnSp>
+        <p:nvCxnSpPr>
+          <p:cNvPr id="30" name="Straight Connector 29">
+            <a:extLst>
+              <a:ext uri="{FF2B5EF4-FFF2-40B4-BE49-F238E27FC236}">
+                <a16:creationId xmlns:a16="http://schemas.microsoft.com/office/drawing/2014/main" id="{F42D5B5C-C9D8-19B7-3B3B-9D270B2E6A8C}"/>
+              </a:ext>
+            </a:extLst>
+          </p:cNvPr>
+          <p:cNvCxnSpPr>
+            <a:cxnSpLocks/>
+          </p:cNvCxnSpPr>
+          <p:nvPr/>
+        </p:nvCxnSpPr>
+        <p:spPr>
+          <a:xfrm>
+            <a:off x="9549532" y="1845279"/>
             <a:ext cx="0" cy="2005780"/>
           </a:xfrm>
           <a:prstGeom prst="line">
@@ -3519,10 +3907,10 @@
       </p:cxnSp>
       <p:cxnSp>
         <p:nvCxnSpPr>
-          <p:cNvPr id="7" name="Straight Arrow Connector 6">
-            <a:extLst>
-              <a:ext uri="{FF2B5EF4-FFF2-40B4-BE49-F238E27FC236}">
-                <a16:creationId xmlns:a16="http://schemas.microsoft.com/office/drawing/2014/main" id="{A193E787-3A34-4D1D-AA8E-270939267FBB}"/>
+          <p:cNvPr id="32" name="Straight Arrow Connector 31">
+            <a:extLst>
+              <a:ext uri="{FF2B5EF4-FFF2-40B4-BE49-F238E27FC236}">
+                <a16:creationId xmlns:a16="http://schemas.microsoft.com/office/drawing/2014/main" id="{6C5AF778-AD14-74B2-9926-FC4357D8A037}"/>
               </a:ext>
             </a:extLst>
           </p:cNvPr>
@@ -3533,7 +3921,7 @@
         </p:nvCxnSpPr>
         <p:spPr>
           <a:xfrm>
-            <a:off x="2121508" y="2566220"/>
+            <a:off x="7592913" y="2799008"/>
             <a:ext cx="1956618" cy="0"/>
           </a:xfrm>
           <a:prstGeom prst="straightConnector1">
@@ -3560,10 +3948,10 @@
       </p:cxnSp>
       <p:cxnSp>
         <p:nvCxnSpPr>
-          <p:cNvPr id="12" name="Straight Arrow Connector 11">
-            <a:extLst>
-              <a:ext uri="{FF2B5EF4-FFF2-40B4-BE49-F238E27FC236}">
-                <a16:creationId xmlns:a16="http://schemas.microsoft.com/office/drawing/2014/main" id="{8CC206AA-F212-F123-E776-6D57C32BB8B2}"/>
+          <p:cNvPr id="33" name="Straight Arrow Connector 32">
+            <a:extLst>
+              <a:ext uri="{FF2B5EF4-FFF2-40B4-BE49-F238E27FC236}">
+                <a16:creationId xmlns:a16="http://schemas.microsoft.com/office/drawing/2014/main" id="{072ACFBF-FEA7-5C1E-1281-CFB9494C43D9}"/>
               </a:ext>
             </a:extLst>
           </p:cNvPr>
@@ -3574,7 +3962,7 @@
         </p:nvCxnSpPr>
         <p:spPr>
           <a:xfrm flipH="1">
-            <a:off x="2121508" y="2934930"/>
+            <a:off x="7592913" y="3167718"/>
             <a:ext cx="1956619" cy="0"/>
           </a:xfrm>
           <a:prstGeom prst="straightConnector1">
@@ -3601,10 +3989,10 @@
       </p:cxnSp>
       <p:sp>
         <p:nvSpPr>
-          <p:cNvPr id="24" name="TextBox 23">
-            <a:extLst>
-              <a:ext uri="{FF2B5EF4-FFF2-40B4-BE49-F238E27FC236}">
-                <a16:creationId xmlns:a16="http://schemas.microsoft.com/office/drawing/2014/main" id="{DC7F7A36-FFB0-A1C9-E2E2-007B9FD45D21}"/>
+          <p:cNvPr id="40" name="TextBox 39">
+            <a:extLst>
+              <a:ext uri="{FF2B5EF4-FFF2-40B4-BE49-F238E27FC236}">
+                <a16:creationId xmlns:a16="http://schemas.microsoft.com/office/drawing/2014/main" id="{9D0A864F-EAE8-E3C0-920B-9C69A27D48F7}"/>
               </a:ext>
             </a:extLst>
           </p:cNvPr>
@@ -3613,8 +4001,8 @@
         </p:nvSpPr>
         <p:spPr>
           <a:xfrm>
-            <a:off x="2798241" y="1946166"/>
-            <a:ext cx="312906" cy="369332"/>
+            <a:off x="8269646" y="2178954"/>
+            <a:ext cx="300082" cy="369332"/>
           </a:xfrm>
           <a:prstGeom prst="rect">
             <a:avLst/>
@@ -3629,7 +4017,8 @@
           <a:p>
             <a:r>
               <a:rPr lang="en-IN" dirty="0">
-                <a:latin typeface="LM Roman 10" panose="00000500000000000000" pitchFamily="50" charset="0"/>
+                <a:latin typeface="Times New Roman" panose="02020603050405020304" pitchFamily="18" charset="0"/>
+                <a:cs typeface="Times New Roman" panose="02020603050405020304" pitchFamily="18" charset="0"/>
               </a:rPr>
               <a:t>d</a:t>
             </a:r>
@@ -3638,10 +4027,10 @@
       </p:sp>
       <p:cxnSp>
         <p:nvCxnSpPr>
-          <p:cNvPr id="26" name="Straight Arrow Connector 25">
-            <a:extLst>
-              <a:ext uri="{FF2B5EF4-FFF2-40B4-BE49-F238E27FC236}">
-                <a16:creationId xmlns:a16="http://schemas.microsoft.com/office/drawing/2014/main" id="{10971277-D980-83C1-EF54-1098BD07DF7C}"/>
+          <p:cNvPr id="41" name="Straight Arrow Connector 40">
+            <a:extLst>
+              <a:ext uri="{FF2B5EF4-FFF2-40B4-BE49-F238E27FC236}">
+                <a16:creationId xmlns:a16="http://schemas.microsoft.com/office/drawing/2014/main" id="{39C946CC-278A-04C1-6880-F5C23A8084F0}"/>
               </a:ext>
             </a:extLst>
           </p:cNvPr>
@@ -3652,7 +4041,7 @@
         </p:nvCxnSpPr>
         <p:spPr>
           <a:xfrm>
-            <a:off x="2121508" y="2302896"/>
+            <a:off x="7592913" y="2535684"/>
             <a:ext cx="1956618" cy="0"/>
           </a:xfrm>
           <a:prstGeom prst="straightConnector1">
@@ -3680,10 +4069,10 @@
       </p:cxnSp>
       <p:sp>
         <p:nvSpPr>
-          <p:cNvPr id="31" name="TextBox 30">
-            <a:extLst>
-              <a:ext uri="{FF2B5EF4-FFF2-40B4-BE49-F238E27FC236}">
-                <a16:creationId xmlns:a16="http://schemas.microsoft.com/office/drawing/2014/main" id="{71FBD3D6-6041-0356-B1C2-9CCB1F702F43}"/>
+          <p:cNvPr id="42" name="TextBox 41">
+            <a:extLst>
+              <a:ext uri="{FF2B5EF4-FFF2-40B4-BE49-F238E27FC236}">
+                <a16:creationId xmlns:a16="http://schemas.microsoft.com/office/drawing/2014/main" id="{D127187D-780D-7B8D-8AA5-2126DBBC8649}"/>
               </a:ext>
             </a:extLst>
           </p:cNvPr>
@@ -3692,8 +4081,8 @@
         </p:nvSpPr>
         <p:spPr>
           <a:xfrm>
-            <a:off x="3507856" y="3663814"/>
-            <a:ext cx="3212739" cy="646331"/>
+            <a:off x="8116282" y="4716298"/>
+            <a:ext cx="453970" cy="369332"/>
           </a:xfrm>
           <a:prstGeom prst="rect">
             <a:avLst/>
@@ -3708,27 +4097,61 @@
           <a:p>
             <a:r>
               <a:rPr lang="en-IN" dirty="0">
-                <a:latin typeface="LM Roman 10" panose="00000500000000000000" pitchFamily="50" charset="0"/>
+                <a:latin typeface="Times New Roman" panose="02020603050405020304" pitchFamily="18" charset="0"/>
+                <a:cs typeface="Times New Roman" panose="02020603050405020304" pitchFamily="18" charset="0"/>
               </a:rPr>
-              <a:t>Obstacle</a:t>
-            </a:r>
-          </a:p>
-          <a:p>
-            <a:r>
-              <a:rPr lang="en-IN" dirty="0">
-                <a:latin typeface="LM Roman 10" panose="00000500000000000000" pitchFamily="50" charset="0"/>
-              </a:rPr>
-              <a:t>e.g., Wall, Other vehicles, etc.</a:t>
-            </a:r>
-          </a:p>
-        </p:txBody>
-      </p:sp>
-      <p:sp>
-        <p:nvSpPr>
-          <p:cNvPr id="34" name="Rectangle 33">
-            <a:extLst>
-              <a:ext uri="{FF2B5EF4-FFF2-40B4-BE49-F238E27FC236}">
-                <a16:creationId xmlns:a16="http://schemas.microsoft.com/office/drawing/2014/main" id="{609E3566-AAFC-8BA1-97D8-FA07FC72A241}"/>
+              <a:t>(b)</a:t>
+            </a:r>
+          </a:p>
+        </p:txBody>
+      </p:sp>
+      <p:cxnSp>
+        <p:nvCxnSpPr>
+          <p:cNvPr id="43" name="Straight Arrow Connector 42">
+            <a:extLst>
+              <a:ext uri="{FF2B5EF4-FFF2-40B4-BE49-F238E27FC236}">
+                <a16:creationId xmlns:a16="http://schemas.microsoft.com/office/drawing/2014/main" id="{953505D2-AD88-AFBC-97F0-2A5AFF32EDDD}"/>
+              </a:ext>
+            </a:extLst>
+          </p:cNvPr>
+          <p:cNvCxnSpPr>
+            <a:cxnSpLocks/>
+          </p:cNvCxnSpPr>
+          <p:nvPr/>
+        </p:nvCxnSpPr>
+        <p:spPr>
+          <a:xfrm flipH="1">
+            <a:off x="4185306" y="3469147"/>
+            <a:ext cx="901005" cy="9166"/>
+          </a:xfrm>
+          <a:prstGeom prst="straightConnector1">
+            <a:avLst/>
+          </a:prstGeom>
+          <a:ln>
+            <a:tailEnd type="triangle"/>
+          </a:ln>
+        </p:spPr>
+        <p:style>
+          <a:lnRef idx="1">
+            <a:schemeClr val="dk1"/>
+          </a:lnRef>
+          <a:fillRef idx="0">
+            <a:schemeClr val="dk1"/>
+          </a:fillRef>
+          <a:effectRef idx="0">
+            <a:schemeClr val="dk1"/>
+          </a:effectRef>
+          <a:fontRef idx="minor">
+            <a:schemeClr val="tx1"/>
+          </a:fontRef>
+        </p:style>
+      </p:cxnSp>
+      <p:sp>
+        <p:nvSpPr>
+          <p:cNvPr id="44" name="Freeform: Shape 43">
+            <a:extLst>
+              <a:ext uri="{FF2B5EF4-FFF2-40B4-BE49-F238E27FC236}">
+                <a16:creationId xmlns:a16="http://schemas.microsoft.com/office/drawing/2014/main" id="{85F9CC17-C436-DA81-D064-9F69C8A8DFDE}"/>
               </a:ext>
             </a:extLst>
           </p:cNvPr>
@@ -3736,26 +4159,137 @@
           <p:nvPr/>
         </p:nvSpPr>
         <p:spPr>
-          <a:xfrm>
-            <a:off x="8113874" y="1612491"/>
-            <a:ext cx="2669460" cy="2359743"/>
-          </a:xfrm>
-          <a:prstGeom prst="rect">
-            <a:avLst/>
-          </a:prstGeom>
+          <a:xfrm flipH="1">
+            <a:off x="4335926" y="3192131"/>
+            <a:ext cx="737420" cy="482351"/>
+          </a:xfrm>
+          <a:custGeom>
+            <a:avLst/>
+            <a:gdLst>
+              <a:gd name="connsiteX0" fmla="*/ 0 w 737420"/>
+              <a:gd name="connsiteY0" fmla="*/ 242794 h 482351"/>
+              <a:gd name="connsiteX1" fmla="*/ 137652 w 737420"/>
+              <a:gd name="connsiteY1" fmla="*/ 6820 h 482351"/>
+              <a:gd name="connsiteX2" fmla="*/ 226142 w 737420"/>
+              <a:gd name="connsiteY2" fmla="*/ 478768 h 482351"/>
+              <a:gd name="connsiteX3" fmla="*/ 363794 w 737420"/>
+              <a:gd name="connsiteY3" fmla="*/ 213297 h 482351"/>
+              <a:gd name="connsiteX4" fmla="*/ 432620 w 737420"/>
+              <a:gd name="connsiteY4" fmla="*/ 16652 h 482351"/>
+              <a:gd name="connsiteX5" fmla="*/ 481781 w 737420"/>
+              <a:gd name="connsiteY5" fmla="*/ 232962 h 482351"/>
+              <a:gd name="connsiteX6" fmla="*/ 501445 w 737420"/>
+              <a:gd name="connsiteY6" fmla="*/ 468936 h 482351"/>
+              <a:gd name="connsiteX7" fmla="*/ 580103 w 737420"/>
+              <a:gd name="connsiteY7" fmla="*/ 223129 h 482351"/>
+              <a:gd name="connsiteX8" fmla="*/ 688258 w 737420"/>
+              <a:gd name="connsiteY8" fmla="*/ 75646 h 482351"/>
+              <a:gd name="connsiteX9" fmla="*/ 737420 w 737420"/>
+              <a:gd name="connsiteY9" fmla="*/ 282123 h 482351"/>
+            </a:gdLst>
+            <a:ahLst/>
+            <a:cxnLst>
+              <a:cxn ang="0">
+                <a:pos x="connsiteX0" y="connsiteY0"/>
+              </a:cxn>
+              <a:cxn ang="0">
+                <a:pos x="connsiteX1" y="connsiteY1"/>
+              </a:cxn>
+              <a:cxn ang="0">
+                <a:pos x="connsiteX2" y="connsiteY2"/>
+              </a:cxn>
+              <a:cxn ang="0">
+                <a:pos x="connsiteX3" y="connsiteY3"/>
+              </a:cxn>
+              <a:cxn ang="0">
+                <a:pos x="connsiteX4" y="connsiteY4"/>
+              </a:cxn>
+              <a:cxn ang="0">
+                <a:pos x="connsiteX5" y="connsiteY5"/>
+              </a:cxn>
+              <a:cxn ang="0">
+                <a:pos x="connsiteX6" y="connsiteY6"/>
+              </a:cxn>
+              <a:cxn ang="0">
+                <a:pos x="connsiteX7" y="connsiteY7"/>
+              </a:cxn>
+              <a:cxn ang="0">
+                <a:pos x="connsiteX8" y="connsiteY8"/>
+              </a:cxn>
+              <a:cxn ang="0">
+                <a:pos x="connsiteX9" y="connsiteY9"/>
+              </a:cxn>
+            </a:cxnLst>
+            <a:rect l="l" t="t" r="r" b="b"/>
+            <a:pathLst>
+              <a:path w="737420" h="482351">
+                <a:moveTo>
+                  <a:pt x="0" y="242794"/>
+                </a:moveTo>
+                <a:cubicBezTo>
+                  <a:pt x="49981" y="105142"/>
+                  <a:pt x="99962" y="-32509"/>
+                  <a:pt x="137652" y="6820"/>
+                </a:cubicBezTo>
+                <a:cubicBezTo>
+                  <a:pt x="175342" y="46149"/>
+                  <a:pt x="188452" y="444355"/>
+                  <a:pt x="226142" y="478768"/>
+                </a:cubicBezTo>
+                <a:cubicBezTo>
+                  <a:pt x="263832" y="513181"/>
+                  <a:pt x="329381" y="290316"/>
+                  <a:pt x="363794" y="213297"/>
+                </a:cubicBezTo>
+                <a:cubicBezTo>
+                  <a:pt x="398207" y="136278"/>
+                  <a:pt x="412956" y="13375"/>
+                  <a:pt x="432620" y="16652"/>
+                </a:cubicBezTo>
+                <a:cubicBezTo>
+                  <a:pt x="452284" y="19929"/>
+                  <a:pt x="470310" y="157581"/>
+                  <a:pt x="481781" y="232962"/>
+                </a:cubicBezTo>
+                <a:cubicBezTo>
+                  <a:pt x="493252" y="308343"/>
+                  <a:pt x="485058" y="470575"/>
+                  <a:pt x="501445" y="468936"/>
+                </a:cubicBezTo>
+                <a:cubicBezTo>
+                  <a:pt x="517832" y="467297"/>
+                  <a:pt x="548968" y="288677"/>
+                  <a:pt x="580103" y="223129"/>
+                </a:cubicBezTo>
+                <a:cubicBezTo>
+                  <a:pt x="611239" y="157581"/>
+                  <a:pt x="662039" y="65814"/>
+                  <a:pt x="688258" y="75646"/>
+                </a:cubicBezTo>
+                <a:cubicBezTo>
+                  <a:pt x="714477" y="85478"/>
+                  <a:pt x="716117" y="262459"/>
+                  <a:pt x="737420" y="282123"/>
+                </a:cubicBezTo>
+              </a:path>
+            </a:pathLst>
+          </a:custGeom>
+          <a:noFill/>
         </p:spPr>
         <p:style>
-          <a:lnRef idx="1">
-            <a:schemeClr val="accent3"/>
+          <a:lnRef idx="2">
+            <a:schemeClr val="accent1">
+              <a:shade val="15000"/>
+            </a:schemeClr>
           </a:lnRef>
-          <a:fillRef idx="2">
-            <a:schemeClr val="accent3"/>
+          <a:fillRef idx="1">
+            <a:schemeClr val="accent1"/>
           </a:fillRef>
-          <a:effectRef idx="1">
-            <a:schemeClr val="accent3"/>
+          <a:effectRef idx="0">
+            <a:schemeClr val="accent1"/>
           </a:effectRef>
           <a:fontRef idx="minor">
-            <a:schemeClr val="dk1"/>
+            <a:schemeClr val="lt1"/>
           </a:fontRef>
         </p:style>
         <p:txBody>
@@ -3763,221 +4297,10 @@
           <a:lstStyle/>
           <a:p>
             <a:pPr algn="ctr"/>
-            <a:r>
-              <a:rPr lang="en-IN" dirty="0">
-                <a:latin typeface="LM Roman 10" panose="00000500000000000000" pitchFamily="50" charset="0"/>
-              </a:rPr>
-              <a:t>Ultrasonic Sensor</a:t>
-            </a:r>
-          </a:p>
-        </p:txBody>
-      </p:sp>
-      <p:sp>
-        <p:nvSpPr>
-          <p:cNvPr id="35" name="Cylinder 34">
-            <a:extLst>
-              <a:ext uri="{FF2B5EF4-FFF2-40B4-BE49-F238E27FC236}">
-                <a16:creationId xmlns:a16="http://schemas.microsoft.com/office/drawing/2014/main" id="{335DFB77-1AF4-0A21-34F3-FB0581D5A6F4}"/>
-              </a:ext>
-            </a:extLst>
-          </p:cNvPr>
-          <p:cNvSpPr/>
-          <p:nvPr/>
-        </p:nvSpPr>
-        <p:spPr>
-          <a:xfrm rot="5400000">
-            <a:off x="10456698" y="1887795"/>
-            <a:ext cx="597973" cy="687171"/>
-          </a:xfrm>
-          <a:prstGeom prst="can">
-            <a:avLst/>
-          </a:prstGeom>
-        </p:spPr>
-        <p:style>
-          <a:lnRef idx="1">
-            <a:schemeClr val="accent2"/>
-          </a:lnRef>
-          <a:fillRef idx="2">
-            <a:schemeClr val="accent2"/>
-          </a:fillRef>
-          <a:effectRef idx="1">
-            <a:schemeClr val="accent2"/>
-          </a:effectRef>
-          <a:fontRef idx="minor">
-            <a:schemeClr val="dk1"/>
-          </a:fontRef>
-        </p:style>
-        <p:txBody>
-          <a:bodyPr vert="vert270" rtlCol="0" anchor="ctr"/>
-          <a:lstStyle/>
-          <a:p>
-            <a:pPr algn="ctr"/>
-            <a:r>
-              <a:rPr lang="en-IN" dirty="0">
-                <a:latin typeface="LM Roman 10" panose="00000500000000000000" pitchFamily="50" charset="0"/>
-              </a:rPr>
-              <a:t>Tx</a:t>
-            </a:r>
-          </a:p>
-        </p:txBody>
-      </p:sp>
-      <p:sp>
-        <p:nvSpPr>
-          <p:cNvPr id="36" name="Cylinder 35">
-            <a:extLst>
-              <a:ext uri="{FF2B5EF4-FFF2-40B4-BE49-F238E27FC236}">
-                <a16:creationId xmlns:a16="http://schemas.microsoft.com/office/drawing/2014/main" id="{8BAFB234-6DBB-3B5E-61FA-890BDC088F09}"/>
-              </a:ext>
-            </a:extLst>
-          </p:cNvPr>
-          <p:cNvSpPr/>
-          <p:nvPr/>
-        </p:nvSpPr>
-        <p:spPr>
-          <a:xfrm rot="5400000">
-            <a:off x="10456697" y="2941053"/>
-            <a:ext cx="597973" cy="687171"/>
-          </a:xfrm>
-          <a:prstGeom prst="can">
-            <a:avLst/>
-          </a:prstGeom>
-        </p:spPr>
-        <p:style>
-          <a:lnRef idx="1">
-            <a:schemeClr val="accent6"/>
-          </a:lnRef>
-          <a:fillRef idx="2">
-            <a:schemeClr val="accent6"/>
-          </a:fillRef>
-          <a:effectRef idx="1">
-            <a:schemeClr val="accent6"/>
-          </a:effectRef>
-          <a:fontRef idx="minor">
-            <a:schemeClr val="dk1"/>
-          </a:fontRef>
-        </p:style>
-        <p:txBody>
-          <a:bodyPr vert="vert270" rtlCol="0" anchor="ctr"/>
-          <a:lstStyle/>
-          <a:p>
-            <a:pPr algn="ctr"/>
-            <a:r>
-              <a:rPr lang="en-IN" dirty="0">
-                <a:latin typeface="LM Roman 10" panose="00000500000000000000" pitchFamily="50" charset="0"/>
-              </a:rPr>
-              <a:t>Rx</a:t>
-            </a:r>
-          </a:p>
-        </p:txBody>
-      </p:sp>
-      <p:sp>
-        <p:nvSpPr>
-          <p:cNvPr id="37" name="TextBox 36">
-            <a:extLst>
-              <a:ext uri="{FF2B5EF4-FFF2-40B4-BE49-F238E27FC236}">
-                <a16:creationId xmlns:a16="http://schemas.microsoft.com/office/drawing/2014/main" id="{79DB437B-E2A3-3748-EAF6-E45055E84DFA}"/>
-              </a:ext>
-            </a:extLst>
-          </p:cNvPr>
-          <p:cNvSpPr txBox="1"/>
-          <p:nvPr/>
-        </p:nvSpPr>
-        <p:spPr>
-          <a:xfrm>
-            <a:off x="2644877" y="4483510"/>
-            <a:ext cx="479618" cy="369332"/>
-          </a:xfrm>
-          <a:prstGeom prst="rect">
-            <a:avLst/>
-          </a:prstGeom>
-          <a:noFill/>
-        </p:spPr>
-        <p:txBody>
-          <a:bodyPr wrap="none" rtlCol="0">
-            <a:spAutoFit/>
-          </a:bodyPr>
-          <a:lstStyle/>
-          <a:p>
-            <a:r>
-              <a:rPr lang="en-IN" dirty="0">
-                <a:latin typeface="LM Roman 10" panose="00000500000000000000" pitchFamily="50" charset="0"/>
-              </a:rPr>
-              <a:t>(a)</a:t>
-            </a:r>
-          </a:p>
-        </p:txBody>
-      </p:sp>
-      <p:sp>
-        <p:nvSpPr>
-          <p:cNvPr id="38" name="TextBox 37">
-            <a:extLst>
-              <a:ext uri="{FF2B5EF4-FFF2-40B4-BE49-F238E27FC236}">
-                <a16:creationId xmlns:a16="http://schemas.microsoft.com/office/drawing/2014/main" id="{9BC5890F-D776-A37F-8FDD-AB1798353AF7}"/>
-              </a:ext>
-            </a:extLst>
-          </p:cNvPr>
-          <p:cNvSpPr txBox="1"/>
-          <p:nvPr/>
-        </p:nvSpPr>
-        <p:spPr>
-          <a:xfrm>
-            <a:off x="9230435" y="4483510"/>
-            <a:ext cx="492443" cy="369332"/>
-          </a:xfrm>
-          <a:prstGeom prst="rect">
-            <a:avLst/>
-          </a:prstGeom>
-          <a:noFill/>
-        </p:spPr>
-        <p:txBody>
-          <a:bodyPr wrap="none" rtlCol="0">
-            <a:spAutoFit/>
-          </a:bodyPr>
-          <a:lstStyle/>
-          <a:p>
-            <a:r>
-              <a:rPr lang="en-IN" dirty="0">
-                <a:latin typeface="LM Roman 10" panose="00000500000000000000" pitchFamily="50" charset="0"/>
-              </a:rPr>
-              <a:t>(b)</a:t>
-            </a:r>
-          </a:p>
-        </p:txBody>
-      </p:sp>
-      <p:sp>
-        <p:nvSpPr>
-          <p:cNvPr id="39" name="TextBox 38">
-            <a:extLst>
-              <a:ext uri="{FF2B5EF4-FFF2-40B4-BE49-F238E27FC236}">
-                <a16:creationId xmlns:a16="http://schemas.microsoft.com/office/drawing/2014/main" id="{2C558E78-8C91-1F2C-A6EC-6F71C127C7DE}"/>
-              </a:ext>
-            </a:extLst>
-          </p:cNvPr>
-          <p:cNvSpPr txBox="1"/>
-          <p:nvPr/>
-        </p:nvSpPr>
-        <p:spPr>
-          <a:xfrm>
-            <a:off x="5877831" y="4930878"/>
-            <a:ext cx="835485" cy="369332"/>
-          </a:xfrm>
-          <a:prstGeom prst="rect">
-            <a:avLst/>
-          </a:prstGeom>
-          <a:noFill/>
-        </p:spPr>
-        <p:txBody>
-          <a:bodyPr wrap="none" rtlCol="0">
-            <a:spAutoFit/>
-          </a:bodyPr>
-          <a:lstStyle/>
-          <a:p>
-            <a:r>
-              <a:rPr lang="en-IN" dirty="0">
-                <a:latin typeface="LM Roman 10" panose="00000500000000000000" pitchFamily="50" charset="0"/>
-              </a:rPr>
-              <a:t>Fig. 1.</a:t>
-            </a:r>
+            <a:endParaRPr lang="en-IN">
+              <a:latin typeface="Times New Roman" panose="02020603050405020304" pitchFamily="18" charset="0"/>
+              <a:cs typeface="Times New Roman" panose="02020603050405020304" pitchFamily="18" charset="0"/>
+            </a:endParaRPr>
           </a:p>
         </p:txBody>
       </p:sp>
@@ -4013,10 +4336,10 @@
       </p:grpSpPr>
       <p:sp>
         <p:nvSpPr>
-          <p:cNvPr id="5" name="Rectangle 4">
-            <a:extLst>
-              <a:ext uri="{FF2B5EF4-FFF2-40B4-BE49-F238E27FC236}">
-                <a16:creationId xmlns:a16="http://schemas.microsoft.com/office/drawing/2014/main" id="{5488F795-B34F-EEC5-C9DD-3FF9CD6C1E45}"/>
+          <p:cNvPr id="2" name="Rectangle 1">
+            <a:extLst>
+              <a:ext uri="{FF2B5EF4-FFF2-40B4-BE49-F238E27FC236}">
+                <a16:creationId xmlns:a16="http://schemas.microsoft.com/office/drawing/2014/main" id="{47D6FA01-D742-DC4A-71CB-AAA0A37E168E}"/>
               </a:ext>
             </a:extLst>
           </p:cNvPr>
@@ -4025,7 +4348,7 @@
         </p:nvSpPr>
         <p:spPr>
           <a:xfrm>
-            <a:off x="4989871" y="1317522"/>
+            <a:off x="5216012" y="1193206"/>
             <a:ext cx="2212258" cy="4011561"/>
           </a:xfrm>
           <a:prstGeom prst="rect">
@@ -4058,13 +4381,15 @@
             <a:pPr algn="ctr"/>
             <a:r>
               <a:rPr lang="en-IN" dirty="0" err="1">
-                <a:latin typeface="LM Roman 10" panose="00000500000000000000" pitchFamily="50" charset="0"/>
+                <a:latin typeface="Times New Roman" panose="02020603050405020304" pitchFamily="18" charset="0"/>
+                <a:cs typeface="Times New Roman" panose="02020603050405020304" pitchFamily="18" charset="0"/>
               </a:rPr>
               <a:t>Tiva</a:t>
             </a:r>
             <a:r>
               <a:rPr lang="en-IN" dirty="0">
-                <a:latin typeface="LM Roman 10" panose="00000500000000000000" pitchFamily="50" charset="0"/>
+                <a:latin typeface="Times New Roman" panose="02020603050405020304" pitchFamily="18" charset="0"/>
+                <a:cs typeface="Times New Roman" panose="02020603050405020304" pitchFamily="18" charset="0"/>
               </a:rPr>
               <a:t> C series TM4C123G</a:t>
             </a:r>
@@ -4073,19 +4398,22 @@
             <a:pPr algn="ctr"/>
             <a:r>
               <a:rPr lang="en-IN" dirty="0" err="1">
-                <a:latin typeface="LM Roman 10" panose="00000500000000000000" pitchFamily="50" charset="0"/>
+                <a:latin typeface="Times New Roman" panose="02020603050405020304" pitchFamily="18" charset="0"/>
+                <a:cs typeface="Times New Roman" panose="02020603050405020304" pitchFamily="18" charset="0"/>
               </a:rPr>
               <a:t>LaunchPad</a:t>
             </a:r>
             <a:endParaRPr lang="en-IN" dirty="0">
-              <a:latin typeface="LM Roman 10" panose="00000500000000000000" pitchFamily="50" charset="0"/>
+              <a:latin typeface="Times New Roman" panose="02020603050405020304" pitchFamily="18" charset="0"/>
+              <a:cs typeface="Times New Roman" panose="02020603050405020304" pitchFamily="18" charset="0"/>
             </a:endParaRPr>
           </a:p>
           <a:p>
             <a:pPr algn="ctr"/>
             <a:r>
               <a:rPr lang="en-IN" dirty="0">
-                <a:latin typeface="LM Roman 10" panose="00000500000000000000" pitchFamily="50" charset="0"/>
+                <a:latin typeface="Times New Roman" panose="02020603050405020304" pitchFamily="18" charset="0"/>
+                <a:cs typeface="Times New Roman" panose="02020603050405020304" pitchFamily="18" charset="0"/>
               </a:rPr>
               <a:t>Evaluation Kit</a:t>
             </a:r>
@@ -4094,10 +4422,10 @@
       </p:sp>
       <p:sp>
         <p:nvSpPr>
-          <p:cNvPr id="6" name="Rectangle 5">
-            <a:extLst>
-              <a:ext uri="{FF2B5EF4-FFF2-40B4-BE49-F238E27FC236}">
-                <a16:creationId xmlns:a16="http://schemas.microsoft.com/office/drawing/2014/main" id="{313DB9E6-4888-F711-C252-B7600CEFD8EB}"/>
+          <p:cNvPr id="3" name="Rectangle 2">
+            <a:extLst>
+              <a:ext uri="{FF2B5EF4-FFF2-40B4-BE49-F238E27FC236}">
+                <a16:creationId xmlns:a16="http://schemas.microsoft.com/office/drawing/2014/main" id="{890D392C-732A-41E6-ABAB-5379B30E88A8}"/>
               </a:ext>
             </a:extLst>
           </p:cNvPr>
@@ -4106,7 +4434,7 @@
         </p:nvSpPr>
         <p:spPr>
           <a:xfrm>
-            <a:off x="8268929" y="1768392"/>
+            <a:off x="8495070" y="3548829"/>
             <a:ext cx="2003128" cy="1327357"/>
           </a:xfrm>
           <a:prstGeom prst="rect">
@@ -4134,19 +4462,30 @@
             <a:pPr algn="ctr"/>
             <a:r>
               <a:rPr lang="en-IN" dirty="0">
-                <a:latin typeface="LM Roman 10" panose="00000500000000000000" pitchFamily="50" charset="0"/>
+                <a:latin typeface="Times New Roman" panose="02020603050405020304" pitchFamily="18" charset="0"/>
+                <a:cs typeface="Times New Roman" panose="02020603050405020304" pitchFamily="18" charset="0"/>
               </a:rPr>
               <a:t>Ultrasonic Sensor</a:t>
             </a:r>
           </a:p>
-        </p:txBody>
-      </p:sp>
-      <p:sp>
-        <p:nvSpPr>
-          <p:cNvPr id="7" name="Cylinder 6">
-            <a:extLst>
-              <a:ext uri="{FF2B5EF4-FFF2-40B4-BE49-F238E27FC236}">
-                <a16:creationId xmlns:a16="http://schemas.microsoft.com/office/drawing/2014/main" id="{807F2DCF-904F-2C22-9917-1635505BEA77}"/>
+          <a:p>
+            <a:pPr algn="ctr"/>
+            <a:r>
+              <a:rPr lang="en-IN" dirty="0">
+                <a:latin typeface="Times New Roman" panose="02020603050405020304" pitchFamily="18" charset="0"/>
+                <a:cs typeface="Times New Roman" panose="02020603050405020304" pitchFamily="18" charset="0"/>
+              </a:rPr>
+              <a:t>HC-SR04</a:t>
+            </a:r>
+          </a:p>
+        </p:txBody>
+      </p:sp>
+      <p:sp>
+        <p:nvSpPr>
+          <p:cNvPr id="4" name="Cylinder 3">
+            <a:extLst>
+              <a:ext uri="{FF2B5EF4-FFF2-40B4-BE49-F238E27FC236}">
+                <a16:creationId xmlns:a16="http://schemas.microsoft.com/office/drawing/2014/main" id="{4F57174E-95AE-A43A-E9C3-E9539CBD37B8}"/>
               </a:ext>
             </a:extLst>
           </p:cNvPr>
@@ -4155,7 +4494,7 @@
         </p:nvSpPr>
         <p:spPr>
           <a:xfrm rot="5400000">
-            <a:off x="10103877" y="1811764"/>
+            <a:off x="10330018" y="3592201"/>
             <a:ext cx="336360" cy="515644"/>
           </a:xfrm>
           <a:prstGeom prst="can">
@@ -4183,7 +4522,8 @@
             <a:pPr algn="ctr"/>
             <a:r>
               <a:rPr lang="en-IN" dirty="0">
-                <a:latin typeface="LM Roman 10" panose="00000500000000000000" pitchFamily="50" charset="0"/>
+                <a:latin typeface="Times New Roman" panose="02020603050405020304" pitchFamily="18" charset="0"/>
+                <a:cs typeface="Times New Roman" panose="02020603050405020304" pitchFamily="18" charset="0"/>
               </a:rPr>
               <a:t>Tx</a:t>
             </a:r>
@@ -4192,10 +4532,10 @@
       </p:sp>
       <p:sp>
         <p:nvSpPr>
-          <p:cNvPr id="8" name="Cylinder 7">
-            <a:extLst>
-              <a:ext uri="{FF2B5EF4-FFF2-40B4-BE49-F238E27FC236}">
-                <a16:creationId xmlns:a16="http://schemas.microsoft.com/office/drawing/2014/main" id="{03360D51-E644-74B2-DAC9-C4D89C0B3005}"/>
+          <p:cNvPr id="9" name="Cylinder 8">
+            <a:extLst>
+              <a:ext uri="{FF2B5EF4-FFF2-40B4-BE49-F238E27FC236}">
+                <a16:creationId xmlns:a16="http://schemas.microsoft.com/office/drawing/2014/main" id="{6954EF3F-5BE9-E7C6-B74B-0D08E4E6249A}"/>
               </a:ext>
             </a:extLst>
           </p:cNvPr>
@@ -4204,7 +4544,7 @@
         </p:nvSpPr>
         <p:spPr>
           <a:xfrm rot="5400000">
-            <a:off x="10103877" y="2517112"/>
+            <a:off x="10330018" y="4297549"/>
             <a:ext cx="336360" cy="515644"/>
           </a:xfrm>
           <a:prstGeom prst="can">
@@ -4232,7 +4572,8 @@
             <a:pPr algn="ctr"/>
             <a:r>
               <a:rPr lang="en-IN" dirty="0">
-                <a:latin typeface="LM Roman 10" panose="00000500000000000000" pitchFamily="50" charset="0"/>
+                <a:latin typeface="Times New Roman" panose="02020603050405020304" pitchFamily="18" charset="0"/>
+                <a:cs typeface="Times New Roman" panose="02020603050405020304" pitchFamily="18" charset="0"/>
               </a:rPr>
               <a:t>Rx</a:t>
             </a:r>
@@ -4241,10 +4582,10 @@
       </p:sp>
       <p:sp>
         <p:nvSpPr>
-          <p:cNvPr id="12" name="Rectangle 11">
-            <a:extLst>
-              <a:ext uri="{FF2B5EF4-FFF2-40B4-BE49-F238E27FC236}">
-                <a16:creationId xmlns:a16="http://schemas.microsoft.com/office/drawing/2014/main" id="{B6453657-4DB9-3DAE-DF32-A6BFAD557286}"/>
+          <p:cNvPr id="10" name="Rectangle 9">
+            <a:extLst>
+              <a:ext uri="{FF2B5EF4-FFF2-40B4-BE49-F238E27FC236}">
+                <a16:creationId xmlns:a16="http://schemas.microsoft.com/office/drawing/2014/main" id="{00A29F8C-B8EE-0AF3-CAE0-D6EEA1D457A2}"/>
               </a:ext>
             </a:extLst>
           </p:cNvPr>
@@ -4253,8 +4594,8 @@
         </p:nvSpPr>
         <p:spPr>
           <a:xfrm>
-            <a:off x="8268929" y="3762252"/>
-            <a:ext cx="2003128" cy="1327357"/>
+            <a:off x="2104535" y="3548829"/>
+            <a:ext cx="2003128" cy="1469354"/>
           </a:xfrm>
           <a:prstGeom prst="rect">
             <a:avLst/>
@@ -4281,19 +4622,30 @@
             <a:pPr algn="ctr"/>
             <a:r>
               <a:rPr lang="en-IN" dirty="0">
-                <a:latin typeface="LM Roman 10" panose="00000500000000000000" pitchFamily="50" charset="0"/>
+                <a:latin typeface="Times New Roman" panose="02020603050405020304" pitchFamily="18" charset="0"/>
+                <a:cs typeface="Times New Roman" panose="02020603050405020304" pitchFamily="18" charset="0"/>
               </a:rPr>
               <a:t>Ultrasonic Sensor</a:t>
             </a:r>
           </a:p>
-        </p:txBody>
-      </p:sp>
-      <p:sp>
-        <p:nvSpPr>
-          <p:cNvPr id="13" name="Cylinder 12">
-            <a:extLst>
-              <a:ext uri="{FF2B5EF4-FFF2-40B4-BE49-F238E27FC236}">
-                <a16:creationId xmlns:a16="http://schemas.microsoft.com/office/drawing/2014/main" id="{FA5D311A-C335-7295-62B5-707C690F3F2B}"/>
+          <a:p>
+            <a:pPr algn="ctr"/>
+            <a:r>
+              <a:rPr lang="en-IN" dirty="0">
+                <a:latin typeface="Times New Roman" panose="02020603050405020304" pitchFamily="18" charset="0"/>
+                <a:cs typeface="Times New Roman" panose="02020603050405020304" pitchFamily="18" charset="0"/>
+              </a:rPr>
+              <a:t>HC-SR04</a:t>
+            </a:r>
+          </a:p>
+        </p:txBody>
+      </p:sp>
+      <p:sp>
+        <p:nvSpPr>
+          <p:cNvPr id="11" name="Cylinder 10">
+            <a:extLst>
+              <a:ext uri="{FF2B5EF4-FFF2-40B4-BE49-F238E27FC236}">
+                <a16:creationId xmlns:a16="http://schemas.microsoft.com/office/drawing/2014/main" id="{D1FBD65A-B64E-8257-1287-D77910794F2B}"/>
               </a:ext>
             </a:extLst>
           </p:cNvPr>
@@ -4301,8 +4653,8 @@
           <p:nvPr/>
         </p:nvSpPr>
         <p:spPr>
-          <a:xfrm rot="5400000">
-            <a:off x="10103877" y="3805624"/>
+          <a:xfrm rot="16200000">
+            <a:off x="2008405" y="3618163"/>
             <a:ext cx="336360" cy="515644"/>
           </a:xfrm>
           <a:prstGeom prst="can">
@@ -4324,13 +4676,14 @@
           </a:fontRef>
         </p:style>
         <p:txBody>
-          <a:bodyPr vert="vert270" rtlCol="0" anchor="ctr"/>
+          <a:bodyPr vert="vert" rtlCol="0" anchor="ctr"/>
           <a:lstStyle/>
           <a:p>
             <a:pPr algn="ctr"/>
             <a:r>
               <a:rPr lang="en-IN" dirty="0">
-                <a:latin typeface="LM Roman 10" panose="00000500000000000000" pitchFamily="50" charset="0"/>
+                <a:latin typeface="Times New Roman" panose="02020603050405020304" pitchFamily="18" charset="0"/>
+                <a:cs typeface="Times New Roman" panose="02020603050405020304" pitchFamily="18" charset="0"/>
               </a:rPr>
               <a:t>Tx</a:t>
             </a:r>
@@ -4339,10 +4692,10 @@
       </p:sp>
       <p:sp>
         <p:nvSpPr>
-          <p:cNvPr id="14" name="Cylinder 13">
-            <a:extLst>
-              <a:ext uri="{FF2B5EF4-FFF2-40B4-BE49-F238E27FC236}">
-                <a16:creationId xmlns:a16="http://schemas.microsoft.com/office/drawing/2014/main" id="{8F5C1AC1-55FC-D804-0939-810FEEE3DA8D}"/>
+          <p:cNvPr id="15" name="Cylinder 14">
+            <a:extLst>
+              <a:ext uri="{FF2B5EF4-FFF2-40B4-BE49-F238E27FC236}">
+                <a16:creationId xmlns:a16="http://schemas.microsoft.com/office/drawing/2014/main" id="{7872BB7F-3110-7E28-DFE3-6D594C667182}"/>
               </a:ext>
             </a:extLst>
           </p:cNvPr>
@@ -4350,8 +4703,8 @@
           <p:nvPr/>
         </p:nvSpPr>
         <p:spPr>
-          <a:xfrm rot="5400000">
-            <a:off x="10103877" y="4510972"/>
+          <a:xfrm rot="16200000">
+            <a:off x="2008405" y="4323511"/>
             <a:ext cx="336360" cy="515644"/>
           </a:xfrm>
           <a:prstGeom prst="can">
@@ -4373,13 +4726,14 @@
           </a:fontRef>
         </p:style>
         <p:txBody>
-          <a:bodyPr vert="vert270" rtlCol="0" anchor="ctr"/>
+          <a:bodyPr vert="vert" rtlCol="0" anchor="ctr"/>
           <a:lstStyle/>
           <a:p>
             <a:pPr algn="ctr"/>
             <a:r>
               <a:rPr lang="en-IN" dirty="0">
-                <a:latin typeface="LM Roman 10" panose="00000500000000000000" pitchFamily="50" charset="0"/>
+                <a:latin typeface="Times New Roman" panose="02020603050405020304" pitchFamily="18" charset="0"/>
+                <a:cs typeface="Times New Roman" panose="02020603050405020304" pitchFamily="18" charset="0"/>
               </a:rPr>
               <a:t>Rx</a:t>
             </a:r>
@@ -4388,10 +4742,10 @@
       </p:sp>
       <p:sp>
         <p:nvSpPr>
-          <p:cNvPr id="22" name="Rectangle 21">
-            <a:extLst>
-              <a:ext uri="{FF2B5EF4-FFF2-40B4-BE49-F238E27FC236}">
-                <a16:creationId xmlns:a16="http://schemas.microsoft.com/office/drawing/2014/main" id="{6C987A83-7DC3-9DAF-E7E7-3FE1F88D7B79}"/>
+          <p:cNvPr id="16" name="Rectangle 15">
+            <a:extLst>
+              <a:ext uri="{FF2B5EF4-FFF2-40B4-BE49-F238E27FC236}">
+                <a16:creationId xmlns:a16="http://schemas.microsoft.com/office/drawing/2014/main" id="{1103CF5E-FC57-4702-BCC2-1F06E733DF44}"/>
               </a:ext>
             </a:extLst>
           </p:cNvPr>
@@ -4400,8 +4754,8 @@
         </p:nvSpPr>
         <p:spPr>
           <a:xfrm>
-            <a:off x="1143040" y="2518947"/>
-            <a:ext cx="2359662" cy="1608710"/>
+            <a:off x="2487561" y="1309095"/>
+            <a:ext cx="1710692" cy="1311923"/>
           </a:xfrm>
           <a:prstGeom prst="rect">
             <a:avLst/>
@@ -4428,46 +4782,40 @@
             <a:pPr algn="ctr"/>
             <a:r>
               <a:rPr lang="en-IN" dirty="0">
-                <a:latin typeface="LM Roman 10" panose="00000500000000000000" pitchFamily="50" charset="0"/>
+                <a:latin typeface="Times New Roman" panose="02020603050405020304" pitchFamily="18" charset="0"/>
+                <a:cs typeface="Times New Roman" panose="02020603050405020304" pitchFamily="18" charset="0"/>
               </a:rPr>
-              <a:t>Peripheral </a:t>
+              <a:t>OLED</a:t>
             </a:r>
           </a:p>
           <a:p>
             <a:pPr algn="ctr"/>
             <a:r>
               <a:rPr lang="en-IN" dirty="0">
-                <a:latin typeface="LM Roman 10" panose="00000500000000000000" pitchFamily="50" charset="0"/>
+                <a:latin typeface="Times New Roman" panose="02020603050405020304" pitchFamily="18" charset="0"/>
+                <a:cs typeface="Times New Roman" panose="02020603050405020304" pitchFamily="18" charset="0"/>
               </a:rPr>
-              <a:t>Such as PC/ OLED/</a:t>
+              <a:t>128 * 64 </a:t>
             </a:r>
           </a:p>
           <a:p>
             <a:pPr algn="ctr"/>
             <a:r>
               <a:rPr lang="en-IN" dirty="0">
-                <a:latin typeface="LM Roman 10" panose="00000500000000000000" pitchFamily="50" charset="0"/>
+                <a:latin typeface="Times New Roman" panose="02020603050405020304" pitchFamily="18" charset="0"/>
+                <a:cs typeface="Times New Roman" panose="02020603050405020304" pitchFamily="18" charset="0"/>
               </a:rPr>
-              <a:t> On-board LED</a:t>
-            </a:r>
-          </a:p>
-          <a:p>
-            <a:pPr algn="ctr"/>
-            <a:r>
-              <a:rPr lang="en-IN" dirty="0">
-                <a:latin typeface="LM Roman 10" panose="00000500000000000000" pitchFamily="50" charset="0"/>
-              </a:rPr>
-              <a:t>(TBD)</a:t>
+              <a:t>SSD1306</a:t>
             </a:r>
           </a:p>
         </p:txBody>
       </p:sp>
       <p:cxnSp>
         <p:nvCxnSpPr>
-          <p:cNvPr id="26" name="Straight Arrow Connector 25">
-            <a:extLst>
-              <a:ext uri="{FF2B5EF4-FFF2-40B4-BE49-F238E27FC236}">
-                <a16:creationId xmlns:a16="http://schemas.microsoft.com/office/drawing/2014/main" id="{2A215CC6-60D7-12F8-BB29-7DF8D40F4AA4}"/>
+          <p:cNvPr id="17" name="Straight Arrow Connector 16">
+            <a:extLst>
+              <a:ext uri="{FF2B5EF4-FFF2-40B4-BE49-F238E27FC236}">
+                <a16:creationId xmlns:a16="http://schemas.microsoft.com/office/drawing/2014/main" id="{9973235A-03FB-2B91-9E61-0DC0C471DF75}"/>
               </a:ext>
             </a:extLst>
           </p:cNvPr>
@@ -4478,7 +4826,7 @@
         </p:nvCxnSpPr>
         <p:spPr>
           <a:xfrm>
-            <a:off x="7202129" y="2069586"/>
+            <a:off x="7428270" y="3850023"/>
             <a:ext cx="1066800" cy="0"/>
           </a:xfrm>
           <a:prstGeom prst="straightConnector1">
@@ -4505,10 +4853,10 @@
       </p:cxnSp>
       <p:cxnSp>
         <p:nvCxnSpPr>
-          <p:cNvPr id="30" name="Straight Arrow Connector 29">
-            <a:extLst>
-              <a:ext uri="{FF2B5EF4-FFF2-40B4-BE49-F238E27FC236}">
-                <a16:creationId xmlns:a16="http://schemas.microsoft.com/office/drawing/2014/main" id="{93248F67-D662-A6B1-C68D-BEDBFB316F11}"/>
+          <p:cNvPr id="18" name="Straight Arrow Connector 17">
+            <a:extLst>
+              <a:ext uri="{FF2B5EF4-FFF2-40B4-BE49-F238E27FC236}">
+                <a16:creationId xmlns:a16="http://schemas.microsoft.com/office/drawing/2014/main" id="{B6ED94F0-9AE4-7900-43C8-3131C0CC11BC}"/>
               </a:ext>
             </a:extLst>
           </p:cNvPr>
@@ -4518,9 +4866,9 @@
           <p:nvPr/>
         </p:nvCxnSpPr>
         <p:spPr>
-          <a:xfrm>
-            <a:off x="7202129" y="4092838"/>
-            <a:ext cx="1066800" cy="0"/>
+          <a:xfrm flipV="1">
+            <a:off x="4117137" y="3850023"/>
+            <a:ext cx="1098875" cy="2298"/>
           </a:xfrm>
           <a:prstGeom prst="straightConnector1">
             <a:avLst/>
@@ -4546,10 +4894,10 @@
       </p:cxnSp>
       <p:cxnSp>
         <p:nvCxnSpPr>
-          <p:cNvPr id="31" name="Straight Arrow Connector 30">
-            <a:extLst>
-              <a:ext uri="{FF2B5EF4-FFF2-40B4-BE49-F238E27FC236}">
-                <a16:creationId xmlns:a16="http://schemas.microsoft.com/office/drawing/2014/main" id="{8906A68D-BE7D-2472-24F2-75ADF8D86D81}"/>
+          <p:cNvPr id="19" name="Straight Arrow Connector 18">
+            <a:extLst>
+              <a:ext uri="{FF2B5EF4-FFF2-40B4-BE49-F238E27FC236}">
+                <a16:creationId xmlns:a16="http://schemas.microsoft.com/office/drawing/2014/main" id="{A2F2A93C-CF81-00A7-C5D7-F23CC2CE4258}"/>
               </a:ext>
             </a:extLst>
           </p:cNvPr>
@@ -4560,7 +4908,7 @@
         </p:nvCxnSpPr>
         <p:spPr>
           <a:xfrm flipH="1" flipV="1">
-            <a:off x="7202129" y="4768690"/>
+            <a:off x="4117137" y="4528173"/>
             <a:ext cx="1066800" cy="104"/>
           </a:xfrm>
           <a:prstGeom prst="straightConnector1">
@@ -4587,10 +4935,10 @@
       </p:cxnSp>
       <p:cxnSp>
         <p:nvCxnSpPr>
-          <p:cNvPr id="34" name="Straight Arrow Connector 33">
-            <a:extLst>
-              <a:ext uri="{FF2B5EF4-FFF2-40B4-BE49-F238E27FC236}">
-                <a16:creationId xmlns:a16="http://schemas.microsoft.com/office/drawing/2014/main" id="{933C2D64-DD14-E830-B258-74254A72C617}"/>
+          <p:cNvPr id="20" name="Straight Arrow Connector 19">
+            <a:extLst>
+              <a:ext uri="{FF2B5EF4-FFF2-40B4-BE49-F238E27FC236}">
+                <a16:creationId xmlns:a16="http://schemas.microsoft.com/office/drawing/2014/main" id="{31C712B6-FC64-19CA-B1BD-D7EC2EE423B5}"/>
               </a:ext>
             </a:extLst>
           </p:cNvPr>
@@ -4601,7 +4949,7 @@
         </p:nvCxnSpPr>
         <p:spPr>
           <a:xfrm flipH="1" flipV="1">
-            <a:off x="7175090" y="2745334"/>
+            <a:off x="7401231" y="4525771"/>
             <a:ext cx="1066800" cy="104"/>
           </a:xfrm>
           <a:prstGeom prst="straightConnector1">
@@ -4628,24 +4976,22 @@
       </p:cxnSp>
       <p:cxnSp>
         <p:nvCxnSpPr>
-          <p:cNvPr id="35" name="Straight Arrow Connector 34">
-            <a:extLst>
-              <a:ext uri="{FF2B5EF4-FFF2-40B4-BE49-F238E27FC236}">
-                <a16:creationId xmlns:a16="http://schemas.microsoft.com/office/drawing/2014/main" id="{25735B05-9860-9621-FA6C-64C8F251A819}"/>
+          <p:cNvPr id="21" name="Straight Arrow Connector 20">
+            <a:extLst>
+              <a:ext uri="{FF2B5EF4-FFF2-40B4-BE49-F238E27FC236}">
+                <a16:creationId xmlns:a16="http://schemas.microsoft.com/office/drawing/2014/main" id="{316AEFEF-7E16-EDCF-1E26-240E134D5C14}"/>
               </a:ext>
             </a:extLst>
           </p:cNvPr>
           <p:cNvCxnSpPr>
             <a:cxnSpLocks/>
-            <a:stCxn id="5" idx="1"/>
-            <a:endCxn id="22" idx="3"/>
           </p:cNvCxnSpPr>
           <p:nvPr/>
         </p:nvCxnSpPr>
         <p:spPr>
-          <a:xfrm flipH="1" flipV="1">
-            <a:off x="3502702" y="3323302"/>
-            <a:ext cx="1487169" cy="1"/>
+          <a:xfrm flipV="1">
+            <a:off x="8901783" y="3097959"/>
+            <a:ext cx="0" cy="450870"/>
           </a:xfrm>
           <a:prstGeom prst="straightConnector1">
             <a:avLst/>
@@ -4655,13 +5001,13 @@
           </a:ln>
         </p:spPr>
         <p:style>
-          <a:lnRef idx="2">
+          <a:lnRef idx="3">
             <a:schemeClr val="dk1"/>
           </a:lnRef>
           <a:fillRef idx="0">
             <a:schemeClr val="dk1"/>
           </a:fillRef>
-          <a:effectRef idx="1">
+          <a:effectRef idx="2">
             <a:schemeClr val="dk1"/>
           </a:effectRef>
           <a:fontRef idx="minor">
@@ -4669,6 +5015,958 @@
           </a:fontRef>
         </p:style>
       </p:cxnSp>
+      <p:cxnSp>
+        <p:nvCxnSpPr>
+          <p:cNvPr id="23" name="Straight Arrow Connector 22">
+            <a:extLst>
+              <a:ext uri="{FF2B5EF4-FFF2-40B4-BE49-F238E27FC236}">
+                <a16:creationId xmlns:a16="http://schemas.microsoft.com/office/drawing/2014/main" id="{D4BA19E4-62D5-2E3B-CB6E-E5BE625A0A22}"/>
+              </a:ext>
+            </a:extLst>
+          </p:cNvPr>
+          <p:cNvCxnSpPr>
+            <a:cxnSpLocks/>
+          </p:cNvCxnSpPr>
+          <p:nvPr/>
+        </p:nvCxnSpPr>
+        <p:spPr>
+          <a:xfrm flipV="1">
+            <a:off x="2511248" y="3234812"/>
+            <a:ext cx="0" cy="318952"/>
+          </a:xfrm>
+          <a:prstGeom prst="straightConnector1">
+            <a:avLst/>
+          </a:prstGeom>
+          <a:ln>
+            <a:tailEnd type="triangle"/>
+          </a:ln>
+        </p:spPr>
+        <p:style>
+          <a:lnRef idx="3">
+            <a:schemeClr val="dk1"/>
+          </a:lnRef>
+          <a:fillRef idx="0">
+            <a:schemeClr val="dk1"/>
+          </a:fillRef>
+          <a:effectRef idx="2">
+            <a:schemeClr val="dk1"/>
+          </a:effectRef>
+          <a:fontRef idx="minor">
+            <a:schemeClr val="tx1"/>
+          </a:fontRef>
+        </p:style>
+      </p:cxnSp>
+      <p:cxnSp>
+        <p:nvCxnSpPr>
+          <p:cNvPr id="24" name="Straight Arrow Connector 23">
+            <a:extLst>
+              <a:ext uri="{FF2B5EF4-FFF2-40B4-BE49-F238E27FC236}">
+                <a16:creationId xmlns:a16="http://schemas.microsoft.com/office/drawing/2014/main" id="{7D878FE2-0B0E-ECAA-2EF8-0388DBC6C521}"/>
+              </a:ext>
+            </a:extLst>
+          </p:cNvPr>
+          <p:cNvCxnSpPr>
+            <a:cxnSpLocks/>
+          </p:cNvCxnSpPr>
+          <p:nvPr/>
+        </p:nvCxnSpPr>
+        <p:spPr>
+          <a:xfrm flipV="1">
+            <a:off x="6310982" y="742336"/>
+            <a:ext cx="0" cy="450870"/>
+          </a:xfrm>
+          <a:prstGeom prst="straightConnector1">
+            <a:avLst/>
+          </a:prstGeom>
+          <a:ln>
+            <a:tailEnd type="triangle"/>
+          </a:ln>
+        </p:spPr>
+        <p:style>
+          <a:lnRef idx="3">
+            <a:schemeClr val="dk1"/>
+          </a:lnRef>
+          <a:fillRef idx="0">
+            <a:schemeClr val="dk1"/>
+          </a:fillRef>
+          <a:effectRef idx="2">
+            <a:schemeClr val="dk1"/>
+          </a:effectRef>
+          <a:fontRef idx="minor">
+            <a:schemeClr val="tx1"/>
+          </a:fontRef>
+        </p:style>
+      </p:cxnSp>
+      <p:cxnSp>
+        <p:nvCxnSpPr>
+          <p:cNvPr id="25" name="Straight Arrow Connector 24">
+            <a:extLst>
+              <a:ext uri="{FF2B5EF4-FFF2-40B4-BE49-F238E27FC236}">
+                <a16:creationId xmlns:a16="http://schemas.microsoft.com/office/drawing/2014/main" id="{AB0C43AA-23FF-C10F-0326-384865D0686E}"/>
+              </a:ext>
+            </a:extLst>
+          </p:cNvPr>
+          <p:cNvCxnSpPr>
+            <a:cxnSpLocks/>
+          </p:cNvCxnSpPr>
+          <p:nvPr/>
+        </p:nvCxnSpPr>
+        <p:spPr>
+          <a:xfrm>
+            <a:off x="10162284" y="4876186"/>
+            <a:ext cx="0" cy="227553"/>
+          </a:xfrm>
+          <a:prstGeom prst="straightConnector1">
+            <a:avLst/>
+          </a:prstGeom>
+          <a:ln>
+            <a:tailEnd type="triangle"/>
+          </a:ln>
+        </p:spPr>
+        <p:style>
+          <a:lnRef idx="3">
+            <a:schemeClr val="dk1"/>
+          </a:lnRef>
+          <a:fillRef idx="0">
+            <a:schemeClr val="dk1"/>
+          </a:fillRef>
+          <a:effectRef idx="2">
+            <a:schemeClr val="dk1"/>
+          </a:effectRef>
+          <a:fontRef idx="minor">
+            <a:schemeClr val="tx1"/>
+          </a:fontRef>
+        </p:style>
+      </p:cxnSp>
+      <p:cxnSp>
+        <p:nvCxnSpPr>
+          <p:cNvPr id="27" name="Straight Arrow Connector 26">
+            <a:extLst>
+              <a:ext uri="{FF2B5EF4-FFF2-40B4-BE49-F238E27FC236}">
+                <a16:creationId xmlns:a16="http://schemas.microsoft.com/office/drawing/2014/main" id="{19B2A5E6-58B8-8A3B-9874-82B5DF3F221F}"/>
+              </a:ext>
+            </a:extLst>
+          </p:cNvPr>
+          <p:cNvCxnSpPr>
+            <a:cxnSpLocks/>
+          </p:cNvCxnSpPr>
+          <p:nvPr/>
+        </p:nvCxnSpPr>
+        <p:spPr>
+          <a:xfrm>
+            <a:off x="3820989" y="5018183"/>
+            <a:ext cx="0" cy="227553"/>
+          </a:xfrm>
+          <a:prstGeom prst="straightConnector1">
+            <a:avLst/>
+          </a:prstGeom>
+          <a:ln>
+            <a:tailEnd type="triangle"/>
+          </a:ln>
+        </p:spPr>
+        <p:style>
+          <a:lnRef idx="3">
+            <a:schemeClr val="dk1"/>
+          </a:lnRef>
+          <a:fillRef idx="0">
+            <a:schemeClr val="dk1"/>
+          </a:fillRef>
+          <a:effectRef idx="2">
+            <a:schemeClr val="dk1"/>
+          </a:effectRef>
+          <a:fontRef idx="minor">
+            <a:schemeClr val="tx1"/>
+          </a:fontRef>
+        </p:style>
+      </p:cxnSp>
+      <p:cxnSp>
+        <p:nvCxnSpPr>
+          <p:cNvPr id="28" name="Straight Arrow Connector 27">
+            <a:extLst>
+              <a:ext uri="{FF2B5EF4-FFF2-40B4-BE49-F238E27FC236}">
+                <a16:creationId xmlns:a16="http://schemas.microsoft.com/office/drawing/2014/main" id="{A4EFCE4E-7F27-4ACB-AB5D-29D5620AA2BF}"/>
+              </a:ext>
+            </a:extLst>
+          </p:cNvPr>
+          <p:cNvCxnSpPr>
+            <a:cxnSpLocks/>
+          </p:cNvCxnSpPr>
+          <p:nvPr/>
+        </p:nvCxnSpPr>
+        <p:spPr>
+          <a:xfrm flipH="1">
+            <a:off x="4198253" y="2339829"/>
+            <a:ext cx="985684" cy="0"/>
+          </a:xfrm>
+          <a:prstGeom prst="straightConnector1">
+            <a:avLst/>
+          </a:prstGeom>
+          <a:ln>
+            <a:tailEnd type="triangle"/>
+          </a:ln>
+        </p:spPr>
+        <p:style>
+          <a:lnRef idx="2">
+            <a:schemeClr val="dk1"/>
+          </a:lnRef>
+          <a:fillRef idx="0">
+            <a:schemeClr val="dk1"/>
+          </a:fillRef>
+          <a:effectRef idx="1">
+            <a:schemeClr val="dk1"/>
+          </a:effectRef>
+          <a:fontRef idx="minor">
+            <a:schemeClr val="tx1"/>
+          </a:fontRef>
+        </p:style>
+      </p:cxnSp>
+      <p:cxnSp>
+        <p:nvCxnSpPr>
+          <p:cNvPr id="29" name="Straight Arrow Connector 28">
+            <a:extLst>
+              <a:ext uri="{FF2B5EF4-FFF2-40B4-BE49-F238E27FC236}">
+                <a16:creationId xmlns:a16="http://schemas.microsoft.com/office/drawing/2014/main" id="{BB5873B8-0006-1281-D90C-CC27CA05CFE1}"/>
+              </a:ext>
+            </a:extLst>
+          </p:cNvPr>
+          <p:cNvCxnSpPr>
+            <a:cxnSpLocks/>
+          </p:cNvCxnSpPr>
+          <p:nvPr/>
+        </p:nvCxnSpPr>
+        <p:spPr>
+          <a:xfrm>
+            <a:off x="4198253" y="1720840"/>
+            <a:ext cx="1017759" cy="0"/>
+          </a:xfrm>
+          <a:prstGeom prst="straightConnector1">
+            <a:avLst/>
+          </a:prstGeom>
+          <a:ln>
+            <a:headEnd type="triangle"/>
+            <a:tailEnd type="triangle"/>
+          </a:ln>
+        </p:spPr>
+        <p:style>
+          <a:lnRef idx="2">
+            <a:schemeClr val="dk1"/>
+          </a:lnRef>
+          <a:fillRef idx="0">
+            <a:schemeClr val="dk1"/>
+          </a:fillRef>
+          <a:effectRef idx="1">
+            <a:schemeClr val="dk1"/>
+          </a:effectRef>
+          <a:fontRef idx="minor">
+            <a:schemeClr val="tx1"/>
+          </a:fontRef>
+        </p:style>
+      </p:cxnSp>
+      <p:cxnSp>
+        <p:nvCxnSpPr>
+          <p:cNvPr id="32" name="Straight Arrow Connector 31">
+            <a:extLst>
+              <a:ext uri="{FF2B5EF4-FFF2-40B4-BE49-F238E27FC236}">
+                <a16:creationId xmlns:a16="http://schemas.microsoft.com/office/drawing/2014/main" id="{B16CD1A8-30CB-51A9-9A64-B6E5610D8529}"/>
+              </a:ext>
+            </a:extLst>
+          </p:cNvPr>
+          <p:cNvCxnSpPr>
+            <a:cxnSpLocks/>
+          </p:cNvCxnSpPr>
+          <p:nvPr/>
+        </p:nvCxnSpPr>
+        <p:spPr>
+          <a:xfrm>
+            <a:off x="6310982" y="5204767"/>
+            <a:ext cx="0" cy="227553"/>
+          </a:xfrm>
+          <a:prstGeom prst="straightConnector1">
+            <a:avLst/>
+          </a:prstGeom>
+          <a:ln>
+            <a:tailEnd type="triangle"/>
+          </a:ln>
+        </p:spPr>
+        <p:style>
+          <a:lnRef idx="3">
+            <a:schemeClr val="dk1"/>
+          </a:lnRef>
+          <a:fillRef idx="0">
+            <a:schemeClr val="dk1"/>
+          </a:fillRef>
+          <a:effectRef idx="2">
+            <a:schemeClr val="dk1"/>
+          </a:effectRef>
+          <a:fontRef idx="minor">
+            <a:schemeClr val="tx1"/>
+          </a:fontRef>
+        </p:style>
+      </p:cxnSp>
+      <p:cxnSp>
+        <p:nvCxnSpPr>
+          <p:cNvPr id="33" name="Straight Arrow Connector 32">
+            <a:extLst>
+              <a:ext uri="{FF2B5EF4-FFF2-40B4-BE49-F238E27FC236}">
+                <a16:creationId xmlns:a16="http://schemas.microsoft.com/office/drawing/2014/main" id="{99FF73D4-B557-6C21-78CC-16B27C1E5315}"/>
+              </a:ext>
+            </a:extLst>
+          </p:cNvPr>
+          <p:cNvCxnSpPr>
+            <a:cxnSpLocks/>
+          </p:cNvCxnSpPr>
+          <p:nvPr/>
+        </p:nvCxnSpPr>
+        <p:spPr>
+          <a:xfrm flipV="1">
+            <a:off x="3400493" y="971654"/>
+            <a:ext cx="0" cy="337441"/>
+          </a:xfrm>
+          <a:prstGeom prst="straightConnector1">
+            <a:avLst/>
+          </a:prstGeom>
+          <a:ln>
+            <a:tailEnd type="triangle"/>
+          </a:ln>
+        </p:spPr>
+        <p:style>
+          <a:lnRef idx="3">
+            <a:schemeClr val="dk1"/>
+          </a:lnRef>
+          <a:fillRef idx="0">
+            <a:schemeClr val="dk1"/>
+          </a:fillRef>
+          <a:effectRef idx="2">
+            <a:schemeClr val="dk1"/>
+          </a:effectRef>
+          <a:fontRef idx="minor">
+            <a:schemeClr val="tx1"/>
+          </a:fontRef>
+        </p:style>
+      </p:cxnSp>
+      <p:cxnSp>
+        <p:nvCxnSpPr>
+          <p:cNvPr id="36" name="Straight Arrow Connector 35">
+            <a:extLst>
+              <a:ext uri="{FF2B5EF4-FFF2-40B4-BE49-F238E27FC236}">
+                <a16:creationId xmlns:a16="http://schemas.microsoft.com/office/drawing/2014/main" id="{0A4F0B2C-553F-DFB8-D178-CFEA2E89C104}"/>
+              </a:ext>
+            </a:extLst>
+          </p:cNvPr>
+          <p:cNvCxnSpPr>
+            <a:cxnSpLocks/>
+          </p:cNvCxnSpPr>
+          <p:nvPr/>
+        </p:nvCxnSpPr>
+        <p:spPr>
+          <a:xfrm>
+            <a:off x="3368706" y="2621018"/>
+            <a:ext cx="0" cy="185572"/>
+          </a:xfrm>
+          <a:prstGeom prst="straightConnector1">
+            <a:avLst/>
+          </a:prstGeom>
+          <a:ln>
+            <a:tailEnd type="triangle"/>
+          </a:ln>
+        </p:spPr>
+        <p:style>
+          <a:lnRef idx="3">
+            <a:schemeClr val="dk1"/>
+          </a:lnRef>
+          <a:fillRef idx="0">
+            <a:schemeClr val="dk1"/>
+          </a:fillRef>
+          <a:effectRef idx="2">
+            <a:schemeClr val="dk1"/>
+          </a:effectRef>
+          <a:fontRef idx="minor">
+            <a:schemeClr val="tx1"/>
+          </a:fontRef>
+        </p:style>
+      </p:cxnSp>
+      <p:sp>
+        <p:nvSpPr>
+          <p:cNvPr id="37" name="TextBox 36">
+            <a:extLst>
+              <a:ext uri="{FF2B5EF4-FFF2-40B4-BE49-F238E27FC236}">
+                <a16:creationId xmlns:a16="http://schemas.microsoft.com/office/drawing/2014/main" id="{9C732844-FD39-30A2-C7A2-C63B1F5ACDE0}"/>
+              </a:ext>
+            </a:extLst>
+          </p:cNvPr>
+          <p:cNvSpPr txBox="1"/>
+          <p:nvPr/>
+        </p:nvSpPr>
+        <p:spPr>
+          <a:xfrm>
+            <a:off x="8685218" y="2769396"/>
+            <a:ext cx="558570" cy="369332"/>
+          </a:xfrm>
+          <a:prstGeom prst="rect">
+            <a:avLst/>
+          </a:prstGeom>
+          <a:noFill/>
+        </p:spPr>
+        <p:txBody>
+          <a:bodyPr wrap="square" rtlCol="0">
+            <a:spAutoFit/>
+          </a:bodyPr>
+          <a:lstStyle/>
+          <a:p>
+            <a:r>
+              <a:rPr lang="en-IN" dirty="0">
+                <a:latin typeface="Times New Roman" panose="02020603050405020304" pitchFamily="18" charset="0"/>
+                <a:cs typeface="Times New Roman" panose="02020603050405020304" pitchFamily="18" charset="0"/>
+              </a:rPr>
+              <a:t>5V</a:t>
+            </a:r>
+          </a:p>
+        </p:txBody>
+      </p:sp>
+      <p:sp>
+        <p:nvSpPr>
+          <p:cNvPr id="38" name="TextBox 37">
+            <a:extLst>
+              <a:ext uri="{FF2B5EF4-FFF2-40B4-BE49-F238E27FC236}">
+                <a16:creationId xmlns:a16="http://schemas.microsoft.com/office/drawing/2014/main" id="{CB963663-630C-3960-8338-A2EE93864705}"/>
+              </a:ext>
+            </a:extLst>
+          </p:cNvPr>
+          <p:cNvSpPr txBox="1"/>
+          <p:nvPr/>
+        </p:nvSpPr>
+        <p:spPr>
+          <a:xfrm>
+            <a:off x="2212169" y="2903874"/>
+            <a:ext cx="515644" cy="369332"/>
+          </a:xfrm>
+          <a:prstGeom prst="rect">
+            <a:avLst/>
+          </a:prstGeom>
+          <a:noFill/>
+        </p:spPr>
+        <p:txBody>
+          <a:bodyPr wrap="square" rtlCol="0">
+            <a:spAutoFit/>
+          </a:bodyPr>
+          <a:lstStyle/>
+          <a:p>
+            <a:r>
+              <a:rPr lang="en-IN" dirty="0">
+                <a:latin typeface="Times New Roman" panose="02020603050405020304" pitchFamily="18" charset="0"/>
+                <a:cs typeface="Times New Roman" panose="02020603050405020304" pitchFamily="18" charset="0"/>
+              </a:rPr>
+              <a:t>5V</a:t>
+            </a:r>
+          </a:p>
+        </p:txBody>
+      </p:sp>
+      <p:sp>
+        <p:nvSpPr>
+          <p:cNvPr id="39" name="TextBox 38">
+            <a:extLst>
+              <a:ext uri="{FF2B5EF4-FFF2-40B4-BE49-F238E27FC236}">
+                <a16:creationId xmlns:a16="http://schemas.microsoft.com/office/drawing/2014/main" id="{6CFE3674-47FA-8534-BB71-B49885D59116}"/>
+              </a:ext>
+            </a:extLst>
+          </p:cNvPr>
+          <p:cNvSpPr txBox="1"/>
+          <p:nvPr/>
+        </p:nvSpPr>
+        <p:spPr>
+          <a:xfrm>
+            <a:off x="3105998" y="2806590"/>
+            <a:ext cx="800273" cy="369332"/>
+          </a:xfrm>
+          <a:prstGeom prst="rect">
+            <a:avLst/>
+          </a:prstGeom>
+          <a:noFill/>
+        </p:spPr>
+        <p:txBody>
+          <a:bodyPr wrap="square" rtlCol="0">
+            <a:spAutoFit/>
+          </a:bodyPr>
+          <a:lstStyle/>
+          <a:p>
+            <a:r>
+              <a:rPr lang="en-IN" dirty="0">
+                <a:latin typeface="Times New Roman" panose="02020603050405020304" pitchFamily="18" charset="0"/>
+                <a:cs typeface="Times New Roman" panose="02020603050405020304" pitchFamily="18" charset="0"/>
+              </a:rPr>
+              <a:t>GND</a:t>
+            </a:r>
+          </a:p>
+        </p:txBody>
+      </p:sp>
+      <p:sp>
+        <p:nvSpPr>
+          <p:cNvPr id="40" name="TextBox 39">
+            <a:extLst>
+              <a:ext uri="{FF2B5EF4-FFF2-40B4-BE49-F238E27FC236}">
+                <a16:creationId xmlns:a16="http://schemas.microsoft.com/office/drawing/2014/main" id="{1CBF0650-F5B7-4691-1B9A-1F2DBB99BD3E}"/>
+              </a:ext>
+            </a:extLst>
+          </p:cNvPr>
+          <p:cNvSpPr txBox="1"/>
+          <p:nvPr/>
+        </p:nvSpPr>
+        <p:spPr>
+          <a:xfrm>
+            <a:off x="3066068" y="634310"/>
+            <a:ext cx="668849" cy="369332"/>
+          </a:xfrm>
+          <a:prstGeom prst="rect">
+            <a:avLst/>
+          </a:prstGeom>
+          <a:noFill/>
+        </p:spPr>
+        <p:txBody>
+          <a:bodyPr wrap="square" rtlCol="0">
+            <a:spAutoFit/>
+          </a:bodyPr>
+          <a:lstStyle/>
+          <a:p>
+            <a:r>
+              <a:rPr lang="en-IN" dirty="0">
+                <a:latin typeface="Times New Roman" panose="02020603050405020304" pitchFamily="18" charset="0"/>
+                <a:cs typeface="Times New Roman" panose="02020603050405020304" pitchFamily="18" charset="0"/>
+              </a:rPr>
+              <a:t>3.3V</a:t>
+            </a:r>
+          </a:p>
+        </p:txBody>
+      </p:sp>
+      <p:sp>
+        <p:nvSpPr>
+          <p:cNvPr id="41" name="TextBox 40">
+            <a:extLst>
+              <a:ext uri="{FF2B5EF4-FFF2-40B4-BE49-F238E27FC236}">
+                <a16:creationId xmlns:a16="http://schemas.microsoft.com/office/drawing/2014/main" id="{4A739F27-9D98-341C-A078-E81583B87AFA}"/>
+              </a:ext>
+            </a:extLst>
+          </p:cNvPr>
+          <p:cNvSpPr txBox="1"/>
+          <p:nvPr/>
+        </p:nvSpPr>
+        <p:spPr>
+          <a:xfrm>
+            <a:off x="6040103" y="5394331"/>
+            <a:ext cx="701970" cy="369332"/>
+          </a:xfrm>
+          <a:prstGeom prst="rect">
+            <a:avLst/>
+          </a:prstGeom>
+          <a:noFill/>
+        </p:spPr>
+        <p:txBody>
+          <a:bodyPr wrap="square" rtlCol="0">
+            <a:spAutoFit/>
+          </a:bodyPr>
+          <a:lstStyle/>
+          <a:p>
+            <a:r>
+              <a:rPr lang="en-IN" dirty="0">
+                <a:latin typeface="Times New Roman" panose="02020603050405020304" pitchFamily="18" charset="0"/>
+                <a:cs typeface="Times New Roman" panose="02020603050405020304" pitchFamily="18" charset="0"/>
+              </a:rPr>
+              <a:t>GND</a:t>
+            </a:r>
+          </a:p>
+        </p:txBody>
+      </p:sp>
+      <p:sp>
+        <p:nvSpPr>
+          <p:cNvPr id="42" name="TextBox 41">
+            <a:extLst>
+              <a:ext uri="{FF2B5EF4-FFF2-40B4-BE49-F238E27FC236}">
+                <a16:creationId xmlns:a16="http://schemas.microsoft.com/office/drawing/2014/main" id="{F106AFA4-33C6-E089-42A4-366A53C2996F}"/>
+              </a:ext>
+            </a:extLst>
+          </p:cNvPr>
+          <p:cNvSpPr txBox="1"/>
+          <p:nvPr/>
+        </p:nvSpPr>
+        <p:spPr>
+          <a:xfrm>
+            <a:off x="3569347" y="5209665"/>
+            <a:ext cx="684528" cy="369332"/>
+          </a:xfrm>
+          <a:prstGeom prst="rect">
+            <a:avLst/>
+          </a:prstGeom>
+          <a:noFill/>
+        </p:spPr>
+        <p:txBody>
+          <a:bodyPr wrap="square" rtlCol="0">
+            <a:spAutoFit/>
+          </a:bodyPr>
+          <a:lstStyle/>
+          <a:p>
+            <a:r>
+              <a:rPr lang="en-IN" dirty="0">
+                <a:latin typeface="Times New Roman" panose="02020603050405020304" pitchFamily="18" charset="0"/>
+                <a:cs typeface="Times New Roman" panose="02020603050405020304" pitchFamily="18" charset="0"/>
+              </a:rPr>
+              <a:t>GND</a:t>
+            </a:r>
+          </a:p>
+        </p:txBody>
+      </p:sp>
+      <p:sp>
+        <p:nvSpPr>
+          <p:cNvPr id="43" name="TextBox 42">
+            <a:extLst>
+              <a:ext uri="{FF2B5EF4-FFF2-40B4-BE49-F238E27FC236}">
+                <a16:creationId xmlns:a16="http://schemas.microsoft.com/office/drawing/2014/main" id="{C801D3B5-9716-F85E-5115-1AA0555281C6}"/>
+              </a:ext>
+            </a:extLst>
+          </p:cNvPr>
+          <p:cNvSpPr txBox="1"/>
+          <p:nvPr/>
+        </p:nvSpPr>
+        <p:spPr>
+          <a:xfrm>
+            <a:off x="4440872" y="1379791"/>
+            <a:ext cx="717011" cy="369332"/>
+          </a:xfrm>
+          <a:prstGeom prst="rect">
+            <a:avLst/>
+          </a:prstGeom>
+          <a:noFill/>
+        </p:spPr>
+        <p:txBody>
+          <a:bodyPr wrap="square" rtlCol="0">
+            <a:spAutoFit/>
+          </a:bodyPr>
+          <a:lstStyle/>
+          <a:p>
+            <a:r>
+              <a:rPr lang="en-IN" dirty="0">
+                <a:latin typeface="Times New Roman" panose="02020603050405020304" pitchFamily="18" charset="0"/>
+                <a:cs typeface="Times New Roman" panose="02020603050405020304" pitchFamily="18" charset="0"/>
+              </a:rPr>
+              <a:t>SDA</a:t>
+            </a:r>
+          </a:p>
+        </p:txBody>
+      </p:sp>
+      <p:sp>
+        <p:nvSpPr>
+          <p:cNvPr id="44" name="TextBox 43">
+            <a:extLst>
+              <a:ext uri="{FF2B5EF4-FFF2-40B4-BE49-F238E27FC236}">
+                <a16:creationId xmlns:a16="http://schemas.microsoft.com/office/drawing/2014/main" id="{37E74E0D-F71C-7E94-A241-DAF19D17B4A2}"/>
+              </a:ext>
+            </a:extLst>
+          </p:cNvPr>
+          <p:cNvSpPr txBox="1"/>
+          <p:nvPr/>
+        </p:nvSpPr>
+        <p:spPr>
+          <a:xfrm>
+            <a:off x="4440478" y="2027732"/>
+            <a:ext cx="638918" cy="369332"/>
+          </a:xfrm>
+          <a:prstGeom prst="rect">
+            <a:avLst/>
+          </a:prstGeom>
+          <a:noFill/>
+        </p:spPr>
+        <p:txBody>
+          <a:bodyPr wrap="square" rtlCol="0">
+            <a:spAutoFit/>
+          </a:bodyPr>
+          <a:lstStyle/>
+          <a:p>
+            <a:r>
+              <a:rPr lang="en-IN" dirty="0">
+                <a:latin typeface="Times New Roman" panose="02020603050405020304" pitchFamily="18" charset="0"/>
+                <a:cs typeface="Times New Roman" panose="02020603050405020304" pitchFamily="18" charset="0"/>
+              </a:rPr>
+              <a:t>SCL</a:t>
+            </a:r>
+          </a:p>
+        </p:txBody>
+      </p:sp>
+      <p:sp>
+        <p:nvSpPr>
+          <p:cNvPr id="45" name="TextBox 44">
+            <a:extLst>
+              <a:ext uri="{FF2B5EF4-FFF2-40B4-BE49-F238E27FC236}">
+                <a16:creationId xmlns:a16="http://schemas.microsoft.com/office/drawing/2014/main" id="{C6FA7B75-A15F-94A4-100D-554B1A77C26F}"/>
+              </a:ext>
+            </a:extLst>
+          </p:cNvPr>
+          <p:cNvSpPr txBox="1"/>
+          <p:nvPr/>
+        </p:nvSpPr>
+        <p:spPr>
+          <a:xfrm>
+            <a:off x="9916470" y="5050050"/>
+            <a:ext cx="701964" cy="369332"/>
+          </a:xfrm>
+          <a:prstGeom prst="rect">
+            <a:avLst/>
+          </a:prstGeom>
+          <a:noFill/>
+        </p:spPr>
+        <p:txBody>
+          <a:bodyPr wrap="square" rtlCol="0">
+            <a:spAutoFit/>
+          </a:bodyPr>
+          <a:lstStyle/>
+          <a:p>
+            <a:r>
+              <a:rPr lang="en-IN" dirty="0">
+                <a:latin typeface="Times New Roman" panose="02020603050405020304" pitchFamily="18" charset="0"/>
+                <a:cs typeface="Times New Roman" panose="02020603050405020304" pitchFamily="18" charset="0"/>
+              </a:rPr>
+              <a:t>GND</a:t>
+            </a:r>
+          </a:p>
+        </p:txBody>
+      </p:sp>
+      <p:sp>
+        <p:nvSpPr>
+          <p:cNvPr id="46" name="TextBox 45">
+            <a:extLst>
+              <a:ext uri="{FF2B5EF4-FFF2-40B4-BE49-F238E27FC236}">
+                <a16:creationId xmlns:a16="http://schemas.microsoft.com/office/drawing/2014/main" id="{D3F182A7-9EB0-4EC8-7AB2-AC69C4A840BC}"/>
+              </a:ext>
+            </a:extLst>
+          </p:cNvPr>
+          <p:cNvSpPr txBox="1"/>
+          <p:nvPr/>
+        </p:nvSpPr>
+        <p:spPr>
+          <a:xfrm>
+            <a:off x="7644835" y="3473706"/>
+            <a:ext cx="702751" cy="369332"/>
+          </a:xfrm>
+          <a:prstGeom prst="rect">
+            <a:avLst/>
+          </a:prstGeom>
+          <a:noFill/>
+        </p:spPr>
+        <p:txBody>
+          <a:bodyPr wrap="square" rtlCol="0">
+            <a:spAutoFit/>
+          </a:bodyPr>
+          <a:lstStyle/>
+          <a:p>
+            <a:r>
+              <a:rPr lang="en-IN" dirty="0">
+                <a:latin typeface="Times New Roman" panose="02020603050405020304" pitchFamily="18" charset="0"/>
+                <a:cs typeface="Times New Roman" panose="02020603050405020304" pitchFamily="18" charset="0"/>
+              </a:rPr>
+              <a:t>Trig</a:t>
+            </a:r>
+          </a:p>
+        </p:txBody>
+      </p:sp>
+      <p:sp>
+        <p:nvSpPr>
+          <p:cNvPr id="47" name="TextBox 46">
+            <a:extLst>
+              <a:ext uri="{FF2B5EF4-FFF2-40B4-BE49-F238E27FC236}">
+                <a16:creationId xmlns:a16="http://schemas.microsoft.com/office/drawing/2014/main" id="{0A46ECED-D877-06B9-561E-2DFAB101496D}"/>
+              </a:ext>
+            </a:extLst>
+          </p:cNvPr>
+          <p:cNvSpPr txBox="1"/>
+          <p:nvPr/>
+        </p:nvSpPr>
+        <p:spPr>
+          <a:xfrm>
+            <a:off x="7647293" y="4195540"/>
+            <a:ext cx="656813" cy="369332"/>
+          </a:xfrm>
+          <a:prstGeom prst="rect">
+            <a:avLst/>
+          </a:prstGeom>
+          <a:noFill/>
+        </p:spPr>
+        <p:txBody>
+          <a:bodyPr wrap="square" rtlCol="0">
+            <a:spAutoFit/>
+          </a:bodyPr>
+          <a:lstStyle/>
+          <a:p>
+            <a:r>
+              <a:rPr lang="en-IN" dirty="0">
+                <a:latin typeface="Times New Roman" panose="02020603050405020304" pitchFamily="18" charset="0"/>
+                <a:cs typeface="Times New Roman" panose="02020603050405020304" pitchFamily="18" charset="0"/>
+              </a:rPr>
+              <a:t>Echo</a:t>
+            </a:r>
+          </a:p>
+        </p:txBody>
+      </p:sp>
+      <p:sp>
+        <p:nvSpPr>
+          <p:cNvPr id="48" name="TextBox 47">
+            <a:extLst>
+              <a:ext uri="{FF2B5EF4-FFF2-40B4-BE49-F238E27FC236}">
+                <a16:creationId xmlns:a16="http://schemas.microsoft.com/office/drawing/2014/main" id="{B6CDA6CD-447E-DD77-E9CF-87D3BEB45C35}"/>
+              </a:ext>
+            </a:extLst>
+          </p:cNvPr>
+          <p:cNvSpPr txBox="1"/>
+          <p:nvPr/>
+        </p:nvSpPr>
+        <p:spPr>
+          <a:xfrm>
+            <a:off x="4253878" y="3506653"/>
+            <a:ext cx="699630" cy="369332"/>
+          </a:xfrm>
+          <a:prstGeom prst="rect">
+            <a:avLst/>
+          </a:prstGeom>
+          <a:noFill/>
+        </p:spPr>
+        <p:txBody>
+          <a:bodyPr wrap="square" rtlCol="0">
+            <a:spAutoFit/>
+          </a:bodyPr>
+          <a:lstStyle/>
+          <a:p>
+            <a:r>
+              <a:rPr lang="en-IN" dirty="0">
+                <a:latin typeface="Times New Roman" panose="02020603050405020304" pitchFamily="18" charset="0"/>
+                <a:cs typeface="Times New Roman" panose="02020603050405020304" pitchFamily="18" charset="0"/>
+              </a:rPr>
+              <a:t>Echo</a:t>
+            </a:r>
+          </a:p>
+        </p:txBody>
+      </p:sp>
+      <p:sp>
+        <p:nvSpPr>
+          <p:cNvPr id="49" name="TextBox 48">
+            <a:extLst>
+              <a:ext uri="{FF2B5EF4-FFF2-40B4-BE49-F238E27FC236}">
+                <a16:creationId xmlns:a16="http://schemas.microsoft.com/office/drawing/2014/main" id="{E4475613-BE06-D4E4-401C-F9C04E86BBD9}"/>
+              </a:ext>
+            </a:extLst>
+          </p:cNvPr>
+          <p:cNvSpPr txBox="1"/>
+          <p:nvPr/>
+        </p:nvSpPr>
+        <p:spPr>
+          <a:xfrm>
+            <a:off x="4273763" y="4202525"/>
+            <a:ext cx="699630" cy="369332"/>
+          </a:xfrm>
+          <a:prstGeom prst="rect">
+            <a:avLst/>
+          </a:prstGeom>
+          <a:noFill/>
+        </p:spPr>
+        <p:txBody>
+          <a:bodyPr wrap="square" rtlCol="0">
+            <a:spAutoFit/>
+          </a:bodyPr>
+          <a:lstStyle/>
+          <a:p>
+            <a:r>
+              <a:rPr lang="en-IN" dirty="0">
+                <a:latin typeface="Times New Roman" panose="02020603050405020304" pitchFamily="18" charset="0"/>
+                <a:cs typeface="Times New Roman" panose="02020603050405020304" pitchFamily="18" charset="0"/>
+              </a:rPr>
+              <a:t>Trig</a:t>
+            </a:r>
+          </a:p>
+        </p:txBody>
+      </p:sp>
+      <p:sp>
+        <p:nvSpPr>
+          <p:cNvPr id="50" name="Rectangle 49">
+            <a:extLst>
+              <a:ext uri="{FF2B5EF4-FFF2-40B4-BE49-F238E27FC236}">
+                <a16:creationId xmlns:a16="http://schemas.microsoft.com/office/drawing/2014/main" id="{DE1CC815-7C69-3F8A-B807-7C6F70020763}"/>
+              </a:ext>
+            </a:extLst>
+          </p:cNvPr>
+          <p:cNvSpPr/>
+          <p:nvPr/>
+        </p:nvSpPr>
+        <p:spPr>
+          <a:xfrm>
+            <a:off x="5400502" y="1379791"/>
+            <a:ext cx="1855699" cy="1017262"/>
+          </a:xfrm>
+          <a:prstGeom prst="rect">
+            <a:avLst/>
+          </a:prstGeom>
+        </p:spPr>
+        <p:style>
+          <a:lnRef idx="1">
+            <a:schemeClr val="accent2"/>
+          </a:lnRef>
+          <a:fillRef idx="2">
+            <a:schemeClr val="accent2"/>
+          </a:fillRef>
+          <a:effectRef idx="1">
+            <a:schemeClr val="accent2"/>
+          </a:effectRef>
+          <a:fontRef idx="minor">
+            <a:schemeClr val="dk1"/>
+          </a:fontRef>
+        </p:style>
+        <p:txBody>
+          <a:bodyPr rtlCol="0" anchor="ctr"/>
+          <a:lstStyle/>
+          <a:p>
+            <a:pPr algn="ctr"/>
+            <a:r>
+              <a:rPr lang="en-IN" sz="1600" dirty="0">
+                <a:latin typeface="Times New Roman" panose="02020603050405020304" pitchFamily="18" charset="0"/>
+                <a:cs typeface="Times New Roman" panose="02020603050405020304" pitchFamily="18" charset="0"/>
+              </a:rPr>
+              <a:t>TM4C123GH6PM</a:t>
+            </a:r>
+          </a:p>
+        </p:txBody>
+      </p:sp>
+      <p:sp>
+        <p:nvSpPr>
+          <p:cNvPr id="5" name="TextBox 4">
+            <a:extLst>
+              <a:ext uri="{FF2B5EF4-FFF2-40B4-BE49-F238E27FC236}">
+                <a16:creationId xmlns:a16="http://schemas.microsoft.com/office/drawing/2014/main" id="{7F485F1A-5F26-D90E-F75E-09167AC8FA13}"/>
+              </a:ext>
+            </a:extLst>
+          </p:cNvPr>
+          <p:cNvSpPr txBox="1"/>
+          <p:nvPr/>
+        </p:nvSpPr>
+        <p:spPr>
+          <a:xfrm>
+            <a:off x="6064319" y="410993"/>
+            <a:ext cx="515644" cy="369332"/>
+          </a:xfrm>
+          <a:prstGeom prst="rect">
+            <a:avLst/>
+          </a:prstGeom>
+          <a:noFill/>
+        </p:spPr>
+        <p:txBody>
+          <a:bodyPr wrap="square" rtlCol="0">
+            <a:spAutoFit/>
+          </a:bodyPr>
+          <a:lstStyle/>
+          <a:p>
+            <a:r>
+              <a:rPr lang="en-IN" dirty="0">
+                <a:latin typeface="Times New Roman" panose="02020603050405020304" pitchFamily="18" charset="0"/>
+                <a:cs typeface="Times New Roman" panose="02020603050405020304" pitchFamily="18" charset="0"/>
+              </a:rPr>
+              <a:t>5V</a:t>
+            </a:r>
+          </a:p>
+        </p:txBody>
+      </p:sp>
     </p:spTree>
     <p:extLst>
       <p:ext uri="{BB962C8B-B14F-4D97-AF65-F5344CB8AC3E}">
@@ -4701,10 +5999,10 @@
       </p:grpSpPr>
       <p:sp>
         <p:nvSpPr>
-          <p:cNvPr id="2" name="Rectangle 1">
-            <a:extLst>
-              <a:ext uri="{FF2B5EF4-FFF2-40B4-BE49-F238E27FC236}">
-                <a16:creationId xmlns:a16="http://schemas.microsoft.com/office/drawing/2014/main" id="{F3399C5C-A9E7-B5D1-C455-0C3BE013C1D4}"/>
+          <p:cNvPr id="3" name="Rectangle 2">
+            <a:extLst>
+              <a:ext uri="{FF2B5EF4-FFF2-40B4-BE49-F238E27FC236}">
+                <a16:creationId xmlns:a16="http://schemas.microsoft.com/office/drawing/2014/main" id="{238E8B14-13F2-8319-BA80-F0F4CF10B8FF}"/>
               </a:ext>
             </a:extLst>
           </p:cNvPr>
@@ -4713,8 +6011,8 @@
         </p:nvSpPr>
         <p:spPr>
           <a:xfrm>
-            <a:off x="4463845" y="167146"/>
-            <a:ext cx="2222090" cy="560439"/>
+            <a:off x="1253612" y="1268361"/>
+            <a:ext cx="1995948" cy="365125"/>
           </a:xfrm>
           <a:prstGeom prst="rect">
             <a:avLst/>
@@ -4722,13 +6020,13 @@
         </p:spPr>
         <p:style>
           <a:lnRef idx="1">
-            <a:schemeClr val="accent1"/>
+            <a:schemeClr val="accent6"/>
           </a:lnRef>
           <a:fillRef idx="2">
-            <a:schemeClr val="accent1"/>
+            <a:schemeClr val="accent6"/>
           </a:fillRef>
           <a:effectRef idx="1">
-            <a:schemeClr val="accent1"/>
+            <a:schemeClr val="accent6"/>
           </a:effectRef>
           <a:fontRef idx="minor">
             <a:schemeClr val="dk1"/>
@@ -4741,19 +6039,20 @@
             <a:pPr algn="ctr"/>
             <a:r>
               <a:rPr lang="en-IN" dirty="0">
-                <a:latin typeface="LM Roman 10" panose="00000500000000000000" pitchFamily="50" charset="0"/>
+                <a:latin typeface="Times New Roman" panose="02020603050405020304" pitchFamily="18" charset="0"/>
+                <a:cs typeface="Times New Roman" panose="02020603050405020304" pitchFamily="18" charset="0"/>
               </a:rPr>
-              <a:t>Initialisations</a:t>
-            </a:r>
-          </a:p>
-        </p:txBody>
-      </p:sp>
-      <p:sp>
-        <p:nvSpPr>
-          <p:cNvPr id="4" name="Rectangle 3">
-            <a:extLst>
-              <a:ext uri="{FF2B5EF4-FFF2-40B4-BE49-F238E27FC236}">
-                <a16:creationId xmlns:a16="http://schemas.microsoft.com/office/drawing/2014/main" id="{33EDFBE2-A024-AA1F-ACD4-A686CB528352}"/>
+              <a:t>Initializations</a:t>
+            </a:r>
+          </a:p>
+        </p:txBody>
+      </p:sp>
+      <p:sp>
+        <p:nvSpPr>
+          <p:cNvPr id="10" name="Rectangle 9">
+            <a:extLst>
+              <a:ext uri="{FF2B5EF4-FFF2-40B4-BE49-F238E27FC236}">
+                <a16:creationId xmlns:a16="http://schemas.microsoft.com/office/drawing/2014/main" id="{B8B99C2B-A780-BF9D-3BA3-04842C2F752D}"/>
               </a:ext>
             </a:extLst>
           </p:cNvPr>
@@ -4762,8 +6061,8 @@
         </p:nvSpPr>
         <p:spPr>
           <a:xfrm>
-            <a:off x="4463845" y="1071714"/>
-            <a:ext cx="2222090" cy="560439"/>
+            <a:off x="1253610" y="1851647"/>
+            <a:ext cx="1995949" cy="481781"/>
           </a:xfrm>
           <a:prstGeom prst="rect">
             <a:avLst/>
@@ -4771,13 +6070,13 @@
         </p:spPr>
         <p:style>
           <a:lnRef idx="1">
-            <a:schemeClr val="accent4"/>
+            <a:schemeClr val="accent3"/>
           </a:lnRef>
           <a:fillRef idx="2">
-            <a:schemeClr val="accent4"/>
+            <a:schemeClr val="accent3"/>
           </a:fillRef>
           <a:effectRef idx="1">
-            <a:schemeClr val="accent4"/>
+            <a:schemeClr val="accent3"/>
           </a:effectRef>
           <a:fontRef idx="minor">
             <a:schemeClr val="dk1"/>
@@ -4790,25 +6089,20 @@
             <a:pPr algn="ctr"/>
             <a:r>
               <a:rPr lang="en-IN" dirty="0">
-                <a:latin typeface="LM Mono 10" panose="00000509000000000000" pitchFamily="49" charset="0"/>
+                <a:latin typeface="Times New Roman" panose="02020603050405020304" pitchFamily="18" charset="0"/>
+                <a:cs typeface="Times New Roman" panose="02020603050405020304" pitchFamily="18" charset="0"/>
               </a:rPr>
-              <a:t>Trig</a:t>
-            </a:r>
-            <a:r>
-              <a:rPr lang="en-IN" dirty="0">
-                <a:latin typeface="LM Roman 10" panose="00000500000000000000" pitchFamily="50" charset="0"/>
-              </a:rPr>
-              <a:t> = 1 </a:t>
-            </a:r>
-          </a:p>
-        </p:txBody>
-      </p:sp>
-      <p:sp>
-        <p:nvSpPr>
-          <p:cNvPr id="5" name="Rectangle 4">
-            <a:extLst>
-              <a:ext uri="{FF2B5EF4-FFF2-40B4-BE49-F238E27FC236}">
-                <a16:creationId xmlns:a16="http://schemas.microsoft.com/office/drawing/2014/main" id="{705D8C1E-FF67-2CBF-73CD-BBC515F1BC59}"/>
+              <a:t>Check switch</a:t>
+            </a:r>
+          </a:p>
+        </p:txBody>
+      </p:sp>
+      <p:sp>
+        <p:nvSpPr>
+          <p:cNvPr id="12" name="Rectangle 11">
+            <a:extLst>
+              <a:ext uri="{FF2B5EF4-FFF2-40B4-BE49-F238E27FC236}">
+                <a16:creationId xmlns:a16="http://schemas.microsoft.com/office/drawing/2014/main" id="{4CB9FF68-60AB-9687-B0EB-4120AE19904A}"/>
               </a:ext>
             </a:extLst>
           </p:cNvPr>
@@ -4817,8 +6111,8 @@
         </p:nvSpPr>
         <p:spPr>
           <a:xfrm>
-            <a:off x="4463845" y="3716599"/>
-            <a:ext cx="2222090" cy="653832"/>
+            <a:off x="1253611" y="2559169"/>
+            <a:ext cx="1995949" cy="481781"/>
           </a:xfrm>
           <a:prstGeom prst="rect">
             <a:avLst/>
@@ -4826,13 +6120,13 @@
         </p:spPr>
         <p:style>
           <a:lnRef idx="1">
-            <a:schemeClr val="accent4"/>
+            <a:schemeClr val="accent3"/>
           </a:lnRef>
           <a:fillRef idx="2">
-            <a:schemeClr val="accent4"/>
+            <a:schemeClr val="accent3"/>
           </a:fillRef>
           <a:effectRef idx="1">
-            <a:schemeClr val="accent4"/>
+            <a:schemeClr val="accent3"/>
           </a:effectRef>
           <a:fontRef idx="minor">
             <a:schemeClr val="dk1"/>
@@ -4845,45 +6139,22 @@
             <a:pPr algn="ctr"/>
             <a:r>
               <a:rPr lang="en-IN" dirty="0">
-                <a:latin typeface="LM Roman 10" panose="00000500000000000000" pitchFamily="50" charset="0"/>
+                <a:latin typeface="Times New Roman" panose="02020603050405020304" pitchFamily="18" charset="0"/>
+                <a:cs typeface="Times New Roman" panose="02020603050405020304" pitchFamily="18" charset="0"/>
               </a:rPr>
-              <a:t>Wait(min(</a:t>
-            </a:r>
-            <a:r>
-              <a:rPr lang="en-IN" dirty="0">
-                <a:latin typeface="LM Mono 10" panose="00000509000000000000" pitchFamily="49" charset="0"/>
-              </a:rPr>
-              <a:t>echo</a:t>
-            </a:r>
-            <a:r>
-              <a:rPr lang="en-IN" dirty="0">
-                <a:latin typeface="LM Roman 10" panose="00000500000000000000" pitchFamily="50" charset="0"/>
-              </a:rPr>
-              <a:t>=1), </a:t>
-            </a:r>
-            <a:r>
-              <a:rPr lang="en-IN" dirty="0" err="1">
-                <a:latin typeface="LM Mono 10" panose="00000509000000000000" pitchFamily="49" charset="0"/>
-              </a:rPr>
-              <a:t>count_max</a:t>
-            </a:r>
-            <a:r>
-              <a:rPr lang="en-IN" dirty="0">
-                <a:latin typeface="LM Roman 10" panose="00000500000000000000" pitchFamily="50" charset="0"/>
-              </a:rPr>
-              <a:t>)</a:t>
-            </a:r>
-          </a:p>
-        </p:txBody>
-      </p:sp>
-      <mc:AlternateContent xmlns:mc="http://schemas.openxmlformats.org/markup-compatibility/2006" xmlns:a14="http://schemas.microsoft.com/office/drawing/2010/main">
-        <mc:Choice Requires="a14">
+              <a:t>Set Trig High (1)</a:t>
+            </a:r>
+          </a:p>
+        </p:txBody>
+      </p:sp>
+      <mc:AlternateContent xmlns:mc="http://schemas.openxmlformats.org/markup-compatibility/2006">
+        <mc:Choice xmlns:a14="http://schemas.microsoft.com/office/drawing/2010/main" Requires="a14">
           <p:sp>
             <p:nvSpPr>
-              <p:cNvPr id="6" name="Rectangle 5">
+              <p:cNvPr id="14" name="Rectangle 13">
                 <a:extLst>
                   <a:ext uri="{FF2B5EF4-FFF2-40B4-BE49-F238E27FC236}">
-                    <a16:creationId xmlns:a16="http://schemas.microsoft.com/office/drawing/2014/main" id="{1C7E01DE-19FC-C6C8-C8FA-904825B7BA8D}"/>
+                    <a16:creationId xmlns:a16="http://schemas.microsoft.com/office/drawing/2014/main" id="{9C082B25-D879-800B-390C-55B2DEC78AA2}"/>
                   </a:ext>
                 </a:extLst>
               </p:cNvPr>
@@ -4892,8 +6163,8 @@
             </p:nvSpPr>
             <p:spPr>
               <a:xfrm>
-                <a:off x="7015317" y="3483075"/>
-                <a:ext cx="2222090" cy="980770"/>
+                <a:off x="1253609" y="3266691"/>
+                <a:ext cx="1995949" cy="481781"/>
               </a:xfrm>
               <a:prstGeom prst="rect">
                 <a:avLst/>
@@ -4901,13 +6172,13 @@
             </p:spPr>
             <p:style>
               <a:lnRef idx="1">
-                <a:schemeClr val="accent6"/>
+                <a:schemeClr val="accent3"/>
               </a:lnRef>
               <a:fillRef idx="2">
-                <a:schemeClr val="accent6"/>
+                <a:schemeClr val="accent3"/>
               </a:fillRef>
               <a:effectRef idx="1">
-                <a:schemeClr val="accent6"/>
+                <a:schemeClr val="accent3"/>
               </a:effectRef>
               <a:fontRef idx="minor">
                 <a:schemeClr val="dk1"/>
@@ -4920,55 +6191,45 @@
                 <a:pPr algn="ctr"/>
                 <a:r>
                   <a:rPr lang="en-IN" dirty="0">
-                    <a:latin typeface="LM Roman 10" panose="00000500000000000000" pitchFamily="50" charset="0"/>
+                    <a:latin typeface="Times New Roman" panose="02020603050405020304" pitchFamily="18" charset="0"/>
+                    <a:cs typeface="Times New Roman" panose="02020603050405020304" pitchFamily="18" charset="0"/>
                   </a:rPr>
-                  <a:t>Counter</a:t>
-                </a:r>
-              </a:p>
-              <a:p>
-                <a:pPr algn="ctr"/>
-                <a:r>
-                  <a:rPr lang="en-IN" dirty="0">
-                    <a:latin typeface="LM Roman 10" panose="00000500000000000000" pitchFamily="50" charset="0"/>
-                  </a:rPr>
-                  <a:t>Output = </a:t>
+                  <a:t>Wait (10</a:t>
                 </a:r>
                 <a14:m>
                   <m:oMath xmlns:m="http://schemas.openxmlformats.org/officeDocument/2006/math">
                     <m:r>
+                      <a:rPr lang="en-IN" b="0" i="0" smtClean="0">
+                        <a:latin typeface="Cambria Math" panose="02040503050406030204" pitchFamily="18" charset="0"/>
+                      </a:rPr>
+                      <m:t> </m:t>
+                    </m:r>
+                    <m:r>
                       <a:rPr lang="en-IN" b="0" i="1" smtClean="0">
                         <a:latin typeface="Cambria Math" panose="02040503050406030204" pitchFamily="18" charset="0"/>
                       </a:rPr>
-                      <m:t>𝑡</m:t>
+                      <m:t>𝜇</m:t>
                     </m:r>
                   </m:oMath>
                 </a14:m>
                 <a:r>
                   <a:rPr lang="en-IN" dirty="0">
-                    <a:latin typeface="LM Roman 10" panose="00000500000000000000" pitchFamily="50" charset="0"/>
+                    <a:latin typeface="Times New Roman" panose="02020603050405020304" pitchFamily="18" charset="0"/>
+                    <a:cs typeface="Times New Roman" panose="02020603050405020304" pitchFamily="18" charset="0"/>
                   </a:rPr>
-                  <a:t> </a:t>
-                </a:r>
-              </a:p>
-              <a:p>
-                <a:pPr algn="ctr"/>
-                <a:r>
-                  <a:rPr lang="en-IN" dirty="0">
-                    <a:latin typeface="LM Roman 10" panose="00000500000000000000" pitchFamily="50" charset="0"/>
-                  </a:rPr>
-                  <a:t>(in secs) </a:t>
+                  <a:t>s)</a:t>
                 </a:r>
               </a:p>
             </p:txBody>
           </p:sp>
         </mc:Choice>
-        <mc:Fallback xmlns="">
+        <mc:Fallback>
           <p:sp>
             <p:nvSpPr>
-              <p:cNvPr id="6" name="Rectangle 5">
+              <p:cNvPr id="14" name="Rectangle 13">
                 <a:extLst>
                   <a:ext uri="{FF2B5EF4-FFF2-40B4-BE49-F238E27FC236}">
-                    <a16:creationId xmlns:a16="http://schemas.microsoft.com/office/drawing/2014/main" id="{1C7E01DE-19FC-C6C8-C8FA-904825B7BA8D}"/>
+                    <a16:creationId xmlns:a16="http://schemas.microsoft.com/office/drawing/2014/main" id="{9C082B25-D879-800B-390C-55B2DEC78AA2}"/>
                   </a:ext>
                 </a:extLst>
               </p:cNvPr>
@@ -4979,8 +6240,8 @@
             </p:nvSpPr>
             <p:spPr>
               <a:xfrm>
-                <a:off x="7015317" y="3483075"/>
-                <a:ext cx="2222090" cy="980770"/>
+                <a:off x="1253609" y="3266691"/>
+                <a:ext cx="1995949" cy="481781"/>
               </a:xfrm>
               <a:prstGeom prst="rect">
                 <a:avLst/>
@@ -4988,7 +6249,7 @@
               <a:blipFill>
                 <a:blip r:embed="rId2"/>
                 <a:stretch>
-                  <a:fillRect b="-6173"/>
+                  <a:fillRect b="-6250"/>
                 </a:stretch>
               </a:blipFill>
             </p:spPr>
@@ -5007,192 +6268,12 @@
           </p:sp>
         </mc:Fallback>
       </mc:AlternateContent>
-      <mc:AlternateContent xmlns:mc="http://schemas.openxmlformats.org/markup-compatibility/2006" xmlns:a14="http://schemas.microsoft.com/office/drawing/2010/main">
-        <mc:Choice Requires="a14">
-          <p:sp>
-            <p:nvSpPr>
-              <p:cNvPr id="7" name="Rectangle 6">
-                <a:extLst>
-                  <a:ext uri="{FF2B5EF4-FFF2-40B4-BE49-F238E27FC236}">
-                    <a16:creationId xmlns:a16="http://schemas.microsoft.com/office/drawing/2014/main" id="{79C3E032-99B7-C7C2-7589-20C4769A1D7D}"/>
-                  </a:ext>
-                </a:extLst>
-              </p:cNvPr>
-              <p:cNvSpPr/>
-              <p:nvPr/>
-            </p:nvSpPr>
-            <p:spPr>
-              <a:xfrm>
-                <a:off x="4463845" y="4960376"/>
-                <a:ext cx="2222090" cy="825910"/>
-              </a:xfrm>
-              <a:prstGeom prst="rect">
-                <a:avLst/>
-              </a:prstGeom>
-            </p:spPr>
-            <p:style>
-              <a:lnRef idx="1">
-                <a:schemeClr val="accent4"/>
-              </a:lnRef>
-              <a:fillRef idx="2">
-                <a:schemeClr val="accent4"/>
-              </a:fillRef>
-              <a:effectRef idx="1">
-                <a:schemeClr val="accent4"/>
-              </a:effectRef>
-              <a:fontRef idx="minor">
-                <a:schemeClr val="dk1"/>
-              </a:fontRef>
-            </p:style>
-            <p:txBody>
-              <a:bodyPr rtlCol="0" anchor="ctr"/>
-              <a:lstStyle/>
-              <a:p>
-                <a:pPr algn="ctr"/>
-                <a:r>
-                  <a:rPr lang="en-IN" dirty="0">
-                    <a:latin typeface="LM Roman 10" panose="00000500000000000000" pitchFamily="50" charset="0"/>
-                  </a:rPr>
-                  <a:t>Calculate </a:t>
-                </a:r>
-              </a:p>
-              <a:p>
-                <a:pPr algn="ctr"/>
-                <a14:m>
-                  <m:oMathPara xmlns:m="http://schemas.openxmlformats.org/officeDocument/2006/math">
-                    <m:oMathParaPr>
-                      <m:jc m:val="centerGroup"/>
-                    </m:oMathParaPr>
-                    <m:oMath xmlns:m="http://schemas.openxmlformats.org/officeDocument/2006/math">
-                      <m:r>
-                        <a:rPr lang="en-IN" b="0" i="1" smtClean="0">
-                          <a:latin typeface="Cambria Math" panose="02040503050406030204" pitchFamily="18" charset="0"/>
-                        </a:rPr>
-                        <m:t>𝑑</m:t>
-                      </m:r>
-                      <m:r>
-                        <a:rPr lang="en-IN" b="0" i="1" smtClean="0">
-                          <a:latin typeface="Cambria Math" panose="02040503050406030204" pitchFamily="18" charset="0"/>
-                        </a:rPr>
-                        <m:t>=</m:t>
-                      </m:r>
-                      <m:sSub>
-                        <m:sSubPr>
-                          <m:ctrlPr>
-                            <a:rPr lang="en-IN" b="0" i="1" smtClean="0">
-                              <a:latin typeface="Cambria Math" panose="02040503050406030204" pitchFamily="18" charset="0"/>
-                            </a:rPr>
-                          </m:ctrlPr>
-                        </m:sSubPr>
-                        <m:e>
-                          <m:r>
-                            <a:rPr lang="en-IN" b="0" i="1" smtClean="0">
-                              <a:latin typeface="Cambria Math" panose="02040503050406030204" pitchFamily="18" charset="0"/>
-                            </a:rPr>
-                            <m:t>𝑣</m:t>
-                          </m:r>
-                        </m:e>
-                        <m:sub>
-                          <m:r>
-                            <a:rPr lang="en-IN" b="0" i="1" smtClean="0">
-                              <a:latin typeface="Cambria Math" panose="02040503050406030204" pitchFamily="18" charset="0"/>
-                            </a:rPr>
-                            <m:t>𝑢𝑙𝑡𝑟𝑎𝑠𝑜𝑛𝑖𝑐</m:t>
-                          </m:r>
-                        </m:sub>
-                      </m:sSub>
-                      <m:r>
-                        <a:rPr lang="en-IN" b="0" i="1" smtClean="0">
-                          <a:latin typeface="Cambria Math" panose="02040503050406030204" pitchFamily="18" charset="0"/>
-                        </a:rPr>
-                        <m:t> ∗</m:t>
-                      </m:r>
-                      <m:f>
-                        <m:fPr>
-                          <m:ctrlPr>
-                            <a:rPr lang="en-IN" b="0" i="1" smtClean="0">
-                              <a:latin typeface="Cambria Math" panose="02040503050406030204" pitchFamily="18" charset="0"/>
-                            </a:rPr>
-                          </m:ctrlPr>
-                        </m:fPr>
-                        <m:num>
-                          <m:r>
-                            <a:rPr lang="en-IN" b="0" i="1" smtClean="0">
-                              <a:latin typeface="Cambria Math" panose="02040503050406030204" pitchFamily="18" charset="0"/>
-                            </a:rPr>
-                            <m:t>𝑡</m:t>
-                          </m:r>
-                        </m:num>
-                        <m:den>
-                          <m:r>
-                            <a:rPr lang="en-IN" b="0" i="1" smtClean="0">
-                              <a:latin typeface="Cambria Math" panose="02040503050406030204" pitchFamily="18" charset="0"/>
-                            </a:rPr>
-                            <m:t>2</m:t>
-                          </m:r>
-                        </m:den>
-                      </m:f>
-                    </m:oMath>
-                  </m:oMathPara>
-                </a14:m>
-                <a:endParaRPr lang="en-IN" dirty="0">
-                  <a:latin typeface="LM Roman 10" panose="00000500000000000000" pitchFamily="50" charset="0"/>
-                </a:endParaRPr>
-              </a:p>
-            </p:txBody>
-          </p:sp>
-        </mc:Choice>
-        <mc:Fallback xmlns="">
-          <p:sp>
-            <p:nvSpPr>
-              <p:cNvPr id="7" name="Rectangle 6">
-                <a:extLst>
-                  <a:ext uri="{FF2B5EF4-FFF2-40B4-BE49-F238E27FC236}">
-                    <a16:creationId xmlns:a16="http://schemas.microsoft.com/office/drawing/2014/main" id="{79C3E032-99B7-C7C2-7589-20C4769A1D7D}"/>
-                  </a:ext>
-                </a:extLst>
-              </p:cNvPr>
-              <p:cNvSpPr>
-                <a:spLocks noRot="1" noChangeAspect="1" noMove="1" noResize="1" noEditPoints="1" noAdjustHandles="1" noChangeArrowheads="1" noChangeShapeType="1" noTextEdit="1"/>
-              </p:cNvSpPr>
-              <p:nvPr/>
-            </p:nvSpPr>
-            <p:spPr>
-              <a:xfrm>
-                <a:off x="4463845" y="4960376"/>
-                <a:ext cx="2222090" cy="825910"/>
-              </a:xfrm>
-              <a:prstGeom prst="rect">
-                <a:avLst/>
-              </a:prstGeom>
-              <a:blipFill>
-                <a:blip r:embed="rId3"/>
-                <a:stretch>
-                  <a:fillRect t="-6618"/>
-                </a:stretch>
-              </a:blipFill>
-            </p:spPr>
-            <p:txBody>
-              <a:bodyPr/>
-              <a:lstStyle/>
-              <a:p>
-                <a:r>
-                  <a:rPr lang="en-IN">
-                    <a:noFill/>
-                  </a:rPr>
-                  <a:t> </a:t>
-                </a:r>
-              </a:p>
-            </p:txBody>
-          </p:sp>
-        </mc:Fallback>
-      </mc:AlternateContent>
-      <p:sp>
-        <p:nvSpPr>
-          <p:cNvPr id="8" name="Rectangle 7">
-            <a:extLst>
-              <a:ext uri="{FF2B5EF4-FFF2-40B4-BE49-F238E27FC236}">
-                <a16:creationId xmlns:a16="http://schemas.microsoft.com/office/drawing/2014/main" id="{DAE4F494-ABEE-7D05-BB9D-483E5830D5B1}"/>
+      <p:sp>
+        <p:nvSpPr>
+          <p:cNvPr id="15" name="Rectangle 14">
+            <a:extLst>
+              <a:ext uri="{FF2B5EF4-FFF2-40B4-BE49-F238E27FC236}">
+                <a16:creationId xmlns:a16="http://schemas.microsoft.com/office/drawing/2014/main" id="{F4BAFDED-CEB9-7DB2-DC48-A3DAAD3AAE83}"/>
               </a:ext>
             </a:extLst>
           </p:cNvPr>
@@ -5201,8 +6282,8 @@
         </p:nvSpPr>
         <p:spPr>
           <a:xfrm>
-            <a:off x="4463845" y="6037022"/>
-            <a:ext cx="2222090" cy="560439"/>
+            <a:off x="1253610" y="3924355"/>
+            <a:ext cx="1995949" cy="481781"/>
           </a:xfrm>
           <a:prstGeom prst="rect">
             <a:avLst/>
@@ -5210,13 +6291,13 @@
         </p:spPr>
         <p:style>
           <a:lnRef idx="1">
-            <a:schemeClr val="accent4"/>
+            <a:schemeClr val="accent3"/>
           </a:lnRef>
           <a:fillRef idx="2">
-            <a:schemeClr val="accent4"/>
+            <a:schemeClr val="accent3"/>
           </a:fillRef>
           <a:effectRef idx="1">
-            <a:schemeClr val="accent4"/>
+            <a:schemeClr val="accent3"/>
           </a:effectRef>
           <a:fontRef idx="minor">
             <a:schemeClr val="dk1"/>
@@ -5229,19 +6310,20 @@
             <a:pPr algn="ctr"/>
             <a:r>
               <a:rPr lang="en-IN" dirty="0">
-                <a:latin typeface="LM Roman 10" panose="00000500000000000000" pitchFamily="50" charset="0"/>
+                <a:latin typeface="Times New Roman" panose="02020603050405020304" pitchFamily="18" charset="0"/>
+                <a:cs typeface="Times New Roman" panose="02020603050405020304" pitchFamily="18" charset="0"/>
               </a:rPr>
-              <a:t>Output to PC</a:t>
-            </a:r>
-          </a:p>
-        </p:txBody>
-      </p:sp>
-      <p:sp>
-        <p:nvSpPr>
-          <p:cNvPr id="9" name="Oval 8">
-            <a:extLst>
-              <a:ext uri="{FF2B5EF4-FFF2-40B4-BE49-F238E27FC236}">
-                <a16:creationId xmlns:a16="http://schemas.microsoft.com/office/drawing/2014/main" id="{F2DDA2F2-9EE7-10D0-837B-BD5DB70CEECD}"/>
+              <a:t>Set Trig Low (0)</a:t>
+            </a:r>
+          </a:p>
+        </p:txBody>
+      </p:sp>
+      <p:sp>
+        <p:nvSpPr>
+          <p:cNvPr id="17" name="Rectangle 16">
+            <a:extLst>
+              <a:ext uri="{FF2B5EF4-FFF2-40B4-BE49-F238E27FC236}">
+                <a16:creationId xmlns:a16="http://schemas.microsoft.com/office/drawing/2014/main" id="{4341EE35-C997-8807-FE06-611A833A55C5}"/>
               </a:ext>
             </a:extLst>
           </p:cNvPr>
@@ -5250,10 +6332,364 @@
         </p:nvSpPr>
         <p:spPr>
           <a:xfrm>
-            <a:off x="91572" y="296722"/>
-            <a:ext cx="1646902" cy="1549956"/>
-          </a:xfrm>
-          <a:prstGeom prst="ellipse">
+            <a:off x="1253609" y="4627945"/>
+            <a:ext cx="1995949" cy="481781"/>
+          </a:xfrm>
+          <a:prstGeom prst="rect">
+            <a:avLst/>
+          </a:prstGeom>
+        </p:spPr>
+        <p:style>
+          <a:lnRef idx="1">
+            <a:schemeClr val="accent3"/>
+          </a:lnRef>
+          <a:fillRef idx="2">
+            <a:schemeClr val="accent3"/>
+          </a:fillRef>
+          <a:effectRef idx="1">
+            <a:schemeClr val="accent3"/>
+          </a:effectRef>
+          <a:fontRef idx="minor">
+            <a:schemeClr val="dk1"/>
+          </a:fontRef>
+        </p:style>
+        <p:txBody>
+          <a:bodyPr rtlCol="0" anchor="ctr"/>
+          <a:lstStyle/>
+          <a:p>
+            <a:pPr algn="ctr"/>
+            <a:r>
+              <a:rPr lang="en-IN" dirty="0">
+                <a:latin typeface="Times New Roman" panose="02020603050405020304" pitchFamily="18" charset="0"/>
+                <a:cs typeface="Times New Roman" panose="02020603050405020304" pitchFamily="18" charset="0"/>
+              </a:rPr>
+              <a:t>Wait for (Echo*)</a:t>
+            </a:r>
+          </a:p>
+        </p:txBody>
+      </p:sp>
+      <p:cxnSp>
+        <p:nvCxnSpPr>
+          <p:cNvPr id="18" name="Straight Arrow Connector 17">
+            <a:extLst>
+              <a:ext uri="{FF2B5EF4-FFF2-40B4-BE49-F238E27FC236}">
+                <a16:creationId xmlns:a16="http://schemas.microsoft.com/office/drawing/2014/main" id="{D0558C92-2DA1-6B5C-D010-23EDA5B6E0B6}"/>
+              </a:ext>
+            </a:extLst>
+          </p:cNvPr>
+          <p:cNvCxnSpPr>
+            <a:cxnSpLocks/>
+            <a:stCxn id="3" idx="2"/>
+            <a:endCxn id="10" idx="0"/>
+          </p:cNvCxnSpPr>
+          <p:nvPr/>
+        </p:nvCxnSpPr>
+        <p:spPr>
+          <a:xfrm flipH="1">
+            <a:off x="2251585" y="1633486"/>
+            <a:ext cx="1" cy="218161"/>
+          </a:xfrm>
+          <a:prstGeom prst="straightConnector1">
+            <a:avLst/>
+          </a:prstGeom>
+          <a:ln>
+            <a:tailEnd type="triangle"/>
+          </a:ln>
+        </p:spPr>
+        <p:style>
+          <a:lnRef idx="1">
+            <a:schemeClr val="dk1"/>
+          </a:lnRef>
+          <a:fillRef idx="0">
+            <a:schemeClr val="dk1"/>
+          </a:fillRef>
+          <a:effectRef idx="0">
+            <a:schemeClr val="dk1"/>
+          </a:effectRef>
+          <a:fontRef idx="minor">
+            <a:schemeClr val="tx1"/>
+          </a:fontRef>
+        </p:style>
+      </p:cxnSp>
+      <p:cxnSp>
+        <p:nvCxnSpPr>
+          <p:cNvPr id="20" name="Straight Arrow Connector 19">
+            <a:extLst>
+              <a:ext uri="{FF2B5EF4-FFF2-40B4-BE49-F238E27FC236}">
+                <a16:creationId xmlns:a16="http://schemas.microsoft.com/office/drawing/2014/main" id="{9E66AB38-727B-1E83-07C2-EC817AC06D97}"/>
+              </a:ext>
+            </a:extLst>
+          </p:cNvPr>
+          <p:cNvCxnSpPr>
+            <a:cxnSpLocks/>
+            <a:stCxn id="10" idx="2"/>
+            <a:endCxn id="12" idx="0"/>
+          </p:cNvCxnSpPr>
+          <p:nvPr/>
+        </p:nvCxnSpPr>
+        <p:spPr>
+          <a:xfrm>
+            <a:off x="2251585" y="2333428"/>
+            <a:ext cx="1" cy="225741"/>
+          </a:xfrm>
+          <a:prstGeom prst="straightConnector1">
+            <a:avLst/>
+          </a:prstGeom>
+          <a:ln>
+            <a:tailEnd type="triangle"/>
+          </a:ln>
+        </p:spPr>
+        <p:style>
+          <a:lnRef idx="1">
+            <a:schemeClr val="dk1"/>
+          </a:lnRef>
+          <a:fillRef idx="0">
+            <a:schemeClr val="dk1"/>
+          </a:fillRef>
+          <a:effectRef idx="0">
+            <a:schemeClr val="dk1"/>
+          </a:effectRef>
+          <a:fontRef idx="minor">
+            <a:schemeClr val="tx1"/>
+          </a:fontRef>
+        </p:style>
+      </p:cxnSp>
+      <p:cxnSp>
+        <p:nvCxnSpPr>
+          <p:cNvPr id="21" name="Straight Arrow Connector 20">
+            <a:extLst>
+              <a:ext uri="{FF2B5EF4-FFF2-40B4-BE49-F238E27FC236}">
+                <a16:creationId xmlns:a16="http://schemas.microsoft.com/office/drawing/2014/main" id="{49A6E715-48E9-A4D4-8013-631BE91659CE}"/>
+              </a:ext>
+            </a:extLst>
+          </p:cNvPr>
+          <p:cNvCxnSpPr>
+            <a:cxnSpLocks/>
+            <a:stCxn id="12" idx="2"/>
+            <a:endCxn id="14" idx="0"/>
+          </p:cNvCxnSpPr>
+          <p:nvPr/>
+        </p:nvCxnSpPr>
+        <p:spPr>
+          <a:xfrm flipH="1">
+            <a:off x="2251584" y="3040950"/>
+            <a:ext cx="2" cy="225741"/>
+          </a:xfrm>
+          <a:prstGeom prst="straightConnector1">
+            <a:avLst/>
+          </a:prstGeom>
+          <a:ln>
+            <a:tailEnd type="triangle"/>
+          </a:ln>
+        </p:spPr>
+        <p:style>
+          <a:lnRef idx="1">
+            <a:schemeClr val="dk1"/>
+          </a:lnRef>
+          <a:fillRef idx="0">
+            <a:schemeClr val="dk1"/>
+          </a:fillRef>
+          <a:effectRef idx="0">
+            <a:schemeClr val="dk1"/>
+          </a:effectRef>
+          <a:fontRef idx="minor">
+            <a:schemeClr val="tx1"/>
+          </a:fontRef>
+        </p:style>
+      </p:cxnSp>
+      <p:cxnSp>
+        <p:nvCxnSpPr>
+          <p:cNvPr id="22" name="Straight Arrow Connector 21">
+            <a:extLst>
+              <a:ext uri="{FF2B5EF4-FFF2-40B4-BE49-F238E27FC236}">
+                <a16:creationId xmlns:a16="http://schemas.microsoft.com/office/drawing/2014/main" id="{95931C19-85A9-72D6-7789-A6156A6555E0}"/>
+              </a:ext>
+            </a:extLst>
+          </p:cNvPr>
+          <p:cNvCxnSpPr>
+            <a:cxnSpLocks/>
+            <a:stCxn id="14" idx="2"/>
+            <a:endCxn id="15" idx="0"/>
+          </p:cNvCxnSpPr>
+          <p:nvPr/>
+        </p:nvCxnSpPr>
+        <p:spPr>
+          <a:xfrm>
+            <a:off x="2251584" y="3748472"/>
+            <a:ext cx="1" cy="175883"/>
+          </a:xfrm>
+          <a:prstGeom prst="straightConnector1">
+            <a:avLst/>
+          </a:prstGeom>
+          <a:ln>
+            <a:tailEnd type="triangle"/>
+          </a:ln>
+        </p:spPr>
+        <p:style>
+          <a:lnRef idx="1">
+            <a:schemeClr val="dk1"/>
+          </a:lnRef>
+          <a:fillRef idx="0">
+            <a:schemeClr val="dk1"/>
+          </a:fillRef>
+          <a:effectRef idx="0">
+            <a:schemeClr val="dk1"/>
+          </a:effectRef>
+          <a:fontRef idx="minor">
+            <a:schemeClr val="tx1"/>
+          </a:fontRef>
+        </p:style>
+      </p:cxnSp>
+      <p:cxnSp>
+        <p:nvCxnSpPr>
+          <p:cNvPr id="23" name="Straight Arrow Connector 22">
+            <a:extLst>
+              <a:ext uri="{FF2B5EF4-FFF2-40B4-BE49-F238E27FC236}">
+                <a16:creationId xmlns:a16="http://schemas.microsoft.com/office/drawing/2014/main" id="{14F6E2DF-C0DA-56F7-4627-69076F463DC9}"/>
+              </a:ext>
+            </a:extLst>
+          </p:cNvPr>
+          <p:cNvCxnSpPr>
+            <a:cxnSpLocks/>
+            <a:stCxn id="15" idx="2"/>
+            <a:endCxn id="17" idx="0"/>
+          </p:cNvCxnSpPr>
+          <p:nvPr/>
+        </p:nvCxnSpPr>
+        <p:spPr>
+          <a:xfrm flipH="1">
+            <a:off x="2251584" y="4406136"/>
+            <a:ext cx="1" cy="221809"/>
+          </a:xfrm>
+          <a:prstGeom prst="straightConnector1">
+            <a:avLst/>
+          </a:prstGeom>
+          <a:ln>
+            <a:tailEnd type="triangle"/>
+          </a:ln>
+        </p:spPr>
+        <p:style>
+          <a:lnRef idx="1">
+            <a:schemeClr val="dk1"/>
+          </a:lnRef>
+          <a:fillRef idx="0">
+            <a:schemeClr val="dk1"/>
+          </a:fillRef>
+          <a:effectRef idx="0">
+            <a:schemeClr val="dk1"/>
+          </a:effectRef>
+          <a:fontRef idx="minor">
+            <a:schemeClr val="tx1"/>
+          </a:fontRef>
+        </p:style>
+      </p:cxnSp>
+      <p:cxnSp>
+        <p:nvCxnSpPr>
+          <p:cNvPr id="25" name="Straight Arrow Connector 24">
+            <a:extLst>
+              <a:ext uri="{FF2B5EF4-FFF2-40B4-BE49-F238E27FC236}">
+                <a16:creationId xmlns:a16="http://schemas.microsoft.com/office/drawing/2014/main" id="{48E7B9EE-3A50-1103-27AD-FDEAD567B92B}"/>
+              </a:ext>
+            </a:extLst>
+          </p:cNvPr>
+          <p:cNvCxnSpPr>
+            <a:cxnSpLocks/>
+            <a:stCxn id="17" idx="3"/>
+            <a:endCxn id="27" idx="1"/>
+          </p:cNvCxnSpPr>
+          <p:nvPr/>
+        </p:nvCxnSpPr>
+        <p:spPr>
+          <a:xfrm flipV="1">
+            <a:off x="3249558" y="3318388"/>
+            <a:ext cx="919323" cy="1550448"/>
+          </a:xfrm>
+          <a:prstGeom prst="straightConnector1">
+            <a:avLst/>
+          </a:prstGeom>
+          <a:ln>
+            <a:tailEnd type="triangle"/>
+          </a:ln>
+        </p:spPr>
+        <p:style>
+          <a:lnRef idx="1">
+            <a:schemeClr val="dk1"/>
+          </a:lnRef>
+          <a:fillRef idx="0">
+            <a:schemeClr val="dk1"/>
+          </a:fillRef>
+          <a:effectRef idx="0">
+            <a:schemeClr val="dk1"/>
+          </a:effectRef>
+          <a:fontRef idx="minor">
+            <a:schemeClr val="tx1"/>
+          </a:fontRef>
+        </p:style>
+      </p:cxnSp>
+      <p:cxnSp>
+        <p:nvCxnSpPr>
+          <p:cNvPr id="26" name="Connector: Elbow 25">
+            <a:extLst>
+              <a:ext uri="{FF2B5EF4-FFF2-40B4-BE49-F238E27FC236}">
+                <a16:creationId xmlns:a16="http://schemas.microsoft.com/office/drawing/2014/main" id="{78BB765B-48C5-FF0F-BB4A-5D8AFA1D31D7}"/>
+              </a:ext>
+            </a:extLst>
+          </p:cNvPr>
+          <p:cNvCxnSpPr>
+            <a:cxnSpLocks/>
+            <a:stCxn id="17" idx="2"/>
+            <a:endCxn id="10" idx="3"/>
+          </p:cNvCxnSpPr>
+          <p:nvPr/>
+        </p:nvCxnSpPr>
+        <p:spPr>
+          <a:xfrm rot="5400000" flipH="1" flipV="1">
+            <a:off x="1241977" y="3102144"/>
+            <a:ext cx="3017188" cy="997975"/>
+          </a:xfrm>
+          <a:prstGeom prst="bentConnector4">
+            <a:avLst>
+              <a:gd name="adj1" fmla="val -7577"/>
+              <a:gd name="adj2" fmla="val 122906"/>
+            </a:avLst>
+          </a:prstGeom>
+          <a:ln>
+            <a:tailEnd type="triangle"/>
+          </a:ln>
+        </p:spPr>
+        <p:style>
+          <a:lnRef idx="1">
+            <a:schemeClr val="dk1"/>
+          </a:lnRef>
+          <a:fillRef idx="0">
+            <a:schemeClr val="dk1"/>
+          </a:fillRef>
+          <a:effectRef idx="0">
+            <a:schemeClr val="dk1"/>
+          </a:effectRef>
+          <a:fontRef idx="minor">
+            <a:schemeClr val="tx1"/>
+          </a:fontRef>
+        </p:style>
+      </p:cxnSp>
+      <p:sp>
+        <p:nvSpPr>
+          <p:cNvPr id="27" name="Rectangle 26">
+            <a:extLst>
+              <a:ext uri="{FF2B5EF4-FFF2-40B4-BE49-F238E27FC236}">
+                <a16:creationId xmlns:a16="http://schemas.microsoft.com/office/drawing/2014/main" id="{A968FC4C-AE74-B2AA-6FA7-F1E065D4BD47}"/>
+              </a:ext>
+            </a:extLst>
+          </p:cNvPr>
+          <p:cNvSpPr/>
+          <p:nvPr/>
+        </p:nvSpPr>
+        <p:spPr>
+          <a:xfrm>
+            <a:off x="4168881" y="688259"/>
+            <a:ext cx="7089052" cy="5260258"/>
+          </a:xfrm>
+          <a:prstGeom prst="rect">
             <a:avLst/>
           </a:prstGeom>
         </p:spPr>
@@ -5272,47 +6708,366 @@
           </a:fontRef>
         </p:style>
         <p:txBody>
+          <a:bodyPr rtlCol="0" anchor="t"/>
+          <a:lstStyle/>
+          <a:p>
+            <a:pPr algn="ctr"/>
+            <a:r>
+              <a:rPr lang="en-IN" dirty="0" err="1">
+                <a:latin typeface="Times New Roman" panose="02020603050405020304" pitchFamily="18" charset="0"/>
+                <a:cs typeface="Times New Roman" panose="02020603050405020304" pitchFamily="18" charset="0"/>
+              </a:rPr>
+              <a:t>readEcho_ISR</a:t>
+            </a:r>
+            <a:r>
+              <a:rPr lang="en-IN" dirty="0">
+                <a:latin typeface="Times New Roman" panose="02020603050405020304" pitchFamily="18" charset="0"/>
+                <a:cs typeface="Times New Roman" panose="02020603050405020304" pitchFamily="18" charset="0"/>
+              </a:rPr>
+              <a:t>() ;</a:t>
+            </a:r>
+          </a:p>
+        </p:txBody>
+      </p:sp>
+      <p:sp>
+        <p:nvSpPr>
+          <p:cNvPr id="28" name="Rectangle 27">
+            <a:extLst>
+              <a:ext uri="{FF2B5EF4-FFF2-40B4-BE49-F238E27FC236}">
+                <a16:creationId xmlns:a16="http://schemas.microsoft.com/office/drawing/2014/main" id="{08CC9131-DF32-8AB6-FEA3-70E9DBFF7135}"/>
+              </a:ext>
+            </a:extLst>
+          </p:cNvPr>
+          <p:cNvSpPr/>
+          <p:nvPr/>
+        </p:nvSpPr>
+        <p:spPr>
+          <a:xfrm>
+            <a:off x="4331107" y="1053383"/>
+            <a:ext cx="6828506" cy="481781"/>
+          </a:xfrm>
+          <a:prstGeom prst="rect">
+            <a:avLst/>
+          </a:prstGeom>
+        </p:spPr>
+        <p:style>
+          <a:lnRef idx="1">
+            <a:schemeClr val="accent3"/>
+          </a:lnRef>
+          <a:fillRef idx="2">
+            <a:schemeClr val="accent3"/>
+          </a:fillRef>
+          <a:effectRef idx="1">
+            <a:schemeClr val="accent3"/>
+          </a:effectRef>
+          <a:fontRef idx="minor">
+            <a:schemeClr val="dk1"/>
+          </a:fontRef>
+        </p:style>
+        <p:txBody>
           <a:bodyPr rtlCol="0" anchor="ctr"/>
           <a:lstStyle/>
           <a:p>
             <a:pPr algn="ctr"/>
             <a:r>
               <a:rPr lang="en-IN" dirty="0">
-                <a:latin typeface="LM Roman 10" panose="00000500000000000000" pitchFamily="50" charset="0"/>
+                <a:latin typeface="Times New Roman" panose="02020603050405020304" pitchFamily="18" charset="0"/>
+                <a:cs typeface="Times New Roman" panose="02020603050405020304" pitchFamily="18" charset="0"/>
               </a:rPr>
-              <a:t>Alternate between F/R</a:t>
+              <a:t>* - This interrupt routine executes at positive edge of Echo Pin</a:t>
+            </a:r>
+          </a:p>
+        </p:txBody>
+      </p:sp>
+      <p:sp>
+        <p:nvSpPr>
+          <p:cNvPr id="29" name="Rectangle 28">
+            <a:extLst>
+              <a:ext uri="{FF2B5EF4-FFF2-40B4-BE49-F238E27FC236}">
+                <a16:creationId xmlns:a16="http://schemas.microsoft.com/office/drawing/2014/main" id="{29DFC315-8049-A1B4-423A-E88F0DAE8DA5}"/>
+              </a:ext>
+            </a:extLst>
+          </p:cNvPr>
+          <p:cNvSpPr/>
+          <p:nvPr/>
+        </p:nvSpPr>
+        <p:spPr>
+          <a:xfrm>
+            <a:off x="4336025" y="1783343"/>
+            <a:ext cx="6828506" cy="481781"/>
+          </a:xfrm>
+          <a:prstGeom prst="rect">
+            <a:avLst/>
+          </a:prstGeom>
+        </p:spPr>
+        <p:style>
+          <a:lnRef idx="1">
+            <a:schemeClr val="accent3"/>
+          </a:lnRef>
+          <a:fillRef idx="2">
+            <a:schemeClr val="accent3"/>
+          </a:fillRef>
+          <a:effectRef idx="1">
+            <a:schemeClr val="accent3"/>
+          </a:effectRef>
+          <a:fontRef idx="minor">
+            <a:schemeClr val="dk1"/>
+          </a:fontRef>
+        </p:style>
+        <p:txBody>
+          <a:bodyPr rtlCol="0" anchor="ctr"/>
+          <a:lstStyle/>
+          <a:p>
+            <a:pPr algn="ctr"/>
+            <a:r>
+              <a:rPr lang="en-IN" dirty="0">
+                <a:latin typeface="Times New Roman" panose="02020603050405020304" pitchFamily="18" charset="0"/>
+                <a:cs typeface="Times New Roman" panose="02020603050405020304" pitchFamily="18" charset="0"/>
+              </a:rPr>
+              <a:t>Start </a:t>
+            </a:r>
+            <a:r>
+              <a:rPr lang="en-IN" dirty="0" err="1">
+                <a:latin typeface="Times New Roman" panose="02020603050405020304" pitchFamily="18" charset="0"/>
+                <a:cs typeface="Times New Roman" panose="02020603050405020304" pitchFamily="18" charset="0"/>
+              </a:rPr>
+              <a:t>Systick</a:t>
+            </a:r>
+            <a:r>
+              <a:rPr lang="en-IN" dirty="0">
+                <a:latin typeface="Times New Roman" panose="02020603050405020304" pitchFamily="18" charset="0"/>
+                <a:cs typeface="Times New Roman" panose="02020603050405020304" pitchFamily="18" charset="0"/>
+              </a:rPr>
+              <a:t> Timer from COUNT_MAX</a:t>
+            </a:r>
+          </a:p>
+        </p:txBody>
+      </p:sp>
+      <p:sp>
+        <p:nvSpPr>
+          <p:cNvPr id="30" name="Rectangle 29">
+            <a:extLst>
+              <a:ext uri="{FF2B5EF4-FFF2-40B4-BE49-F238E27FC236}">
+                <a16:creationId xmlns:a16="http://schemas.microsoft.com/office/drawing/2014/main" id="{23D66C79-586F-2B01-5274-C715B5E6A1F7}"/>
+              </a:ext>
+            </a:extLst>
+          </p:cNvPr>
+          <p:cNvSpPr/>
+          <p:nvPr/>
+        </p:nvSpPr>
+        <p:spPr>
+          <a:xfrm>
+            <a:off x="4331107" y="2558295"/>
+            <a:ext cx="6828506" cy="481781"/>
+          </a:xfrm>
+          <a:prstGeom prst="rect">
+            <a:avLst/>
+          </a:prstGeom>
+        </p:spPr>
+        <p:style>
+          <a:lnRef idx="1">
+            <a:schemeClr val="accent3"/>
+          </a:lnRef>
+          <a:fillRef idx="2">
+            <a:schemeClr val="accent3"/>
+          </a:fillRef>
+          <a:effectRef idx="1">
+            <a:schemeClr val="accent3"/>
+          </a:effectRef>
+          <a:fontRef idx="minor">
+            <a:schemeClr val="dk1"/>
+          </a:fontRef>
+        </p:style>
+        <p:txBody>
+          <a:bodyPr rtlCol="0" anchor="ctr"/>
+          <a:lstStyle/>
+          <a:p>
+            <a:pPr algn="ctr"/>
+            <a:r>
+              <a:rPr lang="en-IN" dirty="0">
+                <a:latin typeface="Times New Roman" panose="02020603050405020304" pitchFamily="18" charset="0"/>
+                <a:cs typeface="Times New Roman" panose="02020603050405020304" pitchFamily="18" charset="0"/>
+              </a:rPr>
+              <a:t>Wait for negative edge on Echo Pin</a:t>
+            </a:r>
+          </a:p>
+        </p:txBody>
+      </p:sp>
+      <p:sp>
+        <p:nvSpPr>
+          <p:cNvPr id="31" name="Rectangle 30">
+            <a:extLst>
+              <a:ext uri="{FF2B5EF4-FFF2-40B4-BE49-F238E27FC236}">
+                <a16:creationId xmlns:a16="http://schemas.microsoft.com/office/drawing/2014/main" id="{0F77078E-3CF5-5373-2D2A-1FE705726E57}"/>
+              </a:ext>
+            </a:extLst>
+          </p:cNvPr>
+          <p:cNvSpPr/>
+          <p:nvPr/>
+        </p:nvSpPr>
+        <p:spPr>
+          <a:xfrm>
+            <a:off x="4331107" y="3372675"/>
+            <a:ext cx="6828506" cy="481781"/>
+          </a:xfrm>
+          <a:prstGeom prst="rect">
+            <a:avLst/>
+          </a:prstGeom>
+        </p:spPr>
+        <p:style>
+          <a:lnRef idx="1">
+            <a:schemeClr val="accent3"/>
+          </a:lnRef>
+          <a:fillRef idx="2">
+            <a:schemeClr val="accent3"/>
+          </a:fillRef>
+          <a:effectRef idx="1">
+            <a:schemeClr val="accent3"/>
+          </a:effectRef>
+          <a:fontRef idx="minor">
+            <a:schemeClr val="dk1"/>
+          </a:fontRef>
+        </p:style>
+        <p:txBody>
+          <a:bodyPr rtlCol="0" anchor="ctr"/>
+          <a:lstStyle/>
+          <a:p>
+            <a:pPr algn="ctr"/>
+            <a:r>
+              <a:rPr lang="en-IN" dirty="0">
+                <a:latin typeface="Times New Roman" panose="02020603050405020304" pitchFamily="18" charset="0"/>
+                <a:cs typeface="Times New Roman" panose="02020603050405020304" pitchFamily="18" charset="0"/>
+              </a:rPr>
+              <a:t>Extract time elapsed from the STCURRENT</a:t>
+            </a:r>
+          </a:p>
+        </p:txBody>
+      </p:sp>
+      <p:sp>
+        <p:nvSpPr>
+          <p:cNvPr id="32" name="Rectangle 31">
+            <a:extLst>
+              <a:ext uri="{FF2B5EF4-FFF2-40B4-BE49-F238E27FC236}">
+                <a16:creationId xmlns:a16="http://schemas.microsoft.com/office/drawing/2014/main" id="{9B1EC70B-74FA-C020-F318-DFF958E10C1F}"/>
+              </a:ext>
+            </a:extLst>
+          </p:cNvPr>
+          <p:cNvSpPr/>
+          <p:nvPr/>
+        </p:nvSpPr>
+        <p:spPr>
+          <a:xfrm>
+            <a:off x="4331107" y="5030964"/>
+            <a:ext cx="6828506" cy="481781"/>
+          </a:xfrm>
+          <a:prstGeom prst="rect">
+            <a:avLst/>
+          </a:prstGeom>
+        </p:spPr>
+        <p:style>
+          <a:lnRef idx="1">
+            <a:schemeClr val="accent3"/>
+          </a:lnRef>
+          <a:fillRef idx="2">
+            <a:schemeClr val="accent3"/>
+          </a:fillRef>
+          <a:effectRef idx="1">
+            <a:schemeClr val="accent3"/>
+          </a:effectRef>
+          <a:fontRef idx="minor">
+            <a:schemeClr val="dk1"/>
+          </a:fontRef>
+        </p:style>
+        <p:txBody>
+          <a:bodyPr rtlCol="0" anchor="ctr"/>
+          <a:lstStyle/>
+          <a:p>
+            <a:pPr algn="ctr"/>
+            <a:r>
+              <a:rPr lang="en-IN" dirty="0">
+                <a:latin typeface="Times New Roman" panose="02020603050405020304" pitchFamily="18" charset="0"/>
+                <a:cs typeface="Times New Roman" panose="02020603050405020304" pitchFamily="18" charset="0"/>
+              </a:rPr>
+              <a:t>Convert to string and output to OLED</a:t>
+            </a:r>
+          </a:p>
+        </p:txBody>
+      </p:sp>
+      <p:sp>
+        <p:nvSpPr>
+          <p:cNvPr id="33" name="Rectangle 32">
+            <a:extLst>
+              <a:ext uri="{FF2B5EF4-FFF2-40B4-BE49-F238E27FC236}">
+                <a16:creationId xmlns:a16="http://schemas.microsoft.com/office/drawing/2014/main" id="{97998C7A-C270-5462-A91E-43C7B578B859}"/>
+              </a:ext>
+            </a:extLst>
+          </p:cNvPr>
+          <p:cNvSpPr/>
+          <p:nvPr/>
+        </p:nvSpPr>
+        <p:spPr>
+          <a:xfrm>
+            <a:off x="4331107" y="4254282"/>
+            <a:ext cx="6828506" cy="481781"/>
+          </a:xfrm>
+          <a:prstGeom prst="rect">
+            <a:avLst/>
+          </a:prstGeom>
+        </p:spPr>
+        <p:style>
+          <a:lnRef idx="1">
+            <a:schemeClr val="accent3"/>
+          </a:lnRef>
+          <a:fillRef idx="2">
+            <a:schemeClr val="accent3"/>
+          </a:fillRef>
+          <a:effectRef idx="1">
+            <a:schemeClr val="accent3"/>
+          </a:effectRef>
+          <a:fontRef idx="minor">
+            <a:schemeClr val="dk1"/>
+          </a:fontRef>
+        </p:style>
+        <p:txBody>
+          <a:bodyPr rtlCol="0" anchor="ctr"/>
+          <a:lstStyle/>
+          <a:p>
+            <a:pPr algn="ctr"/>
+            <a:r>
+              <a:rPr lang="en-IN" dirty="0">
+                <a:latin typeface="Times New Roman" panose="02020603050405020304" pitchFamily="18" charset="0"/>
+                <a:cs typeface="Times New Roman" panose="02020603050405020304" pitchFamily="18" charset="0"/>
+              </a:rPr>
+              <a:t>Convert to distance</a:t>
             </a:r>
           </a:p>
         </p:txBody>
       </p:sp>
       <p:cxnSp>
         <p:nvCxnSpPr>
-          <p:cNvPr id="11" name="Straight Arrow Connector 10">
-            <a:extLst>
-              <a:ext uri="{FF2B5EF4-FFF2-40B4-BE49-F238E27FC236}">
-                <a16:creationId xmlns:a16="http://schemas.microsoft.com/office/drawing/2014/main" id="{D2F3A1DD-E745-33EF-19BC-0F498F560BDB}"/>
+          <p:cNvPr id="34" name="Straight Arrow Connector 33">
+            <a:extLst>
+              <a:ext uri="{FF2B5EF4-FFF2-40B4-BE49-F238E27FC236}">
+                <a16:creationId xmlns:a16="http://schemas.microsoft.com/office/drawing/2014/main" id="{8C17A4EE-C1B3-5A92-3415-3021EFE6DB57}"/>
               </a:ext>
             </a:extLst>
           </p:cNvPr>
           <p:cNvCxnSpPr>
             <a:cxnSpLocks/>
-            <a:stCxn id="2" idx="2"/>
-            <a:endCxn id="4" idx="0"/>
+            <a:stCxn id="28" idx="2"/>
+            <a:endCxn id="29" idx="0"/>
           </p:cNvCxnSpPr>
           <p:nvPr/>
         </p:nvCxnSpPr>
         <p:spPr>
           <a:xfrm>
-            <a:off x="5574890" y="727585"/>
-            <a:ext cx="0" cy="344129"/>
+            <a:off x="7745360" y="1535164"/>
+            <a:ext cx="4918" cy="248179"/>
           </a:xfrm>
           <a:prstGeom prst="straightConnector1">
             <a:avLst/>
           </a:prstGeom>
           <a:ln>
-            <a:solidFill>
-              <a:schemeClr val="bg1"/>
-            </a:solidFill>
             <a:tailEnd type="triangle"/>
           </a:ln>
         </p:spPr>
@@ -5333,32 +7088,29 @@
       </p:cxnSp>
       <p:cxnSp>
         <p:nvCxnSpPr>
-          <p:cNvPr id="13" name="Straight Arrow Connector 12">
-            <a:extLst>
-              <a:ext uri="{FF2B5EF4-FFF2-40B4-BE49-F238E27FC236}">
-                <a16:creationId xmlns:a16="http://schemas.microsoft.com/office/drawing/2014/main" id="{34CFEBF1-EF07-6A29-091E-9EF3C7628410}"/>
+          <p:cNvPr id="35" name="Straight Arrow Connector 34">
+            <a:extLst>
+              <a:ext uri="{FF2B5EF4-FFF2-40B4-BE49-F238E27FC236}">
+                <a16:creationId xmlns:a16="http://schemas.microsoft.com/office/drawing/2014/main" id="{7482A89B-E0BA-E71A-4AD6-85A6F383C956}"/>
               </a:ext>
             </a:extLst>
           </p:cNvPr>
           <p:cNvCxnSpPr>
             <a:cxnSpLocks/>
-            <a:stCxn id="43" idx="2"/>
-            <a:endCxn id="5" idx="0"/>
+            <a:stCxn id="29" idx="2"/>
+            <a:endCxn id="30" idx="0"/>
           </p:cNvCxnSpPr>
           <p:nvPr/>
         </p:nvCxnSpPr>
         <p:spPr>
-          <a:xfrm>
-            <a:off x="5574890" y="3141402"/>
-            <a:ext cx="0" cy="575197"/>
+          <a:xfrm flipH="1">
+            <a:off x="7745360" y="2265124"/>
+            <a:ext cx="4918" cy="293171"/>
           </a:xfrm>
           <a:prstGeom prst="straightConnector1">
             <a:avLst/>
           </a:prstGeom>
           <a:ln>
-            <a:solidFill>
-              <a:schemeClr val="bg1"/>
-            </a:solidFill>
             <a:tailEnd type="triangle"/>
           </a:ln>
         </p:spPr>
@@ -5379,32 +7131,29 @@
       </p:cxnSp>
       <p:cxnSp>
         <p:nvCxnSpPr>
-          <p:cNvPr id="16" name="Straight Arrow Connector 15">
-            <a:extLst>
-              <a:ext uri="{FF2B5EF4-FFF2-40B4-BE49-F238E27FC236}">
-                <a16:creationId xmlns:a16="http://schemas.microsoft.com/office/drawing/2014/main" id="{01CF37ED-BA61-785D-8FFB-9595FBB72F82}"/>
+          <p:cNvPr id="36" name="Straight Arrow Connector 35">
+            <a:extLst>
+              <a:ext uri="{FF2B5EF4-FFF2-40B4-BE49-F238E27FC236}">
+                <a16:creationId xmlns:a16="http://schemas.microsoft.com/office/drawing/2014/main" id="{33B7A12B-B513-129C-7306-A226AA85A7FD}"/>
               </a:ext>
             </a:extLst>
           </p:cNvPr>
           <p:cNvCxnSpPr>
             <a:cxnSpLocks/>
-            <a:stCxn id="5" idx="2"/>
-            <a:endCxn id="7" idx="0"/>
+            <a:stCxn id="30" idx="2"/>
+            <a:endCxn id="31" idx="0"/>
           </p:cNvCxnSpPr>
           <p:nvPr/>
         </p:nvCxnSpPr>
         <p:spPr>
           <a:xfrm>
-            <a:off x="5574890" y="4370431"/>
-            <a:ext cx="0" cy="589945"/>
+            <a:off x="7745360" y="3040076"/>
+            <a:ext cx="0" cy="332599"/>
           </a:xfrm>
           <a:prstGeom prst="straightConnector1">
             <a:avLst/>
           </a:prstGeom>
           <a:ln>
-            <a:solidFill>
-              <a:schemeClr val="bg1"/>
-            </a:solidFill>
             <a:tailEnd type="triangle"/>
           </a:ln>
         </p:spPr>
@@ -5425,32 +7174,29 @@
       </p:cxnSp>
       <p:cxnSp>
         <p:nvCxnSpPr>
-          <p:cNvPr id="19" name="Straight Arrow Connector 18">
-            <a:extLst>
-              <a:ext uri="{FF2B5EF4-FFF2-40B4-BE49-F238E27FC236}">
-                <a16:creationId xmlns:a16="http://schemas.microsoft.com/office/drawing/2014/main" id="{B85B0B4E-39AF-7693-8DC4-7EEA14999F0B}"/>
+          <p:cNvPr id="37" name="Straight Arrow Connector 36">
+            <a:extLst>
+              <a:ext uri="{FF2B5EF4-FFF2-40B4-BE49-F238E27FC236}">
+                <a16:creationId xmlns:a16="http://schemas.microsoft.com/office/drawing/2014/main" id="{1BCA2E6E-D584-A29F-E6F0-37D6336367B0}"/>
               </a:ext>
             </a:extLst>
           </p:cNvPr>
           <p:cNvCxnSpPr>
             <a:cxnSpLocks/>
-            <a:stCxn id="7" idx="2"/>
-            <a:endCxn id="8" idx="0"/>
+            <a:stCxn id="31" idx="2"/>
+            <a:endCxn id="33" idx="0"/>
           </p:cNvCxnSpPr>
           <p:nvPr/>
         </p:nvCxnSpPr>
         <p:spPr>
           <a:xfrm>
-            <a:off x="5574890" y="5786286"/>
-            <a:ext cx="0" cy="250736"/>
+            <a:off x="7745360" y="3854456"/>
+            <a:ext cx="0" cy="399826"/>
           </a:xfrm>
           <a:prstGeom prst="straightConnector1">
             <a:avLst/>
           </a:prstGeom>
           <a:ln>
-            <a:solidFill>
-              <a:schemeClr val="bg1"/>
-            </a:solidFill>
             <a:tailEnd type="triangle"/>
           </a:ln>
         </p:spPr>
@@ -5471,248 +7217,29 @@
       </p:cxnSp>
       <p:cxnSp>
         <p:nvCxnSpPr>
-          <p:cNvPr id="24" name="Connector: Elbow 23">
-            <a:extLst>
-              <a:ext uri="{FF2B5EF4-FFF2-40B4-BE49-F238E27FC236}">
-                <a16:creationId xmlns:a16="http://schemas.microsoft.com/office/drawing/2014/main" id="{29FABF27-FAED-C8CF-D19C-8B4FFA6B98CC}"/>
+          <p:cNvPr id="38" name="Straight Arrow Connector 37">
+            <a:extLst>
+              <a:ext uri="{FF2B5EF4-FFF2-40B4-BE49-F238E27FC236}">
+                <a16:creationId xmlns:a16="http://schemas.microsoft.com/office/drawing/2014/main" id="{6378D31A-BE84-89D9-22F5-E42EF1D3B81B}"/>
               </a:ext>
             </a:extLst>
           </p:cNvPr>
           <p:cNvCxnSpPr>
             <a:cxnSpLocks/>
-            <a:stCxn id="43" idx="2"/>
-            <a:endCxn id="6" idx="0"/>
+            <a:stCxn id="33" idx="2"/>
+            <a:endCxn id="32" idx="0"/>
           </p:cNvCxnSpPr>
           <p:nvPr/>
         </p:nvCxnSpPr>
         <p:spPr>
-          <a:xfrm rot="16200000" flipH="1">
-            <a:off x="6679790" y="2036502"/>
-            <a:ext cx="341673" cy="2551472"/>
-          </a:xfrm>
-          <a:prstGeom prst="bentConnector3">
-            <a:avLst>
-              <a:gd name="adj1" fmla="val 50000"/>
-            </a:avLst>
+          <a:xfrm>
+            <a:off x="7745360" y="4736063"/>
+            <a:ext cx="0" cy="294901"/>
+          </a:xfrm>
+          <a:prstGeom prst="straightConnector1">
+            <a:avLst/>
           </a:prstGeom>
           <a:ln>
-            <a:solidFill>
-              <a:schemeClr val="bg1"/>
-            </a:solidFill>
-            <a:tailEnd type="triangle"/>
-          </a:ln>
-        </p:spPr>
-        <p:style>
-          <a:lnRef idx="1">
-            <a:schemeClr val="dk1"/>
-          </a:lnRef>
-          <a:fillRef idx="0">
-            <a:schemeClr val="dk1"/>
-          </a:fillRef>
-          <a:effectRef idx="0">
-            <a:schemeClr val="dk1"/>
-          </a:effectRef>
-          <a:fontRef idx="minor">
-            <a:schemeClr val="tx1"/>
-          </a:fontRef>
-        </p:style>
-      </p:cxnSp>
-      <mc:AlternateContent xmlns:mc="http://schemas.openxmlformats.org/markup-compatibility/2006" xmlns:a14="http://schemas.microsoft.com/office/drawing/2010/main">
-        <mc:Choice Requires="a14">
-          <p:sp>
-            <p:nvSpPr>
-              <p:cNvPr id="42" name="Rectangle 41">
-                <a:extLst>
-                  <a:ext uri="{FF2B5EF4-FFF2-40B4-BE49-F238E27FC236}">
-                    <a16:creationId xmlns:a16="http://schemas.microsoft.com/office/drawing/2014/main" id="{AF7E4BF8-E158-49FC-99E0-6A8A801DE500}"/>
-                  </a:ext>
-                </a:extLst>
-              </p:cNvPr>
-              <p:cNvSpPr/>
-              <p:nvPr/>
-            </p:nvSpPr>
-            <p:spPr>
-              <a:xfrm>
-                <a:off x="4463845" y="1814045"/>
-                <a:ext cx="2222090" cy="560439"/>
-              </a:xfrm>
-              <a:prstGeom prst="rect">
-                <a:avLst/>
-              </a:prstGeom>
-            </p:spPr>
-            <p:style>
-              <a:lnRef idx="1">
-                <a:schemeClr val="accent4"/>
-              </a:lnRef>
-              <a:fillRef idx="2">
-                <a:schemeClr val="accent4"/>
-              </a:fillRef>
-              <a:effectRef idx="1">
-                <a:schemeClr val="accent4"/>
-              </a:effectRef>
-              <a:fontRef idx="minor">
-                <a:schemeClr val="dk1"/>
-              </a:fontRef>
-            </p:style>
-            <p:txBody>
-              <a:bodyPr rtlCol="0" anchor="ctr"/>
-              <a:lstStyle/>
-              <a:p>
-                <a:pPr algn="ctr"/>
-                <a:r>
-                  <a:rPr lang="en-IN" dirty="0">
-                    <a:latin typeface="LM Roman 10" panose="00000500000000000000" pitchFamily="50" charset="0"/>
-                  </a:rPr>
-                  <a:t>Wait(10</a:t>
-                </a:r>
-                <a14:m>
-                  <m:oMath xmlns:m="http://schemas.openxmlformats.org/officeDocument/2006/math">
-                    <m:r>
-                      <a:rPr lang="en-IN" b="0" i="1" dirty="0" smtClean="0">
-                        <a:latin typeface="Cambria Math" panose="02040503050406030204" pitchFamily="18" charset="0"/>
-                      </a:rPr>
-                      <m:t>𝜇</m:t>
-                    </m:r>
-                  </m:oMath>
-                </a14:m>
-                <a:r>
-                  <a:rPr lang="en-IN" dirty="0">
-                    <a:latin typeface="LM Roman 10" panose="00000500000000000000" pitchFamily="50" charset="0"/>
-                  </a:rPr>
-                  <a:t>s)</a:t>
-                </a:r>
-              </a:p>
-            </p:txBody>
-          </p:sp>
-        </mc:Choice>
-        <mc:Fallback xmlns="">
-          <p:sp>
-            <p:nvSpPr>
-              <p:cNvPr id="42" name="Rectangle 41">
-                <a:extLst>
-                  <a:ext uri="{FF2B5EF4-FFF2-40B4-BE49-F238E27FC236}">
-                    <a16:creationId xmlns:a16="http://schemas.microsoft.com/office/drawing/2014/main" id="{AF7E4BF8-E158-49FC-99E0-6A8A801DE500}"/>
-                  </a:ext>
-                </a:extLst>
-              </p:cNvPr>
-              <p:cNvSpPr>
-                <a:spLocks noRot="1" noChangeAspect="1" noMove="1" noResize="1" noEditPoints="1" noAdjustHandles="1" noChangeArrowheads="1" noChangeShapeType="1" noTextEdit="1"/>
-              </p:cNvSpPr>
-              <p:nvPr/>
-            </p:nvSpPr>
-            <p:spPr>
-              <a:xfrm>
-                <a:off x="4463845" y="1814045"/>
-                <a:ext cx="2222090" cy="560439"/>
-              </a:xfrm>
-              <a:prstGeom prst="rect">
-                <a:avLst/>
-              </a:prstGeom>
-              <a:blipFill>
-                <a:blip r:embed="rId4"/>
-                <a:stretch>
-                  <a:fillRect/>
-                </a:stretch>
-              </a:blipFill>
-            </p:spPr>
-            <p:txBody>
-              <a:bodyPr/>
-              <a:lstStyle/>
-              <a:p>
-                <a:r>
-                  <a:rPr lang="en-IN">
-                    <a:noFill/>
-                  </a:rPr>
-                  <a:t> </a:t>
-                </a:r>
-              </a:p>
-            </p:txBody>
-          </p:sp>
-        </mc:Fallback>
-      </mc:AlternateContent>
-      <p:sp>
-        <p:nvSpPr>
-          <p:cNvPr id="43" name="Rectangle 42">
-            <a:extLst>
-              <a:ext uri="{FF2B5EF4-FFF2-40B4-BE49-F238E27FC236}">
-                <a16:creationId xmlns:a16="http://schemas.microsoft.com/office/drawing/2014/main" id="{6585A631-50D3-DDB1-AE6F-906CEF5F91DD}"/>
-              </a:ext>
-            </a:extLst>
-          </p:cNvPr>
-          <p:cNvSpPr/>
-          <p:nvPr/>
-        </p:nvSpPr>
-        <p:spPr>
-          <a:xfrm>
-            <a:off x="4463845" y="2580963"/>
-            <a:ext cx="2222090" cy="560439"/>
-          </a:xfrm>
-          <a:prstGeom prst="rect">
-            <a:avLst/>
-          </a:prstGeom>
-        </p:spPr>
-        <p:style>
-          <a:lnRef idx="1">
-            <a:schemeClr val="accent4"/>
-          </a:lnRef>
-          <a:fillRef idx="2">
-            <a:schemeClr val="accent4"/>
-          </a:fillRef>
-          <a:effectRef idx="1">
-            <a:schemeClr val="accent4"/>
-          </a:effectRef>
-          <a:fontRef idx="minor">
-            <a:schemeClr val="dk1"/>
-          </a:fontRef>
-        </p:style>
-        <p:txBody>
-          <a:bodyPr rtlCol="0" anchor="ctr"/>
-          <a:lstStyle/>
-          <a:p>
-            <a:pPr algn="ctr"/>
-            <a:r>
-              <a:rPr lang="en-IN" dirty="0">
-                <a:latin typeface="LM Mono 10" panose="00000509000000000000" pitchFamily="49" charset="0"/>
-              </a:rPr>
-              <a:t>Trig</a:t>
-            </a:r>
-            <a:r>
-              <a:rPr lang="en-IN" dirty="0">
-                <a:latin typeface="LM Roman 10" panose="00000500000000000000" pitchFamily="50" charset="0"/>
-              </a:rPr>
-              <a:t> = 0</a:t>
-            </a:r>
-          </a:p>
-        </p:txBody>
-      </p:sp>
-      <p:cxnSp>
-        <p:nvCxnSpPr>
-          <p:cNvPr id="44" name="Straight Arrow Connector 43">
-            <a:extLst>
-              <a:ext uri="{FF2B5EF4-FFF2-40B4-BE49-F238E27FC236}">
-                <a16:creationId xmlns:a16="http://schemas.microsoft.com/office/drawing/2014/main" id="{E3E48F48-E68B-561F-50C2-3FF55A2AC1EE}"/>
-              </a:ext>
-            </a:extLst>
-          </p:cNvPr>
-          <p:cNvCxnSpPr>
-            <a:cxnSpLocks/>
-            <a:stCxn id="4" idx="2"/>
-            <a:endCxn id="42" idx="0"/>
-          </p:cNvCxnSpPr>
-          <p:nvPr/>
-        </p:nvCxnSpPr>
-        <p:spPr>
-          <a:xfrm>
-            <a:off x="5574890" y="1632153"/>
-            <a:ext cx="0" cy="181892"/>
-          </a:xfrm>
-          <a:prstGeom prst="straightConnector1">
-            <a:avLst/>
-          </a:prstGeom>
-          <a:ln>
-            <a:solidFill>
-              <a:schemeClr val="bg1"/>
-            </a:solidFill>
             <a:tailEnd type="triangle"/>
           </a:ln>
         </p:spPr>
@@ -5733,32 +7260,29 @@
       </p:cxnSp>
       <p:cxnSp>
         <p:nvCxnSpPr>
-          <p:cNvPr id="47" name="Straight Arrow Connector 46">
-            <a:extLst>
-              <a:ext uri="{FF2B5EF4-FFF2-40B4-BE49-F238E27FC236}">
-                <a16:creationId xmlns:a16="http://schemas.microsoft.com/office/drawing/2014/main" id="{46FE0299-AA5C-B01D-7225-3C80A27C21CF}"/>
+          <p:cNvPr id="39" name="Straight Arrow Connector 38">
+            <a:extLst>
+              <a:ext uri="{FF2B5EF4-FFF2-40B4-BE49-F238E27FC236}">
+                <a16:creationId xmlns:a16="http://schemas.microsoft.com/office/drawing/2014/main" id="{B56D94BA-978D-BBDA-0A4F-31285E993631}"/>
               </a:ext>
             </a:extLst>
           </p:cNvPr>
           <p:cNvCxnSpPr>
             <a:cxnSpLocks/>
-            <a:stCxn id="42" idx="2"/>
-            <a:endCxn id="43" idx="0"/>
+            <a:stCxn id="27" idx="2"/>
+            <a:endCxn id="17" idx="2"/>
           </p:cNvCxnSpPr>
           <p:nvPr/>
         </p:nvCxnSpPr>
         <p:spPr>
-          <a:xfrm>
-            <a:off x="5574890" y="2374484"/>
-            <a:ext cx="0" cy="206479"/>
+          <a:xfrm flipH="1" flipV="1">
+            <a:off x="2251584" y="5109726"/>
+            <a:ext cx="5461823" cy="838791"/>
           </a:xfrm>
           <a:prstGeom prst="straightConnector1">
             <a:avLst/>
           </a:prstGeom>
           <a:ln>
-            <a:solidFill>
-              <a:schemeClr val="bg1"/>
-            </a:solidFill>
             <a:tailEnd type="triangle"/>
           </a:ln>
         </p:spPr>
@@ -5777,493 +7301,6 @@
           </a:fontRef>
         </p:style>
       </p:cxnSp>
-      <p:cxnSp>
-        <p:nvCxnSpPr>
-          <p:cNvPr id="76" name="Connector: Elbow 75">
-            <a:extLst>
-              <a:ext uri="{FF2B5EF4-FFF2-40B4-BE49-F238E27FC236}">
-                <a16:creationId xmlns:a16="http://schemas.microsoft.com/office/drawing/2014/main" id="{72D8B2E1-A22D-A41D-4EC1-AA223C7F6E77}"/>
-              </a:ext>
-            </a:extLst>
-          </p:cNvPr>
-          <p:cNvCxnSpPr>
-            <a:cxnSpLocks/>
-            <a:stCxn id="6" idx="2"/>
-          </p:cNvCxnSpPr>
-          <p:nvPr/>
-        </p:nvCxnSpPr>
-        <p:spPr>
-          <a:xfrm rot="5400000">
-            <a:off x="6786716" y="3252019"/>
-            <a:ext cx="127820" cy="2551472"/>
-          </a:xfrm>
-          <a:prstGeom prst="bentConnector2">
-            <a:avLst/>
-          </a:prstGeom>
-          <a:ln>
-            <a:solidFill>
-              <a:schemeClr val="bg1"/>
-            </a:solidFill>
-            <a:tailEnd type="triangle"/>
-          </a:ln>
-        </p:spPr>
-        <p:style>
-          <a:lnRef idx="1">
-            <a:schemeClr val="dk1"/>
-          </a:lnRef>
-          <a:fillRef idx="0">
-            <a:schemeClr val="dk1"/>
-          </a:fillRef>
-          <a:effectRef idx="0">
-            <a:schemeClr val="dk1"/>
-          </a:effectRef>
-          <a:fontRef idx="minor">
-            <a:schemeClr val="tx1"/>
-          </a:fontRef>
-        </p:style>
-      </p:cxnSp>
-      <p:sp>
-        <p:nvSpPr>
-          <p:cNvPr id="79" name="TextBox 78">
-            <a:extLst>
-              <a:ext uri="{FF2B5EF4-FFF2-40B4-BE49-F238E27FC236}">
-                <a16:creationId xmlns:a16="http://schemas.microsoft.com/office/drawing/2014/main" id="{02F7D44B-FEBD-4E68-4EC8-AD046A0321F6}"/>
-              </a:ext>
-            </a:extLst>
-          </p:cNvPr>
-          <p:cNvSpPr txBox="1"/>
-          <p:nvPr/>
-        </p:nvSpPr>
-        <p:spPr>
-          <a:xfrm>
-            <a:off x="5574890" y="4591355"/>
-            <a:ext cx="2377574" cy="369332"/>
-          </a:xfrm>
-          <a:prstGeom prst="rect">
-            <a:avLst/>
-          </a:prstGeom>
-          <a:noFill/>
-        </p:spPr>
-        <p:txBody>
-          <a:bodyPr wrap="none" rtlCol="0">
-            <a:spAutoFit/>
-          </a:bodyPr>
-          <a:lstStyle/>
-          <a:p>
-            <a:r>
-              <a:rPr lang="en-IN" dirty="0">
-                <a:solidFill>
-                  <a:schemeClr val="bg1"/>
-                </a:solidFill>
-                <a:latin typeface="LM Mono 10" panose="00000509000000000000" pitchFamily="49" charset="0"/>
-              </a:rPr>
-              <a:t> count &lt;= </a:t>
-            </a:r>
-            <a:r>
-              <a:rPr lang="en-IN" dirty="0" err="1">
-                <a:solidFill>
-                  <a:schemeClr val="bg1"/>
-                </a:solidFill>
-                <a:latin typeface="LM Mono 10" panose="00000509000000000000" pitchFamily="49" charset="0"/>
-              </a:rPr>
-              <a:t>count_max</a:t>
-            </a:r>
-            <a:endParaRPr lang="en-IN" dirty="0">
-              <a:solidFill>
-                <a:schemeClr val="bg1"/>
-              </a:solidFill>
-              <a:latin typeface="LM Mono 10" panose="00000509000000000000" pitchFamily="49" charset="0"/>
-            </a:endParaRPr>
-          </a:p>
-        </p:txBody>
-      </p:sp>
-      <p:cxnSp>
-        <p:nvCxnSpPr>
-          <p:cNvPr id="81" name="Connector: Elbow 80">
-            <a:extLst>
-              <a:ext uri="{FF2B5EF4-FFF2-40B4-BE49-F238E27FC236}">
-                <a16:creationId xmlns:a16="http://schemas.microsoft.com/office/drawing/2014/main" id="{B1FB677C-691F-87DF-DC9E-516F486DF837}"/>
-              </a:ext>
-            </a:extLst>
-          </p:cNvPr>
-          <p:cNvCxnSpPr>
-            <a:cxnSpLocks/>
-            <a:stCxn id="5" idx="2"/>
-            <a:endCxn id="4" idx="1"/>
-          </p:cNvCxnSpPr>
-          <p:nvPr/>
-        </p:nvCxnSpPr>
-        <p:spPr>
-          <a:xfrm rot="5400000" flipH="1">
-            <a:off x="3510119" y="2305661"/>
-            <a:ext cx="3018497" cy="1111045"/>
-          </a:xfrm>
-          <a:prstGeom prst="bentConnector4">
-            <a:avLst>
-              <a:gd name="adj1" fmla="val -7573"/>
-              <a:gd name="adj2" fmla="val 120575"/>
-            </a:avLst>
-          </a:prstGeom>
-          <a:ln>
-            <a:solidFill>
-              <a:schemeClr val="bg1"/>
-            </a:solidFill>
-            <a:tailEnd type="triangle"/>
-          </a:ln>
-        </p:spPr>
-        <p:style>
-          <a:lnRef idx="1">
-            <a:schemeClr val="dk1"/>
-          </a:lnRef>
-          <a:fillRef idx="0">
-            <a:schemeClr val="dk1"/>
-          </a:fillRef>
-          <a:effectRef idx="0">
-            <a:schemeClr val="dk1"/>
-          </a:effectRef>
-          <a:fontRef idx="minor">
-            <a:schemeClr val="tx1"/>
-          </a:fontRef>
-        </p:style>
-      </p:cxnSp>
-      <p:sp>
-        <p:nvSpPr>
-          <p:cNvPr id="86" name="TextBox 85">
-            <a:extLst>
-              <a:ext uri="{FF2B5EF4-FFF2-40B4-BE49-F238E27FC236}">
-                <a16:creationId xmlns:a16="http://schemas.microsoft.com/office/drawing/2014/main" id="{FCD257F3-51BB-9D34-CDB3-A27E3741A0ED}"/>
-              </a:ext>
-            </a:extLst>
-          </p:cNvPr>
-          <p:cNvSpPr txBox="1"/>
-          <p:nvPr/>
-        </p:nvSpPr>
-        <p:spPr>
-          <a:xfrm>
-            <a:off x="1912373" y="2772069"/>
-            <a:ext cx="2146742" cy="369332"/>
-          </a:xfrm>
-          <a:prstGeom prst="rect">
-            <a:avLst/>
-          </a:prstGeom>
-          <a:noFill/>
-        </p:spPr>
-        <p:txBody>
-          <a:bodyPr wrap="none" rtlCol="0">
-            <a:spAutoFit/>
-          </a:bodyPr>
-          <a:lstStyle/>
-          <a:p>
-            <a:r>
-              <a:rPr lang="en-IN" dirty="0">
-                <a:solidFill>
-                  <a:schemeClr val="bg1"/>
-                </a:solidFill>
-                <a:latin typeface="LM Mono 10" panose="00000509000000000000" pitchFamily="49" charset="0"/>
-              </a:rPr>
-              <a:t> count &gt;</a:t>
-            </a:r>
-            <a:r>
-              <a:rPr lang="en-IN" dirty="0" err="1">
-                <a:solidFill>
-                  <a:schemeClr val="bg1"/>
-                </a:solidFill>
-                <a:latin typeface="LM Mono 10" panose="00000509000000000000" pitchFamily="49" charset="0"/>
-              </a:rPr>
-              <a:t>count_max</a:t>
-            </a:r>
-            <a:endParaRPr lang="en-IN" dirty="0">
-              <a:solidFill>
-                <a:schemeClr val="bg1"/>
-              </a:solidFill>
-              <a:latin typeface="LM Mono 10" panose="00000509000000000000" pitchFamily="49" charset="0"/>
-            </a:endParaRPr>
-          </a:p>
-        </p:txBody>
-      </p:sp>
-      <p:cxnSp>
-        <p:nvCxnSpPr>
-          <p:cNvPr id="93" name="Connector: Elbow 92">
-            <a:extLst>
-              <a:ext uri="{FF2B5EF4-FFF2-40B4-BE49-F238E27FC236}">
-                <a16:creationId xmlns:a16="http://schemas.microsoft.com/office/drawing/2014/main" id="{FEDFCCDD-60EF-2313-32C0-78852326928A}"/>
-              </a:ext>
-            </a:extLst>
-          </p:cNvPr>
-          <p:cNvCxnSpPr>
-            <a:cxnSpLocks/>
-            <a:stCxn id="8" idx="2"/>
-            <a:endCxn id="4" idx="3"/>
-          </p:cNvCxnSpPr>
-          <p:nvPr/>
-        </p:nvCxnSpPr>
-        <p:spPr>
-          <a:xfrm rot="5400000" flipH="1" flipV="1">
-            <a:off x="3507648" y="3419175"/>
-            <a:ext cx="5245527" cy="1111045"/>
-          </a:xfrm>
-          <a:prstGeom prst="bentConnector4">
-            <a:avLst>
-              <a:gd name="adj1" fmla="val -4358"/>
-              <a:gd name="adj2" fmla="val 360398"/>
-            </a:avLst>
-          </a:prstGeom>
-          <a:ln>
-            <a:solidFill>
-              <a:schemeClr val="bg1"/>
-            </a:solidFill>
-            <a:tailEnd type="triangle"/>
-          </a:ln>
-        </p:spPr>
-        <p:style>
-          <a:lnRef idx="1">
-            <a:schemeClr val="dk1"/>
-          </a:lnRef>
-          <a:fillRef idx="0">
-            <a:schemeClr val="dk1"/>
-          </a:fillRef>
-          <a:effectRef idx="0">
-            <a:schemeClr val="dk1"/>
-          </a:effectRef>
-          <a:fontRef idx="minor">
-            <a:schemeClr val="tx1"/>
-          </a:fontRef>
-        </p:style>
-      </p:cxnSp>
-      <p:sp>
-        <p:nvSpPr>
-          <p:cNvPr id="96" name="Arrow: Up-Down 95">
-            <a:extLst>
-              <a:ext uri="{FF2B5EF4-FFF2-40B4-BE49-F238E27FC236}">
-                <a16:creationId xmlns:a16="http://schemas.microsoft.com/office/drawing/2014/main" id="{34D6BF86-1EEE-0A76-58BE-6F5C14750DB1}"/>
-              </a:ext>
-            </a:extLst>
-          </p:cNvPr>
-          <p:cNvSpPr/>
-          <p:nvPr/>
-        </p:nvSpPr>
-        <p:spPr>
-          <a:xfrm>
-            <a:off x="836882" y="1846677"/>
-            <a:ext cx="126680" cy="837617"/>
-          </a:xfrm>
-          <a:prstGeom prst="upDownArrow">
-            <a:avLst/>
-          </a:prstGeom>
-          <a:solidFill>
-            <a:schemeClr val="bg1"/>
-          </a:solidFill>
-          <a:ln>
-            <a:solidFill>
-              <a:schemeClr val="bg1"/>
-            </a:solidFill>
-          </a:ln>
-        </p:spPr>
-        <p:style>
-          <a:lnRef idx="1">
-            <a:schemeClr val="dk1"/>
-          </a:lnRef>
-          <a:fillRef idx="2">
-            <a:schemeClr val="dk1"/>
-          </a:fillRef>
-          <a:effectRef idx="1">
-            <a:schemeClr val="dk1"/>
-          </a:effectRef>
-          <a:fontRef idx="minor">
-            <a:schemeClr val="dk1"/>
-          </a:fontRef>
-        </p:style>
-        <p:txBody>
-          <a:bodyPr rtlCol="0" anchor="ctr"/>
-          <a:lstStyle/>
-          <a:p>
-            <a:pPr algn="ctr"/>
-            <a:endParaRPr lang="en-IN" dirty="0"/>
-          </a:p>
-        </p:txBody>
-      </p:sp>
-      <p:sp>
-        <p:nvSpPr>
-          <p:cNvPr id="97" name="Rectangle 96">
-            <a:extLst>
-              <a:ext uri="{FF2B5EF4-FFF2-40B4-BE49-F238E27FC236}">
-                <a16:creationId xmlns:a16="http://schemas.microsoft.com/office/drawing/2014/main" id="{BBBE8908-E357-9C64-FC1A-A721F492756E}"/>
-              </a:ext>
-            </a:extLst>
-          </p:cNvPr>
-          <p:cNvSpPr/>
-          <p:nvPr/>
-        </p:nvSpPr>
-        <p:spPr>
-          <a:xfrm>
-            <a:off x="219392" y="2684294"/>
-            <a:ext cx="1403667" cy="3623091"/>
-          </a:xfrm>
-          <a:prstGeom prst="rect">
-            <a:avLst/>
-          </a:prstGeom>
-        </p:spPr>
-        <p:style>
-          <a:lnRef idx="2">
-            <a:schemeClr val="dk1"/>
-          </a:lnRef>
-          <a:fillRef idx="1">
-            <a:schemeClr val="lt1"/>
-          </a:fillRef>
-          <a:effectRef idx="0">
-            <a:schemeClr val="dk1"/>
-          </a:effectRef>
-          <a:fontRef idx="minor">
-            <a:schemeClr val="dk1"/>
-          </a:fontRef>
-        </p:style>
-        <p:txBody>
-          <a:bodyPr rtlCol="0" anchor="t"/>
-          <a:lstStyle/>
-          <a:p>
-            <a:r>
-              <a:rPr lang="en-IN" sz="1200" dirty="0"/>
-              <a:t>#include&lt;..&gt;</a:t>
-            </a:r>
-          </a:p>
-          <a:p>
-            <a:r>
-              <a:rPr lang="en-IN" sz="1200" dirty="0"/>
-              <a:t>#include&lt;..&gt;</a:t>
-            </a:r>
-          </a:p>
-          <a:p>
-            <a:r>
-              <a:rPr lang="en-IN" sz="1200" dirty="0"/>
-              <a:t>#include&lt;..&gt;</a:t>
-            </a:r>
-          </a:p>
-          <a:p>
-            <a:endParaRPr lang="en-IN" sz="1200" dirty="0"/>
-          </a:p>
-          <a:p>
-            <a:r>
-              <a:rPr lang="en-IN" sz="1200" dirty="0"/>
-              <a:t>void fn1(..);</a:t>
-            </a:r>
-          </a:p>
-          <a:p>
-            <a:r>
-              <a:rPr lang="en-IN" sz="1200" dirty="0"/>
-              <a:t>void fn2(..);</a:t>
-            </a:r>
-          </a:p>
-          <a:p>
-            <a:endParaRPr lang="en-IN" sz="1200" dirty="0"/>
-          </a:p>
-          <a:p>
-            <a:r>
-              <a:rPr lang="en-IN" sz="1200" dirty="0"/>
-              <a:t>void main()</a:t>
-            </a:r>
-          </a:p>
-          <a:p>
-            <a:r>
-              <a:rPr lang="en-IN" sz="1200" dirty="0"/>
-              <a:t>{</a:t>
-            </a:r>
-          </a:p>
-          <a:p>
-            <a:r>
-              <a:rPr lang="en-IN" sz="1200" dirty="0"/>
-              <a:t>…. </a:t>
-            </a:r>
-          </a:p>
-          <a:p>
-            <a:r>
-              <a:rPr lang="en-IN" sz="1200" dirty="0"/>
-              <a:t>   while(1){</a:t>
-            </a:r>
-          </a:p>
-          <a:p>
-            <a:r>
-              <a:rPr lang="en-IN" sz="1200" dirty="0"/>
-              <a:t>       …… </a:t>
-            </a:r>
-          </a:p>
-          <a:p>
-            <a:r>
-              <a:rPr lang="en-IN" sz="1200" dirty="0"/>
-              <a:t>   }</a:t>
-            </a:r>
-          </a:p>
-          <a:p>
-            <a:r>
-              <a:rPr lang="en-IN" sz="1200" dirty="0"/>
-              <a:t>}</a:t>
-            </a:r>
-          </a:p>
-          <a:p>
-            <a:endParaRPr lang="en-IN" sz="1200" dirty="0"/>
-          </a:p>
-          <a:p>
-            <a:r>
-              <a:rPr lang="en-IN" sz="1200" dirty="0"/>
-              <a:t>void fn1(…)</a:t>
-            </a:r>
-          </a:p>
-          <a:p>
-            <a:r>
-              <a:rPr lang="en-IN" sz="1200" dirty="0"/>
-              <a:t>{</a:t>
-            </a:r>
-          </a:p>
-          <a:p>
-            <a:r>
-              <a:rPr lang="en-IN" sz="1200" dirty="0"/>
-              <a:t>}</a:t>
-            </a:r>
-          </a:p>
-          <a:p>
-            <a:r>
-              <a:rPr lang="en-IN" sz="1200" dirty="0"/>
-              <a:t>void fn2(…){ …</a:t>
-            </a:r>
-          </a:p>
-        </p:txBody>
-      </p:sp>
-      <p:sp>
-        <p:nvSpPr>
-          <p:cNvPr id="98" name="TextBox 97">
-            <a:extLst>
-              <a:ext uri="{FF2B5EF4-FFF2-40B4-BE49-F238E27FC236}">
-                <a16:creationId xmlns:a16="http://schemas.microsoft.com/office/drawing/2014/main" id="{10F9A75A-EF58-A8EA-D057-A08215F20AC5}"/>
-              </a:ext>
-            </a:extLst>
-          </p:cNvPr>
-          <p:cNvSpPr txBox="1"/>
-          <p:nvPr/>
-        </p:nvSpPr>
-        <p:spPr>
-          <a:xfrm>
-            <a:off x="966499" y="2061156"/>
-            <a:ext cx="1543949" cy="369332"/>
-          </a:xfrm>
-          <a:prstGeom prst="rect">
-            <a:avLst/>
-          </a:prstGeom>
-          <a:noFill/>
-        </p:spPr>
-        <p:txBody>
-          <a:bodyPr wrap="none" rtlCol="0">
-            <a:spAutoFit/>
-          </a:bodyPr>
-          <a:lstStyle/>
-          <a:p>
-            <a:r>
-              <a:rPr lang="en-IN" i="1" dirty="0">
-                <a:latin typeface="LM Roman 10" panose="00000500000000000000" pitchFamily="50" charset="0"/>
-              </a:rPr>
-              <a:t>via interrupt </a:t>
-            </a:r>
-          </a:p>
-        </p:txBody>
-      </p:sp>
     </p:spTree>
     <p:extLst>
       <p:ext uri="{BB962C8B-B14F-4D97-AF65-F5344CB8AC3E}">
